--- a/高通汇报poster汇总20141114 v2.pptx
+++ b/高通汇报poster汇总20141114 v2.pptx
@@ -11944,7 +11944,7 @@
             <a:graphicData uri="http://schemas.openxmlformats.org/presentationml/2006/ole">
               <mc:AlternateContent xmlns:mc="http://schemas.openxmlformats.org/markup-compatibility/2006">
                 <mc:Choice xmlns:v="urn:schemas-microsoft-com:vml" Requires="v">
-                  <p:oleObj spid="_x0000_s1557" name="Equation" r:id="rId10" imgW="3695700" imgH="266700" progId="">
+                  <p:oleObj spid="_x0000_s1561" name="Equation" r:id="rId10" imgW="3695700" imgH="266700" progId="">
                     <p:embed/>
                   </p:oleObj>
                 </mc:Choice>
@@ -16416,7 +16416,7 @@
           <a:graphicData uri="http://schemas.openxmlformats.org/presentationml/2006/ole">
             <mc:AlternateContent xmlns:mc="http://schemas.openxmlformats.org/markup-compatibility/2006">
               <mc:Choice xmlns:v="urn:schemas-microsoft-com:vml" Requires="v">
-                <p:oleObj spid="_x0000_s4142" name="公式" r:id="rId6" imgW="4267080" imgH="266400" progId="Equation.3">
+                <p:oleObj spid="_x0000_s4186" name="公式" r:id="rId6" imgW="4267080" imgH="266400" progId="Equation.3">
                   <p:embed/>
                 </p:oleObj>
               </mc:Choice>
@@ -17347,7 +17347,7 @@
               <a:graphicData uri="http://schemas.openxmlformats.org/presentationml/2006/ole">
                 <mc:AlternateContent xmlns:mc="http://schemas.openxmlformats.org/markup-compatibility/2006">
                   <mc:Choice xmlns:v="urn:schemas-microsoft-com:vml" Requires="v">
-                    <p:oleObj spid="_x0000_s4143" name="公式" r:id="rId8" imgW="177646" imgH="228402" progId="Equation.3">
+                    <p:oleObj spid="_x0000_s4187" name="公式" r:id="rId8" imgW="177646" imgH="228402" progId="Equation.3">
                       <p:embed/>
                     </p:oleObj>
                   </mc:Choice>
@@ -17503,7 +17503,7 @@
               <a:graphicData uri="http://schemas.openxmlformats.org/presentationml/2006/ole">
                 <mc:AlternateContent xmlns:mc="http://schemas.openxmlformats.org/markup-compatibility/2006">
                   <mc:Choice xmlns:v="urn:schemas-microsoft-com:vml" Requires="v">
-                    <p:oleObj spid="_x0000_s4144" name="公式" r:id="rId10" imgW="177646" imgH="228402" progId="Equation.3">
+                    <p:oleObj spid="_x0000_s4188" name="公式" r:id="rId10" imgW="177646" imgH="228402" progId="Equation.3">
                       <p:embed/>
                     </p:oleObj>
                   </mc:Choice>
@@ -17659,7 +17659,7 @@
               <a:graphicData uri="http://schemas.openxmlformats.org/presentationml/2006/ole">
                 <mc:AlternateContent xmlns:mc="http://schemas.openxmlformats.org/markup-compatibility/2006">
                   <mc:Choice xmlns:v="urn:schemas-microsoft-com:vml" Requires="v">
-                    <p:oleObj spid="_x0000_s4145" name="公式" r:id="rId12" imgW="177646" imgH="228402" progId="Equation.3">
+                    <p:oleObj spid="_x0000_s4189" name="公式" r:id="rId12" imgW="177646" imgH="228402" progId="Equation.3">
                       <p:embed/>
                     </p:oleObj>
                   </mc:Choice>
@@ -17815,7 +17815,7 @@
               <a:graphicData uri="http://schemas.openxmlformats.org/presentationml/2006/ole">
                 <mc:AlternateContent xmlns:mc="http://schemas.openxmlformats.org/markup-compatibility/2006">
                   <mc:Choice xmlns:v="urn:schemas-microsoft-com:vml" Requires="v">
-                    <p:oleObj spid="_x0000_s4146" name="公式" r:id="rId14" imgW="177646" imgH="228402" progId="Equation.3">
+                    <p:oleObj spid="_x0000_s4190" name="公式" r:id="rId14" imgW="177646" imgH="228402" progId="Equation.3">
                       <p:embed/>
                     </p:oleObj>
                   </mc:Choice>
@@ -18091,7 +18091,7 @@
               <a:graphicData uri="http://schemas.openxmlformats.org/presentationml/2006/ole">
                 <mc:AlternateContent xmlns:mc="http://schemas.openxmlformats.org/markup-compatibility/2006">
                   <mc:Choice xmlns:v="urn:schemas-microsoft-com:vml" Requires="v">
-                    <p:oleObj spid="_x0000_s4147" name="公式" r:id="rId16" imgW="342603" imgH="164957" progId="Equation.3">
+                    <p:oleObj spid="_x0000_s4191" name="公式" r:id="rId16" imgW="342603" imgH="164957" progId="Equation.3">
                       <p:embed/>
                     </p:oleObj>
                   </mc:Choice>
@@ -18276,7 +18276,7 @@
               <a:graphicData uri="http://schemas.openxmlformats.org/presentationml/2006/ole">
                 <mc:AlternateContent xmlns:mc="http://schemas.openxmlformats.org/markup-compatibility/2006">
                   <mc:Choice xmlns:v="urn:schemas-microsoft-com:vml" Requires="v">
-                    <p:oleObj spid="_x0000_s4148" name="公式" r:id="rId18" imgW="368140" imgH="165028" progId="Equation.3">
+                    <p:oleObj spid="_x0000_s4192" name="公式" r:id="rId18" imgW="368140" imgH="165028" progId="Equation.3">
                       <p:embed/>
                     </p:oleObj>
                   </mc:Choice>
@@ -18461,7 +18461,7 @@
               <a:graphicData uri="http://schemas.openxmlformats.org/presentationml/2006/ole">
                 <mc:AlternateContent xmlns:mc="http://schemas.openxmlformats.org/markup-compatibility/2006">
                   <mc:Choice xmlns:v="urn:schemas-microsoft-com:vml" Requires="v">
-                    <p:oleObj spid="_x0000_s4149" name="公式" r:id="rId20" imgW="355138" imgH="177569" progId="Equation.3">
+                    <p:oleObj spid="_x0000_s4193" name="公式" r:id="rId20" imgW="355138" imgH="177569" progId="Equation.3">
                       <p:embed/>
                     </p:oleObj>
                   </mc:Choice>
@@ -18646,7 +18646,7 @@
               <a:graphicData uri="http://schemas.openxmlformats.org/presentationml/2006/ole">
                 <mc:AlternateContent xmlns:mc="http://schemas.openxmlformats.org/markup-compatibility/2006">
                   <mc:Choice xmlns:v="urn:schemas-microsoft-com:vml" Requires="v">
-                    <p:oleObj spid="_x0000_s4150" name="公式" r:id="rId22" imgW="368140" imgH="165028" progId="Equation.3">
+                    <p:oleObj spid="_x0000_s4194" name="公式" r:id="rId22" imgW="368140" imgH="165028" progId="Equation.3">
                       <p:embed/>
                     </p:oleObj>
                   </mc:Choice>
@@ -18831,7 +18831,7 @@
               <a:graphicData uri="http://schemas.openxmlformats.org/presentationml/2006/ole">
                 <mc:AlternateContent xmlns:mc="http://schemas.openxmlformats.org/markup-compatibility/2006">
                   <mc:Choice xmlns:v="urn:schemas-microsoft-com:vml" Requires="v">
-                    <p:oleObj spid="_x0000_s4151" name="公式" r:id="rId24" imgW="355138" imgH="177569" progId="Equation.3">
+                    <p:oleObj spid="_x0000_s4195" name="公式" r:id="rId24" imgW="355138" imgH="177569" progId="Equation.3">
                       <p:embed/>
                     </p:oleObj>
                   </mc:Choice>
@@ -19060,7 +19060,7 @@
           <a:graphicData uri="http://schemas.openxmlformats.org/presentationml/2006/ole">
             <mc:AlternateContent xmlns:mc="http://schemas.openxmlformats.org/markup-compatibility/2006">
               <mc:Choice xmlns:v="urn:schemas-microsoft-com:vml" Requires="v">
-                <p:oleObj spid="_x0000_s4152" name="公式" r:id="rId26" imgW="1459866" imgH="1091726" progId="Equation.3">
+                <p:oleObj spid="_x0000_s4196" name="公式" r:id="rId26" imgW="1459866" imgH="1091726" progId="Equation.3">
                   <p:embed/>
                 </p:oleObj>
               </mc:Choice>
@@ -23944,7 +23944,7 @@
         </p:nvSpPr>
         <p:spPr bwMode="auto">
           <a:xfrm>
-            <a:off x="5421313" y="2505821"/>
+            <a:off x="5421313" y="2899382"/>
             <a:ext cx="21918612" cy="3710895"/>
           </a:xfrm>
           <a:prstGeom prst="rect">
@@ -24197,7 +24197,7 @@
         </p:nvSpPr>
         <p:spPr>
           <a:xfrm>
-            <a:off x="4582858" y="6394253"/>
+            <a:off x="4572984" y="7114333"/>
             <a:ext cx="7499350" cy="1200150"/>
           </a:xfrm>
           <a:prstGeom prst="roundRect">
@@ -24269,8 +24269,8 @@
         </p:nvSpPr>
         <p:spPr bwMode="auto">
           <a:xfrm>
-            <a:off x="619027" y="7762406"/>
-            <a:ext cx="15054689" cy="6526126"/>
+            <a:off x="619027" y="8626501"/>
+            <a:ext cx="15528976" cy="6526126"/>
           </a:xfrm>
           <a:prstGeom prst="rect">
             <a:avLst/>
@@ -24288,9 +24288,6 @@
           <a:lstStyle/>
           <a:p>
             <a:pPr marL="1001712" lvl="1" indent="-571500" defTabSz="860425">
-              <a:lnSpc>
-                <a:spcPts val="4400"/>
-              </a:lnSpc>
               <a:spcBef>
                 <a:spcPts val="0"/>
               </a:spcBef>
@@ -24298,11 +24295,11 @@
                 <a:srgbClr val="000000"/>
               </a:buClr>
               <a:buSzPct val="100000"/>
-              <a:buFont typeface="Wingdings" panose="05000000000000000000" pitchFamily="2" charset="2"/>
-              <a:buChar char="l"/>
+              <a:buFont typeface="Arial" panose="020B0604020202020204" pitchFamily="34" charset="0"/>
+              <a:buChar char="•"/>
             </a:pPr>
             <a:r>
-              <a:rPr lang="en-US" altLang="zh-CN" sz="4000" kern="0" dirty="0" smtClean="0">
+              <a:rPr lang="en-US" altLang="zh-CN" sz="4400" b="1" kern="0" dirty="0" smtClean="0">
                 <a:solidFill>
                   <a:srgbClr val="000000"/>
                 </a:solidFill>
@@ -24310,6 +24307,109 @@
                 <a:cs typeface="Calibri" panose="020F0502020204030204" pitchFamily="34" charset="0"/>
               </a:rPr>
               <a:t>Build BUPT QoE model of DASH service</a:t>
+            </a:r>
+            <a:endParaRPr lang="en-US" altLang="zh-CN" sz="4400" b="1" kern="0" dirty="0">
+              <a:solidFill>
+                <a:srgbClr val="000000"/>
+              </a:solidFill>
+              <a:ea typeface="宋体"/>
+              <a:cs typeface="Calibri" panose="020F0502020204030204" pitchFamily="34" charset="0"/>
+            </a:endParaRPr>
+          </a:p>
+          <a:p>
+            <a:pPr marL="1431925" lvl="2" indent="-571500" defTabSz="860425">
+              <a:spcBef>
+                <a:spcPts val="0"/>
+              </a:spcBef>
+              <a:buClr>
+                <a:srgbClr val="000000"/>
+              </a:buClr>
+              <a:buSzPct val="100000"/>
+              <a:buFont typeface="Calibri" panose="020F0502020204030204" pitchFamily="34" charset="0"/>
+              <a:buChar char="−"/>
+            </a:pPr>
+            <a:r>
+              <a:rPr lang="en-US" altLang="zh-CN" sz="4000" kern="0" dirty="0">
+                <a:solidFill>
+                  <a:srgbClr val="000000"/>
+                </a:solidFill>
+                <a:ea typeface="宋体"/>
+                <a:cs typeface="Calibri" panose="020F0502020204030204" pitchFamily="34" charset="0"/>
+              </a:rPr>
+              <a:t>Research 3 impairment factors on DASH service: </a:t>
+            </a:r>
+            <a:r>
+              <a:rPr lang="en-US" altLang="zh-CN" sz="4000" i="1" kern="0" dirty="0">
+                <a:solidFill>
+                  <a:srgbClr val="000000"/>
+                </a:solidFill>
+                <a:ea typeface="宋体"/>
+                <a:cs typeface="Calibri" panose="020F0502020204030204" pitchFamily="34" charset="0"/>
+              </a:rPr>
+              <a:t>Initial Delay, Stall</a:t>
+            </a:r>
+            <a:r>
+              <a:rPr lang="en-US" altLang="zh-CN" sz="4000" kern="0" dirty="0">
+                <a:solidFill>
+                  <a:srgbClr val="000000"/>
+                </a:solidFill>
+                <a:ea typeface="宋体"/>
+                <a:cs typeface="Calibri" panose="020F0502020204030204" pitchFamily="34" charset="0"/>
+              </a:rPr>
+              <a:t>, and </a:t>
+            </a:r>
+            <a:r>
+              <a:rPr lang="en-US" altLang="zh-CN" sz="4000" i="1" kern="0" dirty="0">
+                <a:solidFill>
+                  <a:srgbClr val="000000"/>
+                </a:solidFill>
+                <a:ea typeface="宋体"/>
+                <a:cs typeface="Calibri" panose="020F0502020204030204" pitchFamily="34" charset="0"/>
+              </a:rPr>
+              <a:t>Level Variation</a:t>
+            </a:r>
+          </a:p>
+          <a:p>
+            <a:pPr marL="1431925" lvl="2" indent="-571500" defTabSz="860425">
+              <a:spcBef>
+                <a:spcPts val="0"/>
+              </a:spcBef>
+              <a:buClr>
+                <a:srgbClr val="000000"/>
+              </a:buClr>
+              <a:buSzPct val="100000"/>
+              <a:buFont typeface="Calibri" panose="020F0502020204030204" pitchFamily="34" charset="0"/>
+              <a:buChar char="−"/>
+            </a:pPr>
+            <a:r>
+              <a:rPr lang="en-US" altLang="zh-CN" sz="4000" kern="0" dirty="0" smtClean="0">
+                <a:solidFill>
+                  <a:srgbClr val="000000"/>
+                </a:solidFill>
+                <a:ea typeface="宋体"/>
+                <a:cs typeface="Calibri" panose="020F0502020204030204" pitchFamily="34" charset="0"/>
+              </a:rPr>
+              <a:t>107 </a:t>
+            </a:r>
+            <a:r>
+              <a:rPr lang="en-US" altLang="zh-CN" sz="4000" kern="0" dirty="0">
+                <a:solidFill>
+                  <a:srgbClr val="000000"/>
+                </a:solidFill>
+                <a:ea typeface="宋体"/>
+                <a:cs typeface="Calibri" panose="020F0502020204030204" pitchFamily="34" charset="0"/>
+              </a:rPr>
+              <a:t>video samples and 64 </a:t>
+            </a:r>
+            <a:r>
+              <a:rPr lang="en-US" altLang="zh-CN" sz="4000" kern="0" dirty="0" smtClean="0">
+                <a:solidFill>
+                  <a:srgbClr val="000000"/>
+                </a:solidFill>
+                <a:ea typeface="宋体"/>
+                <a:cs typeface="Calibri" panose="020F0502020204030204" pitchFamily="34" charset="0"/>
+              </a:rPr>
+              <a:t>participants, more than 2800 votes received</a:t>
             </a:r>
             <a:endParaRPr lang="en-US" altLang="zh-CN" sz="4000" kern="0" dirty="0">
               <a:solidFill>
@@ -24321,9 +24421,6 @@
           </a:p>
           <a:p>
             <a:pPr marL="1431925" lvl="2" indent="-571500" defTabSz="860425">
-              <a:lnSpc>
-                <a:spcPts val="4400"/>
-              </a:lnSpc>
               <a:spcBef>
                 <a:spcPts val="0"/>
               </a:spcBef>
@@ -24331,55 +24428,29 @@
                 <a:srgbClr val="000000"/>
               </a:buClr>
               <a:buSzPct val="100000"/>
-              <a:buFont typeface="Wingdings" panose="05000000000000000000" pitchFamily="2" charset="2"/>
-              <a:buChar char="Ø"/>
+              <a:buFont typeface="Calibri" panose="020F0502020204030204" pitchFamily="34" charset="0"/>
+              <a:buChar char="−"/>
             </a:pPr>
             <a:r>
-              <a:rPr lang="en-US" altLang="zh-CN" sz="3600" kern="0" dirty="0">
+              <a:rPr lang="en-US" altLang="zh-CN" sz="4000" kern="0" dirty="0" smtClean="0">
                 <a:solidFill>
                   <a:srgbClr val="000000"/>
                 </a:solidFill>
                 <a:ea typeface="宋体"/>
                 <a:cs typeface="Calibri" panose="020F0502020204030204" pitchFamily="34" charset="0"/>
               </a:rPr>
-              <a:t>Research 3 impairment factors on DASH service: </a:t>
-            </a:r>
-            <a:r>
-              <a:rPr lang="en-US" altLang="zh-CN" sz="3600" i="1" kern="0" dirty="0">
-                <a:solidFill>
-                  <a:srgbClr val="000000"/>
-                </a:solidFill>
-                <a:ea typeface="宋体"/>
-                <a:cs typeface="Calibri" panose="020F0502020204030204" pitchFamily="34" charset="0"/>
-              </a:rPr>
-              <a:t>Initial Delay, Stall</a:t>
-            </a:r>
-            <a:r>
-              <a:rPr lang="en-US" altLang="zh-CN" sz="3600" kern="0" dirty="0">
-                <a:solidFill>
-                  <a:srgbClr val="000000"/>
-                </a:solidFill>
-                <a:ea typeface="宋体"/>
-                <a:cs typeface="Calibri" panose="020F0502020204030204" pitchFamily="34" charset="0"/>
-              </a:rPr>
-              <a:t>, and </a:t>
-            </a:r>
-            <a:r>
-              <a:rPr lang="en-US" altLang="zh-CN" sz="3600" i="1" kern="0" dirty="0">
-                <a:solidFill>
-                  <a:srgbClr val="000000"/>
-                </a:solidFill>
-                <a:ea typeface="宋体"/>
-                <a:cs typeface="Calibri" panose="020F0502020204030204" pitchFamily="34" charset="0"/>
-              </a:rPr>
-              <a:t>Level Variation</a:t>
-            </a:r>
+              <a:t>Validate UCSD QoE model with BUPT subjective test results </a:t>
+            </a:r>
+            <a:endParaRPr lang="en-US" altLang="zh-CN" sz="4000" kern="0" dirty="0">
+              <a:solidFill>
+                <a:srgbClr val="000000"/>
+              </a:solidFill>
+              <a:ea typeface="宋体"/>
+              <a:cs typeface="Calibri" panose="020F0502020204030204" pitchFamily="34" charset="0"/>
+            </a:endParaRPr>
           </a:p>
           <a:p>
             <a:pPr marL="1431925" lvl="2" indent="-571500" defTabSz="860425">
-              <a:lnSpc>
-                <a:spcPts val="4400"/>
-              </a:lnSpc>
               <a:spcBef>
                 <a:spcPts val="0"/>
               </a:spcBef>
@@ -24387,40 +24458,20 @@
                 <a:srgbClr val="000000"/>
               </a:buClr>
               <a:buSzPct val="100000"/>
-              <a:buFont typeface="Wingdings" panose="05000000000000000000" pitchFamily="2" charset="2"/>
-              <a:buChar char="Ø"/>
+              <a:buFont typeface="Calibri" panose="020F0502020204030204" pitchFamily="34" charset="0"/>
+              <a:buChar char="−"/>
             </a:pPr>
             <a:r>
-              <a:rPr lang="en-US" altLang="zh-CN" sz="3600" kern="0" dirty="0" smtClean="0">
+              <a:rPr lang="en-US" altLang="zh-CN" sz="4000" kern="0" dirty="0" smtClean="0">
                 <a:solidFill>
                   <a:srgbClr val="000000"/>
                 </a:solidFill>
                 <a:ea typeface="宋体"/>
                 <a:cs typeface="Calibri" panose="020F0502020204030204" pitchFamily="34" charset="0"/>
               </a:rPr>
-              <a:t>107 </a:t>
-            </a:r>
-            <a:r>
-              <a:rPr lang="en-US" altLang="zh-CN" sz="3600" kern="0" dirty="0">
-                <a:solidFill>
-                  <a:srgbClr val="000000"/>
-                </a:solidFill>
-                <a:ea typeface="宋体"/>
-                <a:cs typeface="Calibri" panose="020F0502020204030204" pitchFamily="34" charset="0"/>
-              </a:rPr>
-              <a:t>video samples and 64 </a:t>
-            </a:r>
-            <a:r>
-              <a:rPr lang="en-US" altLang="zh-CN" sz="3600" kern="0" dirty="0" smtClean="0">
-                <a:solidFill>
-                  <a:srgbClr val="000000"/>
-                </a:solidFill>
-                <a:ea typeface="宋体"/>
-                <a:cs typeface="Calibri" panose="020F0502020204030204" pitchFamily="34" charset="0"/>
-              </a:rPr>
-              <a:t>participants, more than 2800 votes received</a:t>
-            </a:r>
-            <a:endParaRPr lang="en-US" altLang="zh-CN" sz="3600" kern="0" dirty="0">
+              <a:t>More accurate than UCSD model with results both from BUPT and UCSD/Qualcomm</a:t>
+            </a:r>
+            <a:endParaRPr lang="en-US" altLang="zh-CN" sz="4000" i="1" kern="0" dirty="0">
               <a:solidFill>
                 <a:srgbClr val="000000"/>
               </a:solidFill>
@@ -24429,10 +24480,7 @@
             </a:endParaRPr>
           </a:p>
           <a:p>
-            <a:pPr marL="1431925" lvl="2" indent="-571500" defTabSz="860425">
-              <a:lnSpc>
-                <a:spcPts val="4400"/>
-              </a:lnSpc>
+            <a:pPr marL="1001712" lvl="1" indent="-571500" defTabSz="860425">
               <a:spcBef>
                 <a:spcPts val="0"/>
               </a:spcBef>
@@ -24440,32 +24488,22 @@
                 <a:srgbClr val="000000"/>
               </a:buClr>
               <a:buSzPct val="100000"/>
-              <a:buFont typeface="Wingdings" panose="05000000000000000000" pitchFamily="2" charset="2"/>
-              <a:buChar char="Ø"/>
+              <a:buFont typeface="Arial" panose="020B0604020202020204" pitchFamily="34" charset="0"/>
+              <a:buChar char="•"/>
             </a:pPr>
             <a:r>
-              <a:rPr lang="en-US" altLang="zh-CN" sz="3600" kern="0" dirty="0" smtClean="0">
+              <a:rPr lang="en-US" altLang="zh-CN" sz="4400" b="1" kern="0" dirty="0">
                 <a:solidFill>
                   <a:srgbClr val="000000"/>
                 </a:solidFill>
                 <a:ea typeface="宋体"/>
                 <a:cs typeface="Calibri" panose="020F0502020204030204" pitchFamily="34" charset="0"/>
               </a:rPr>
-              <a:t>Validate </a:t>
-            </a:r>
-            <a:endParaRPr lang="en-US" altLang="zh-CN" sz="3600" kern="0" dirty="0">
-              <a:solidFill>
-                <a:srgbClr val="000000"/>
-              </a:solidFill>
-              <a:ea typeface="宋体"/>
-              <a:cs typeface="Calibri" panose="020F0502020204030204" pitchFamily="34" charset="0"/>
-            </a:endParaRPr>
+              <a:t>Propose a QoE model of level variation</a:t>
+            </a:r>
           </a:p>
           <a:p>
             <a:pPr marL="1431925" lvl="2" indent="-571500" defTabSz="860425">
-              <a:lnSpc>
-                <a:spcPts val="4400"/>
-              </a:lnSpc>
               <a:spcBef>
                 <a:spcPts val="0"/>
               </a:spcBef>
@@ -24473,32 +24511,42 @@
                 <a:srgbClr val="000000"/>
               </a:buClr>
               <a:buSzPct val="100000"/>
-              <a:buFont typeface="Wingdings" panose="05000000000000000000" pitchFamily="2" charset="2"/>
-              <a:buChar char="Ø"/>
+              <a:buFont typeface="Calibri" panose="020F0502020204030204" pitchFamily="34" charset="0"/>
+              <a:buChar char="−"/>
             </a:pPr>
             <a:r>
-              <a:rPr lang="en-US" altLang="zh-CN" sz="3600" kern="0" dirty="0">
+              <a:rPr lang="en-US" altLang="zh-CN" sz="4000" kern="0" dirty="0">
                 <a:solidFill>
                   <a:srgbClr val="000000"/>
                 </a:solidFill>
                 <a:ea typeface="宋体"/>
                 <a:cs typeface="Calibri" panose="020F0502020204030204" pitchFamily="34" charset="0"/>
               </a:rPr>
-              <a:t>Compare BUPT model with UCSD model provided by Qualcomm</a:t>
-            </a:r>
-            <a:endParaRPr lang="en-US" altLang="zh-CN" sz="3600" i="1" kern="0" dirty="0">
-              <a:solidFill>
-                <a:srgbClr val="000000"/>
-              </a:solidFill>
-              <a:ea typeface="宋体"/>
-              <a:cs typeface="Calibri" panose="020F0502020204030204" pitchFamily="34" charset="0"/>
-            </a:endParaRPr>
-          </a:p>
-          <a:p>
-            <a:pPr marL="1001712" lvl="1" indent="-571500" defTabSz="860425">
-              <a:lnSpc>
-                <a:spcPts val="4400"/>
-              </a:lnSpc>
+              <a:t>Based on Primacy and </a:t>
+            </a:r>
+            <a:r>
+              <a:rPr lang="en-US" altLang="zh-CN" sz="4000" kern="0" dirty="0" err="1">
+                <a:solidFill>
+                  <a:srgbClr val="000000"/>
+                </a:solidFill>
+                <a:ea typeface="宋体"/>
+                <a:cs typeface="Calibri" panose="020F0502020204030204" pitchFamily="34" charset="0"/>
+              </a:rPr>
+              <a:t>Recency</a:t>
+            </a:r>
+            <a:r>
+              <a:rPr lang="en-US" altLang="zh-CN" sz="4000" kern="0" dirty="0">
+                <a:solidFill>
+                  <a:srgbClr val="000000"/>
+                </a:solidFill>
+                <a:ea typeface="宋体"/>
+                <a:cs typeface="Calibri" panose="020F0502020204030204" pitchFamily="34" charset="0"/>
+              </a:rPr>
+              <a:t> Effects</a:t>
+            </a:r>
+          </a:p>
+          <a:p>
+            <a:pPr marL="1431925" lvl="2" indent="-571500" defTabSz="860425">
               <a:spcBef>
                 <a:spcPts val="0"/>
               </a:spcBef>
@@ -24506,8 +24554,8 @@
                 <a:srgbClr val="000000"/>
               </a:buClr>
               <a:buSzPct val="100000"/>
-              <a:buFont typeface="Wingdings" panose="05000000000000000000" pitchFamily="2" charset="2"/>
-              <a:buChar char="l"/>
+              <a:buFont typeface="Calibri" panose="020F0502020204030204" pitchFamily="34" charset="0"/>
+              <a:buChar char="−"/>
             </a:pPr>
             <a:r>
               <a:rPr lang="en-US" altLang="zh-CN" sz="4000" kern="0" dirty="0">
@@ -24517,123 +24565,8 @@
                 <a:ea typeface="宋体"/>
                 <a:cs typeface="Calibri" panose="020F0502020204030204" pitchFamily="34" charset="0"/>
               </a:rPr>
-              <a:t>Propose a QoE model of level variation</a:t>
-            </a:r>
-          </a:p>
-          <a:p>
-            <a:pPr marL="1074738" lvl="2" indent="-214313" defTabSz="860425">
-              <a:lnSpc>
-                <a:spcPts val="4400"/>
-              </a:lnSpc>
-              <a:spcBef>
-                <a:spcPts val="0"/>
-              </a:spcBef>
-              <a:buClr>
-                <a:srgbClr val="000000"/>
-              </a:buClr>
-              <a:buSzPct val="100000"/>
-              <a:buFontTx/>
-              <a:buChar char="»"/>
-            </a:pPr>
-            <a:r>
-              <a:rPr lang="en-US" altLang="zh-CN" sz="3600" kern="0" dirty="0">
-                <a:solidFill>
-                  <a:srgbClr val="000000"/>
-                </a:solidFill>
-                <a:ea typeface="宋体"/>
-                <a:cs typeface="Calibri" panose="020F0502020204030204" pitchFamily="34" charset="0"/>
-              </a:rPr>
-              <a:t>Identify QoE influence factors via two-way ANOVA analysis</a:t>
-            </a:r>
-          </a:p>
-          <a:p>
-            <a:pPr marL="1074738" lvl="2" indent="-214313" defTabSz="860425">
-              <a:lnSpc>
-                <a:spcPts val="4400"/>
-              </a:lnSpc>
-              <a:spcBef>
-                <a:spcPts val="0"/>
-              </a:spcBef>
-              <a:buClr>
-                <a:srgbClr val="000000"/>
-              </a:buClr>
-              <a:buSzPct val="100000"/>
-              <a:buFontTx/>
-              <a:buChar char="»"/>
-            </a:pPr>
-            <a:r>
-              <a:rPr lang="en-US" altLang="zh-CN" sz="3600" kern="0" dirty="0">
-                <a:solidFill>
-                  <a:srgbClr val="000000"/>
-                </a:solidFill>
-                <a:ea typeface="宋体"/>
-                <a:cs typeface="Calibri" panose="020F0502020204030204" pitchFamily="34" charset="0"/>
-              </a:rPr>
-              <a:t>Propose a QoE evaluation model based on Primacy and </a:t>
-            </a:r>
-            <a:r>
-              <a:rPr lang="en-US" altLang="zh-CN" sz="3600" kern="0" dirty="0" err="1">
-                <a:solidFill>
-                  <a:srgbClr val="000000"/>
-                </a:solidFill>
-                <a:ea typeface="宋体"/>
-                <a:cs typeface="Calibri" panose="020F0502020204030204" pitchFamily="34" charset="0"/>
-              </a:rPr>
-              <a:t>Recency</a:t>
-            </a:r>
-            <a:r>
-              <a:rPr lang="en-US" altLang="zh-CN" sz="3600" kern="0" dirty="0">
-                <a:solidFill>
-                  <a:srgbClr val="000000"/>
-                </a:solidFill>
-                <a:ea typeface="宋体"/>
-                <a:cs typeface="Calibri" panose="020F0502020204030204" pitchFamily="34" charset="0"/>
-              </a:rPr>
-              <a:t> Effects</a:t>
-            </a:r>
-          </a:p>
-          <a:p>
-            <a:pPr marL="1001712" lvl="1" indent="-571500" defTabSz="860425">
-              <a:lnSpc>
-                <a:spcPts val="4400"/>
-              </a:lnSpc>
-              <a:spcBef>
-                <a:spcPts val="0"/>
-              </a:spcBef>
-              <a:buClr>
-                <a:srgbClr val="000000"/>
-              </a:buClr>
-              <a:buSzPct val="100000"/>
-              <a:buFont typeface="Wingdings" panose="05000000000000000000" pitchFamily="2" charset="2"/>
-              <a:buChar char="l"/>
-            </a:pPr>
-            <a:r>
-              <a:rPr lang="en-US" altLang="zh-CN" sz="4000" kern="0" dirty="0">
-                <a:solidFill>
-                  <a:srgbClr val="000000"/>
-                </a:solidFill>
-                <a:ea typeface="宋体"/>
-                <a:cs typeface="Calibri" panose="020F0502020204030204" pitchFamily="34" charset="0"/>
-              </a:rPr>
-              <a:t>Predict stall of DASH </a:t>
-            </a:r>
-            <a:r>
-              <a:rPr lang="en-US" altLang="zh-CN" sz="4000" kern="0" dirty="0" smtClean="0">
-                <a:solidFill>
-                  <a:srgbClr val="000000"/>
-                </a:solidFill>
-                <a:ea typeface="宋体"/>
-                <a:cs typeface="Calibri" panose="020F0502020204030204" pitchFamily="34" charset="0"/>
-              </a:rPr>
-              <a:t>service</a:t>
-            </a:r>
-            <a:endParaRPr lang="en-US" altLang="zh-CN" sz="4000" kern="0" dirty="0">
-              <a:solidFill>
-                <a:srgbClr val="000000"/>
-              </a:solidFill>
-              <a:ea typeface="宋体"/>
-              <a:cs typeface="Calibri" panose="020F0502020204030204" pitchFamily="34" charset="0"/>
-            </a:endParaRPr>
+              <a:t>Identify level variation influence factors: Bitrate Switching, Bitrate Fluctuation Pattern </a:t>
+            </a:r>
           </a:p>
         </p:txBody>
       </p:sp>
@@ -24680,7 +24613,7 @@
         </p:nvSpPr>
         <p:spPr bwMode="auto">
           <a:xfrm>
-            <a:off x="1141151" y="17045083"/>
+            <a:off x="1141151" y="16541992"/>
             <a:ext cx="15959138" cy="2524125"/>
           </a:xfrm>
           <a:prstGeom prst="rect">
@@ -24840,8 +24773,8 @@
         </p:nvSpPr>
         <p:spPr>
           <a:xfrm>
-            <a:off x="2448060" y="14314168"/>
-            <a:ext cx="11753418" cy="1200150"/>
+            <a:off x="757499" y="16619389"/>
+            <a:ext cx="14911200" cy="1129982"/>
           </a:xfrm>
           <a:prstGeom prst="roundRect">
             <a:avLst>
@@ -24879,12 +24812,20 @@
               <a:defRPr/>
             </a:pPr>
             <a:r>
+              <a:rPr lang="en-US" altLang="zh-CN" sz="6600" b="1" dirty="0">
+                <a:solidFill>
+                  <a:srgbClr val="FFFFFF"/>
+                </a:solidFill>
+              </a:rPr>
+              <a:t>User Experience Impairment </a:t>
+            </a:r>
+            <a:r>
               <a:rPr lang="en-US" altLang="zh-CN" sz="6600" b="1" dirty="0" smtClean="0">
                 <a:solidFill>
                   <a:srgbClr val="FFFFFF"/>
                 </a:solidFill>
               </a:rPr>
-              <a:t>Background</a:t>
+              <a:t>Factors</a:t>
             </a:r>
             <a:endParaRPr lang="en-US" altLang="zh-CN" sz="6000" b="1" dirty="0">
               <a:solidFill>
@@ -24902,7 +24843,7 @@
         </p:nvSpPr>
         <p:spPr bwMode="auto">
           <a:xfrm>
-            <a:off x="469467" y="18940127"/>
+            <a:off x="469467" y="21301570"/>
             <a:ext cx="7222196" cy="1200329"/>
           </a:xfrm>
           <a:prstGeom prst="rect">
@@ -24942,12 +24883,12 @@
               <a:defRPr/>
             </a:pPr>
             <a:r>
-              <a:rPr lang="en-US" altLang="zh-CN" sz="3600" b="1" dirty="0"/>
-              <a:t>Figure </a:t>
-            </a:r>
-            <a:r>
               <a:rPr lang="en-US" altLang="zh-CN" sz="3600" b="1" dirty="0" smtClean="0"/>
-              <a:t>1. Medium Motion Videos (</a:t>
+              <a:t>Medium </a:t>
+            </a:r>
+            <a:r>
+              <a:rPr lang="en-US" altLang="zh-CN" sz="3600" b="1" dirty="0" smtClean="0"/>
+              <a:t>Motion Videos (</a:t>
             </a:r>
             <a:r>
               <a:rPr lang="en-US" altLang="zh-CN" sz="3600" b="1" dirty="0" err="1" smtClean="0"/>
@@ -24969,7 +24910,7 @@
         </p:nvSpPr>
         <p:spPr bwMode="auto">
           <a:xfrm>
-            <a:off x="7759439" y="19186699"/>
+            <a:off x="7759439" y="21517594"/>
             <a:ext cx="8353491" cy="646331"/>
           </a:xfrm>
           <a:prstGeom prst="rect">
@@ -25009,12 +24950,12 @@
               <a:defRPr/>
             </a:pPr>
             <a:r>
-              <a:rPr lang="en-US" altLang="zh-CN" sz="3600" b="1" dirty="0"/>
-              <a:t>Figure 2</a:t>
-            </a:r>
-            <a:r>
               <a:rPr lang="en-US" altLang="zh-CN" sz="3600" b="1" dirty="0" smtClean="0"/>
-              <a:t>. High Motion Videos (Sports)</a:t>
+              <a:t>High </a:t>
+            </a:r>
+            <a:r>
+              <a:rPr lang="en-US" altLang="zh-CN" sz="3600" b="1" dirty="0" smtClean="0"/>
+              <a:t>Motion Videos (Sports)</a:t>
             </a:r>
             <a:endParaRPr lang="zh-CN" altLang="en-US" sz="3600" b="1" dirty="0"/>
           </a:p>
@@ -25029,13 +24970,13 @@
           <p:nvPr>
             <p:extLst>
               <p:ext uri="{D42A27DB-BD31-4B8C-83A1-F6EECF244321}">
-                <p14:modId xmlns:p14="http://schemas.microsoft.com/office/powerpoint/2010/main" val="1855145405"/>
+                <p14:modId xmlns:p14="http://schemas.microsoft.com/office/powerpoint/2010/main" val="747923182"/>
               </p:ext>
             </p:extLst>
           </p:nvPr>
         </p:nvGraphicFramePr>
         <p:xfrm>
-          <a:off x="767513" y="20115249"/>
+          <a:off x="767513" y="23005955"/>
           <a:ext cx="15118934" cy="2969944"/>
         </p:xfrm>
         <a:graphic>
@@ -26222,7 +26163,7 @@
         </p:nvSpPr>
         <p:spPr>
           <a:xfrm>
-            <a:off x="737621" y="23191394"/>
+            <a:off x="737621" y="26102299"/>
             <a:ext cx="11987031" cy="707886"/>
           </a:xfrm>
           <a:prstGeom prst="rect">
@@ -26272,13 +26213,15 @@
       <p:grpSp>
         <p:nvGrpSpPr>
           <p:cNvPr id="11" name="组合 10"/>
-          <p:cNvGrpSpPr/>
+          <p:cNvGrpSpPr>
+            <a:grpSpLocks noChangeAspect="1"/>
+          </p:cNvGrpSpPr>
           <p:nvPr/>
         </p:nvGrpSpPr>
         <p:grpSpPr>
           <a:xfrm>
-            <a:off x="782917" y="16475373"/>
-            <a:ext cx="6941938" cy="2295646"/>
+            <a:off x="501674" y="18693986"/>
+            <a:ext cx="7620378" cy="2520000"/>
             <a:chOff x="16396023" y="9023074"/>
             <a:chExt cx="6941938" cy="2295646"/>
           </a:xfrm>
@@ -26491,8 +26434,8 @@
         </p:nvGrpSpPr>
         <p:grpSpPr>
           <a:xfrm>
-            <a:off x="8161129" y="16363711"/>
-            <a:ext cx="7634660" cy="2524724"/>
+            <a:off x="8251875" y="18695573"/>
+            <a:ext cx="7634660" cy="2502000"/>
             <a:chOff x="23774235" y="8836334"/>
             <a:chExt cx="7634660" cy="2524724"/>
           </a:xfrm>
@@ -26705,10 +26648,10 @@
         </p:nvGrpSpPr>
         <p:grpSpPr>
           <a:xfrm>
-            <a:off x="720503" y="23718804"/>
-            <a:ext cx="15480000" cy="5900570"/>
+            <a:off x="720503" y="27153042"/>
+            <a:ext cx="15480000" cy="4925717"/>
             <a:chOff x="16333609" y="16191427"/>
-            <a:chExt cx="15480000" cy="5900570"/>
+            <a:chExt cx="15480000" cy="4925717"/>
           </a:xfrm>
         </p:grpSpPr>
         <p:sp>
@@ -26722,7 +26665,7 @@
           <p:spPr bwMode="auto">
             <a:xfrm>
               <a:off x="16333609" y="16191427"/>
-              <a:ext cx="15480000" cy="5900570"/>
+              <a:ext cx="15480000" cy="4925717"/>
             </a:xfrm>
             <a:prstGeom prst="rect">
               <a:avLst/>
@@ -26798,16 +26741,6 @@
                 <a:buFont typeface="Arial" charset="0"/>
                 <a:buChar char="•"/>
               </a:pPr>
-              <a:endParaRPr lang="en-US" altLang="zh-CN" sz="6000" b="1" dirty="0"/>
-            </a:p>
-            <a:p>
-              <a:pPr marL="522288" indent="-522288" algn="just" defTabSz="6361113">
-                <a:spcAft>
-                  <a:spcPts val="0"/>
-                </a:spcAft>
-                <a:buFont typeface="Arial" charset="0"/>
-                <a:buChar char="•"/>
-              </a:pPr>
               <a:endParaRPr lang="en-US" altLang="zh-CN" sz="4400" b="1" dirty="0" smtClean="0"/>
             </a:p>
             <a:p>
@@ -26828,7 +26761,38 @@
                 <a:buFont typeface="Arial" charset="0"/>
                 <a:buChar char="•"/>
               </a:pPr>
-              <a:endParaRPr lang="en-US" altLang="zh-CN" sz="4800" b="1" dirty="0" smtClean="0"/>
+              <a:r>
+                <a:rPr lang="en-US" altLang="zh-CN" sz="4000" b="1" dirty="0" smtClean="0"/>
+                <a:t>Test </a:t>
+              </a:r>
+              <a:r>
+                <a:rPr lang="en-US" altLang="zh-CN" sz="4000" b="1" dirty="0">
+                  <a:solidFill>
+                    <a:srgbClr val="FF0000"/>
+                  </a:solidFill>
+                </a:rPr>
+                <a:t>107</a:t>
+              </a:r>
+              <a:r>
+                <a:rPr lang="en-US" altLang="zh-CN" sz="4000" b="1" dirty="0"/>
+                <a:t> video samples and </a:t>
+              </a:r>
+              <a:r>
+                <a:rPr lang="en-US" altLang="zh-CN" sz="4000" b="1" dirty="0">
+                  <a:solidFill>
+                    <a:srgbClr val="FF0000"/>
+                  </a:solidFill>
+                </a:rPr>
+                <a:t>64</a:t>
+              </a:r>
+              <a:r>
+                <a:rPr lang="en-US" altLang="zh-CN" sz="4000" b="1" dirty="0"/>
+                <a:t> </a:t>
+              </a:r>
+              <a:r>
+                <a:rPr lang="en-US" altLang="zh-CN" sz="4000" b="1" dirty="0" smtClean="0"/>
+                <a:t>participants</a:t>
+              </a:r>
             </a:p>
             <a:p>
               <a:pPr marL="522288" indent="-522288" algn="just" defTabSz="6361113">
@@ -26839,20 +26803,8 @@
                 <a:buChar char="•"/>
               </a:pPr>
               <a:r>
-                <a:rPr lang="en-US" altLang="zh-CN" sz="4000" b="1" dirty="0" smtClean="0">
-                  <a:solidFill>
-                    <a:srgbClr val="FF0000"/>
-                  </a:solidFill>
-                </a:rPr>
-                <a:t>64</a:t>
-              </a:r>
-              <a:r>
-                <a:rPr lang="en-US" altLang="zh-CN" sz="4000" b="1" dirty="0" smtClean="0"/>
-                <a:t> </a:t>
-              </a:r>
-              <a:r>
                 <a:rPr lang="en-US" altLang="zh-CN" sz="4000" b="1" dirty="0"/>
-                <a:t>participants from BUPT are divided into </a:t>
+                <a:t>More than </a:t>
               </a:r>
               <a:r>
                 <a:rPr lang="en-US" altLang="zh-CN" sz="4000" b="1" dirty="0">
@@ -26860,17 +26812,12 @@
                     <a:srgbClr val="FF0000"/>
                   </a:solidFill>
                 </a:rPr>
-                <a:t>3</a:t>
+                <a:t>2800</a:t>
               </a:r>
               <a:r>
                 <a:rPr lang="en-US" altLang="zh-CN" sz="4000" b="1" dirty="0"/>
-                <a:t> </a:t>
+                <a:t> votes are received</a:t>
               </a:r>
-              <a:r>
-                <a:rPr lang="en-US" altLang="zh-CN" sz="4000" b="1" dirty="0" smtClean="0"/>
-                <a:t>groups.</a:t>
-              </a:r>
-              <a:endParaRPr lang="en-US" altLang="zh-CN" sz="4000" b="1" dirty="0"/>
             </a:p>
             <a:p>
               <a:pPr marL="522288" indent="-522288" algn="just" defTabSz="6361113">
@@ -26882,24 +26829,26 @@
               </a:pPr>
               <a:r>
                 <a:rPr lang="en-US" altLang="zh-CN" sz="4000" b="1" dirty="0" smtClean="0"/>
-                <a:t>Each </a:t>
+                <a:t>Evaluation </a:t>
               </a:r>
               <a:r>
                 <a:rPr lang="en-US" altLang="zh-CN" sz="4000" b="1" dirty="0"/>
-                <a:t>tester watches about </a:t>
-              </a:r>
-              <a:r>
-                <a:rPr lang="en-US" altLang="zh-CN" sz="4000" b="1" dirty="0">
-                  <a:solidFill>
-                    <a:srgbClr val="FF0000"/>
-                  </a:solidFill>
-                </a:rPr>
-                <a:t>45</a:t>
+                <a:t>methodology: Single-Stimulus (SS</a:t>
               </a:r>
               <a:r>
                 <a:rPr lang="en-US" altLang="zh-CN" sz="4000" b="1" dirty="0"/>
-                <a:t> test video clips in one hour.</a:t>
+                <a:t>)</a:t>
               </a:r>
+            </a:p>
+            <a:p>
+              <a:pPr marL="522288" indent="-522288" algn="just" defTabSz="6361113">
+                <a:spcAft>
+                  <a:spcPts val="0"/>
+                </a:spcAft>
+                <a:buFont typeface="Arial" charset="0"/>
+                <a:buChar char="•"/>
+              </a:pPr>
+              <a:endParaRPr lang="en-US" altLang="zh-CN" sz="4000" b="1" dirty="0"/>
             </a:p>
             <a:p>
               <a:pPr marL="522288" indent="-522288" algn="just" defTabSz="6361113">
@@ -27369,78 +27318,6 @@
             <a:effectLst/>
           </p:spPr>
         </p:cxnSp>
-        <p:graphicFrame>
-          <p:nvGraphicFramePr>
-            <p:cNvPr id="116" name="Object 1"/>
-            <p:cNvGraphicFramePr>
-              <a:graphicFrameLocks noChangeAspect="1"/>
-            </p:cNvGraphicFramePr>
-            <p:nvPr>
-              <p:extLst/>
-            </p:nvPr>
-          </p:nvGraphicFramePr>
-          <p:xfrm>
-            <a:off x="17145640" y="19383390"/>
-            <a:ext cx="14597681" cy="1056509"/>
-          </p:xfrm>
-          <a:graphic>
-            <a:graphicData uri="http://schemas.openxmlformats.org/presentationml/2006/ole">
-              <mc:AlternateContent xmlns:mc="http://schemas.openxmlformats.org/markup-compatibility/2006">
-                <mc:Choice xmlns:v="urn:schemas-microsoft-com:vml" Requires="v">
-                  <p:oleObj spid="_x0000_s5177" name="Equation" r:id="rId10" imgW="3695700" imgH="266700" progId="">
-                    <p:embed/>
-                  </p:oleObj>
-                </mc:Choice>
-                <mc:Fallback>
-                  <p:oleObj name="Equation" r:id="rId10" imgW="3695700" imgH="266700" progId="">
-                    <p:embed/>
-                    <p:pic>
-                      <p:nvPicPr>
-                        <p:cNvPr id="0" name=""/>
-                        <p:cNvPicPr>
-                          <a:picLocks noChangeAspect="1" noChangeArrowheads="1"/>
-                        </p:cNvPicPr>
-                        <p:nvPr/>
-                      </p:nvPicPr>
-                      <p:blipFill>
-                        <a:blip r:embed="rId11">
-                          <a:extLst>
-                            <a:ext uri="{28A0092B-C50C-407E-A947-70E740481C1C}">
-                              <a14:useLocalDpi xmlns:a14="http://schemas.microsoft.com/office/drawing/2010/main" val="0"/>
-                            </a:ext>
-                          </a:extLst>
-                        </a:blip>
-                        <a:srcRect/>
-                        <a:stretch>
-                          <a:fillRect/>
-                        </a:stretch>
-                      </p:blipFill>
-                      <p:spPr bwMode="auto">
-                        <a:xfrm>
-                          <a:off x="17145640" y="19383390"/>
-                          <a:ext cx="14597681" cy="1056509"/>
-                        </a:xfrm>
-                        <a:prstGeom prst="rect">
-                          <a:avLst/>
-                        </a:prstGeom>
-                        <a:noFill/>
-                        <a:extLst>
-                          <a:ext uri="{909E8E84-426E-40DD-AFC4-6F175D3DCCD1}">
-                            <a14:hiddenFill xmlns:a14="http://schemas.microsoft.com/office/drawing/2010/main">
-                              <a:solidFill>
-                                <a:srgbClr val="FFFFFF"/>
-                              </a:solidFill>
-                            </a14:hiddenFill>
-                          </a:ext>
-                        </a:extLst>
-                      </p:spPr>
-                    </p:pic>
-                  </p:oleObj>
-                </mc:Fallback>
-              </mc:AlternateContent>
-            </a:graphicData>
-          </a:graphic>
-        </p:graphicFrame>
       </p:grpSp>
       <p:sp>
         <p:nvSpPr>
@@ -27450,7 +27327,7 @@
         </p:nvSpPr>
         <p:spPr>
           <a:xfrm>
-            <a:off x="17209441" y="16527285"/>
+            <a:off x="17209441" y="21304622"/>
             <a:ext cx="14474825" cy="1003300"/>
           </a:xfrm>
           <a:prstGeom prst="roundRect">
@@ -27508,7 +27385,7 @@
         </p:nvSpPr>
         <p:spPr bwMode="auto">
           <a:xfrm>
-            <a:off x="16804628" y="17838560"/>
+            <a:off x="16804628" y="22477138"/>
             <a:ext cx="15705138" cy="7751763"/>
           </a:xfrm>
           <a:prstGeom prst="rect">
@@ -27841,7 +27718,7 @@
         </p:nvSpPr>
         <p:spPr>
           <a:xfrm>
-            <a:off x="18374666" y="26249135"/>
+            <a:off x="18374666" y="28500709"/>
             <a:ext cx="12444412" cy="1012825"/>
           </a:xfrm>
           <a:prstGeom prst="roundRect">
@@ -27898,7 +27775,17 @@
           <p:nvPr/>
         </p:nvPicPr>
         <p:blipFill>
-          <a:blip r:embed="rId12">
+          <a:blip r:embed="rId10">
+            <a:clrChange>
+              <a:clrFrom>
+                <a:srgbClr val="FFFFFF"/>
+              </a:clrFrom>
+              <a:clrTo>
+                <a:srgbClr val="FFFFFF">
+                  <a:alpha val="0"/>
+                </a:srgbClr>
+              </a:clrTo>
+            </a:clrChange>
             <a:extLst>
               <a:ext uri="{28A0092B-C50C-407E-A947-70E740481C1C}">
                 <a14:useLocalDpi xmlns:a14="http://schemas.microsoft.com/office/drawing/2010/main" val="0"/>
@@ -27912,8 +27799,8 @@
         </p:blipFill>
         <p:spPr bwMode="auto">
           <a:xfrm>
-            <a:off x="16776053" y="18559285"/>
-            <a:ext cx="10125075" cy="7102475"/>
+            <a:off x="16892835" y="22682529"/>
+            <a:ext cx="8396875" cy="5890188"/>
           </a:xfrm>
           <a:prstGeom prst="rect">
             <a:avLst/>
@@ -27962,7 +27849,7 @@
           <p:nvPr/>
         </p:nvPicPr>
         <p:blipFill>
-          <a:blip r:embed="rId13" cstate="print">
+          <a:blip r:embed="rId11" cstate="print">
             <a:extLst>
               <a:ext uri="{28A0092B-C50C-407E-A947-70E740481C1C}">
                 <a14:useLocalDpi xmlns:a14="http://schemas.microsoft.com/office/drawing/2010/main" val="0"/>
@@ -27976,7 +27863,7 @@
         </p:blipFill>
         <p:spPr bwMode="auto">
           <a:xfrm>
-            <a:off x="26145478" y="19073635"/>
+            <a:off x="25901772" y="22989802"/>
             <a:ext cx="6400800" cy="1543050"/>
           </a:xfrm>
           <a:prstGeom prst="rect">
@@ -28026,7 +27913,7 @@
           <p:nvPr/>
         </p:nvPicPr>
         <p:blipFill>
-          <a:blip r:embed="rId14" cstate="print">
+          <a:blip r:embed="rId12" cstate="print">
             <a:extLst>
               <a:ext uri="{28A0092B-C50C-407E-A947-70E740481C1C}">
                 <a14:useLocalDpi xmlns:a14="http://schemas.microsoft.com/office/drawing/2010/main" val="0"/>
@@ -28040,7 +27927,7 @@
         </p:blipFill>
         <p:spPr bwMode="auto">
           <a:xfrm>
-            <a:off x="26137541" y="20929423"/>
+            <a:off x="25893835" y="24845590"/>
             <a:ext cx="6408737" cy="1457325"/>
           </a:xfrm>
           <a:prstGeom prst="rect">
@@ -28090,7 +27977,7 @@
           <p:nvPr/>
         </p:nvPicPr>
         <p:blipFill>
-          <a:blip r:embed="rId15" cstate="print">
+          <a:blip r:embed="rId13" cstate="print">
             <a:extLst>
               <a:ext uri="{28A0092B-C50C-407E-A947-70E740481C1C}">
                 <a14:useLocalDpi xmlns:a14="http://schemas.microsoft.com/office/drawing/2010/main" val="0"/>
@@ -28104,7 +27991,7 @@
         </p:blipFill>
         <p:spPr bwMode="auto">
           <a:xfrm>
-            <a:off x="26215328" y="22458185"/>
+            <a:off x="25971622" y="26374352"/>
             <a:ext cx="6259513" cy="1838325"/>
           </a:xfrm>
           <a:prstGeom prst="rect">
@@ -28155,7 +28042,7 @@
         </p:nvSpPr>
         <p:spPr bwMode="auto">
           <a:xfrm>
-            <a:off x="16803041" y="27617560"/>
+            <a:off x="16803041" y="29789461"/>
             <a:ext cx="15705137" cy="2892425"/>
           </a:xfrm>
           <a:prstGeom prst="rect">
@@ -28331,7 +28218,7 @@
               </a:spcAft>
             </a:pPr>
             <a:r>
-              <a:rPr lang="en-US" altLang="zh-CN" sz="4800" b="1"/>
+              <a:rPr lang="en-US" altLang="zh-CN" sz="4800" b="1" dirty="0"/>
               <a:t>Frequency bitrate decreased switching causes serious subjective impairment</a:t>
             </a:r>
           </a:p>
@@ -28346,7 +28233,7 @@
           <p:nvPr/>
         </p:nvPicPr>
         <p:blipFill>
-          <a:blip r:embed="rId16" cstate="print">
+          <a:blip r:embed="rId14" cstate="print">
             <a:extLst>
               <a:ext uri="{28A0092B-C50C-407E-A947-70E740481C1C}">
                 <a14:useLocalDpi xmlns:a14="http://schemas.microsoft.com/office/drawing/2010/main" val="0"/>
@@ -28360,7 +28247,7 @@
         </p:blipFill>
         <p:spPr bwMode="auto">
           <a:xfrm>
-            <a:off x="17468203" y="28768498"/>
+            <a:off x="17468203" y="30809529"/>
             <a:ext cx="9548813" cy="1573212"/>
           </a:xfrm>
           <a:prstGeom prst="rect">
@@ -28410,7 +28297,7 @@
           <p:nvPr/>
         </p:nvPicPr>
         <p:blipFill>
-          <a:blip r:embed="rId17" cstate="print">
+          <a:blip r:embed="rId15" cstate="print">
             <a:extLst>
               <a:ext uri="{28A0092B-C50C-407E-A947-70E740481C1C}">
                 <a14:useLocalDpi xmlns:a14="http://schemas.microsoft.com/office/drawing/2010/main" val="0"/>
@@ -28424,7 +28311,7 @@
         </p:blipFill>
         <p:spPr bwMode="auto">
           <a:xfrm>
-            <a:off x="27793303" y="28662135"/>
+            <a:off x="27793303" y="30703166"/>
             <a:ext cx="4081463" cy="1690688"/>
           </a:xfrm>
           <a:prstGeom prst="rect">
@@ -28473,7 +28360,7 @@
         </p:nvSpPr>
         <p:spPr>
           <a:xfrm>
-            <a:off x="18374666" y="31073548"/>
+            <a:off x="18374666" y="32465862"/>
             <a:ext cx="12444412" cy="1012825"/>
           </a:xfrm>
           <a:prstGeom prst="roundRect">
@@ -28531,8 +28418,8 @@
         </p:nvSpPr>
         <p:spPr bwMode="auto">
           <a:xfrm>
-            <a:off x="16776053" y="32573735"/>
-            <a:ext cx="15705138" cy="5053013"/>
+            <a:off x="17109946" y="33416698"/>
+            <a:ext cx="7803136" cy="916659"/>
           </a:xfrm>
           <a:prstGeom prst="rect">
             <a:avLst/>
@@ -28696,9 +28583,6 @@
           </a:lstStyle>
           <a:p>
             <a:pPr algn="just" eaLnBrk="1" hangingPunct="1">
-              <a:lnSpc>
-                <a:spcPts val="4000"/>
-              </a:lnSpc>
               <a:spcBef>
                 <a:spcPct val="0"/>
               </a:spcBef>
@@ -28707,84 +28591,14 @@
               </a:spcAft>
             </a:pPr>
             <a:r>
-              <a:rPr lang="en-US" altLang="zh-CN" sz="4800" b="1"/>
-              <a:t>QoE evaluation functions:</a:t>
-            </a:r>
-          </a:p>
-          <a:p>
-            <a:pPr algn="just" eaLnBrk="1" hangingPunct="1">
-              <a:lnSpc>
-                <a:spcPts val="4000"/>
-              </a:lnSpc>
-              <a:spcBef>
-                <a:spcPct val="0"/>
-              </a:spcBef>
-              <a:spcAft>
-                <a:spcPts val="1825"/>
-              </a:spcAft>
-            </a:pPr>
-            <a:endParaRPr lang="en-US" altLang="zh-CN" sz="4800" b="1"/>
-          </a:p>
-          <a:p>
-            <a:pPr algn="just" eaLnBrk="1" hangingPunct="1">
-              <a:lnSpc>
-                <a:spcPts val="4000"/>
-              </a:lnSpc>
-              <a:spcBef>
-                <a:spcPct val="0"/>
-              </a:spcBef>
-              <a:spcAft>
-                <a:spcPts val="1825"/>
-              </a:spcAft>
-            </a:pPr>
-            <a:endParaRPr lang="en-US" altLang="zh-CN" sz="4800" b="1"/>
-          </a:p>
-          <a:p>
-            <a:pPr algn="just" eaLnBrk="1" hangingPunct="1">
-              <a:lnSpc>
-                <a:spcPts val="4000"/>
-              </a:lnSpc>
-              <a:spcBef>
-                <a:spcPct val="0"/>
-              </a:spcBef>
-              <a:spcAft>
-                <a:spcPts val="1825"/>
-              </a:spcAft>
-            </a:pPr>
-            <a:endParaRPr lang="en-US" altLang="zh-CN" sz="4800" b="1"/>
-          </a:p>
-          <a:p>
-            <a:pPr algn="just" eaLnBrk="1" hangingPunct="1">
-              <a:lnSpc>
-                <a:spcPts val="4000"/>
-              </a:lnSpc>
-              <a:spcBef>
-                <a:spcPct val="0"/>
-              </a:spcBef>
-              <a:spcAft>
-                <a:spcPts val="1825"/>
-              </a:spcAft>
-            </a:pPr>
-            <a:r>
-              <a:rPr lang="en-US" altLang="zh-CN" sz="4800" b="1"/>
-              <a:t>Performance analysis</a:t>
-            </a:r>
-          </a:p>
-          <a:p>
-            <a:pPr lvl="1" algn="just" eaLnBrk="1" hangingPunct="1">
-              <a:lnSpc>
-                <a:spcPts val="4000"/>
-              </a:lnSpc>
-              <a:spcBef>
-                <a:spcPct val="0"/>
-              </a:spcBef>
-              <a:spcAft>
-                <a:spcPts val="1825"/>
-              </a:spcAft>
-              <a:buFont typeface="Arial" panose="020B0604020202020204" pitchFamily="34" charset="0"/>
-              <a:buChar char="•"/>
-            </a:pPr>
-            <a:endParaRPr lang="en-US" altLang="zh-CN" sz="4800" b="1"/>
+              <a:rPr lang="en-US" altLang="zh-CN" sz="4800" b="1" dirty="0"/>
+              <a:t>QoE evaluation </a:t>
+            </a:r>
+            <a:r>
+              <a:rPr lang="en-US" altLang="zh-CN" sz="4800" b="1" dirty="0" smtClean="0"/>
+              <a:t>functions</a:t>
+            </a:r>
+            <a:endParaRPr lang="en-US" altLang="zh-CN" sz="4800" b="1" dirty="0"/>
           </a:p>
         </p:txBody>
       </p:sp>
@@ -28797,7 +28611,7 @@
           <p:nvPr/>
         </p:nvPicPr>
         <p:blipFill>
-          <a:blip r:embed="rId18" cstate="print">
+          <a:blip r:embed="rId16" cstate="print">
             <a:extLst>
               <a:ext uri="{28A0092B-C50C-407E-A947-70E740481C1C}">
                 <a14:useLocalDpi xmlns:a14="http://schemas.microsoft.com/office/drawing/2010/main" val="0"/>
@@ -28811,7 +28625,7 @@
         </p:blipFill>
         <p:spPr bwMode="auto">
           <a:xfrm>
-            <a:off x="17928578" y="33323035"/>
+            <a:off x="17928578" y="34124229"/>
             <a:ext cx="12184063" cy="990600"/>
           </a:xfrm>
           <a:prstGeom prst="rect">
@@ -28861,7 +28675,7 @@
           <p:nvPr/>
         </p:nvPicPr>
         <p:blipFill>
-          <a:blip r:embed="rId19" cstate="print">
+          <a:blip r:embed="rId17" cstate="print">
             <a:extLst>
               <a:ext uri="{28A0092B-C50C-407E-A947-70E740481C1C}">
                 <a14:useLocalDpi xmlns:a14="http://schemas.microsoft.com/office/drawing/2010/main" val="0"/>
@@ -28875,7 +28689,7 @@
         </p:blipFill>
         <p:spPr bwMode="auto">
           <a:xfrm>
-            <a:off x="17064978" y="34375548"/>
+            <a:off x="17064978" y="35114829"/>
             <a:ext cx="15447963" cy="874712"/>
           </a:xfrm>
           <a:prstGeom prst="rect">
@@ -28925,7 +28739,7 @@
           <p:nvPr/>
         </p:nvPicPr>
         <p:blipFill>
-          <a:blip r:embed="rId20">
+          <a:blip r:embed="rId18">
             <a:extLst>
               <a:ext uri="{28A0092B-C50C-407E-A947-70E740481C1C}">
                 <a14:useLocalDpi xmlns:a14="http://schemas.microsoft.com/office/drawing/2010/main" val="0"/>
@@ -28939,7 +28753,7 @@
         </p:blipFill>
         <p:spPr bwMode="auto">
           <a:xfrm>
-            <a:off x="16591903" y="36042423"/>
+            <a:off x="16591903" y="36372227"/>
             <a:ext cx="9977438" cy="6242050"/>
           </a:xfrm>
           <a:prstGeom prst="rect">
@@ -28990,7 +28804,7 @@
         </p:nvSpPr>
         <p:spPr bwMode="auto">
           <a:xfrm>
-            <a:off x="25889891" y="35826523"/>
+            <a:off x="25889891" y="36094291"/>
             <a:ext cx="6369050" cy="6303962"/>
           </a:xfrm>
           <a:prstGeom prst="rect">
@@ -29161,7 +28975,7 @@
               </a:buClr>
             </a:pPr>
             <a:r>
-              <a:rPr lang="en-US" altLang="zh-CN" sz="4000" b="1"/>
+              <a:rPr lang="en-US" altLang="zh-CN" sz="4000" b="1" dirty="0"/>
               <a:t>35 test videos from both simulated environment and real network traces</a:t>
             </a:r>
           </a:p>
@@ -29178,7 +28992,7 @@
               </a:buClr>
             </a:pPr>
             <a:r>
-              <a:rPr lang="en-US" altLang="zh-CN" sz="4000" b="1"/>
+              <a:rPr lang="en-US" altLang="zh-CN" sz="4000" b="1" dirty="0"/>
               <a:t>Two-fold cross validation </a:t>
             </a:r>
           </a:p>
@@ -29195,7 +29009,7 @@
               </a:buClr>
             </a:pPr>
             <a:r>
-              <a:rPr lang="en-US" altLang="zh-CN" sz="4000" b="1"/>
+              <a:rPr lang="en-US" altLang="zh-CN" sz="4000" b="1" dirty="0"/>
               <a:t>Pearson Correlation Coefficient = 0.92</a:t>
             </a:r>
           </a:p>
@@ -29212,7 +29026,7 @@
               </a:buClr>
             </a:pPr>
             <a:r>
-              <a:rPr lang="en-US" altLang="zh-CN" sz="4000" b="1"/>
+              <a:rPr lang="en-US" altLang="zh-CN" sz="4000" b="1" dirty="0"/>
               <a:t>RMSE = 0.14</a:t>
             </a:r>
           </a:p>
@@ -29229,7 +29043,7 @@
               </a:buClr>
             </a:pPr>
             <a:r>
-              <a:rPr lang="en-US" altLang="zh-CN" sz="4000" b="1"/>
+              <a:rPr lang="en-US" altLang="zh-CN" sz="4000" b="1" dirty="0"/>
               <a:t>Our QoE model can reflect user’s experience on DASH accurately</a:t>
             </a:r>
           </a:p>
@@ -29243,8 +29057,8 @@
         </p:nvSpPr>
         <p:spPr>
           <a:xfrm>
-            <a:off x="720504" y="15467261"/>
-            <a:ext cx="7612534" cy="718228"/>
+            <a:off x="423317" y="18100700"/>
+            <a:ext cx="7612534" cy="584775"/>
           </a:xfrm>
           <a:prstGeom prst="rect">
             <a:avLst/>
@@ -29258,7 +29072,7 @@
           <a:lstStyle/>
           <a:p>
             <a:r>
-              <a:rPr lang="en-US" sz="4000" b="1" dirty="0" smtClean="0">
+              <a:rPr lang="en-US" sz="3200" b="1" dirty="0" smtClean="0">
                 <a:solidFill>
                   <a:srgbClr val="0070C0"/>
                 </a:solidFill>
@@ -29267,7 +29081,7 @@
               </a:rPr>
               <a:t>Videos provided by Qualcomm</a:t>
             </a:r>
-            <a:endParaRPr lang="en-US" sz="4000" b="1" dirty="0">
+            <a:endParaRPr lang="en-US" sz="3200" b="1" dirty="0">
               <a:solidFill>
                 <a:srgbClr val="0070C0"/>
               </a:solidFill>
@@ -29285,7 +29099,7 @@
         </p:nvSpPr>
         <p:spPr>
           <a:xfrm>
-            <a:off x="750737" y="30006109"/>
+            <a:off x="365876" y="37501709"/>
             <a:ext cx="15687457" cy="1200150"/>
           </a:xfrm>
           <a:prstGeom prst="roundRect">
@@ -29324,12 +29138,20 @@
               <a:defRPr/>
             </a:pPr>
             <a:r>
+              <a:rPr lang="en-US" altLang="zh-CN" sz="6600" b="1" dirty="0" smtClean="0">
+                <a:solidFill>
+                  <a:srgbClr val="FFFFFF"/>
+                </a:solidFill>
+              </a:rPr>
+              <a:t>QoE model in </a:t>
+            </a:r>
+            <a:r>
               <a:rPr lang="en-US" altLang="zh-CN" sz="6600" b="1" dirty="0">
                 <a:solidFill>
                   <a:srgbClr val="FFFFFF"/>
                 </a:solidFill>
               </a:rPr>
-              <a:t>Test Impairment Factors on DASH Service</a:t>
+              <a:t>DASH Service</a:t>
             </a:r>
             <a:endParaRPr lang="en-US" altLang="zh-CN" sz="6000" b="1" dirty="0">
               <a:solidFill>
@@ -29339,3440 +29161,6 @@
           </a:p>
         </p:txBody>
       </p:sp>
-      <p:sp>
-        <p:nvSpPr>
-          <p:cNvPr id="57" name="Lekerekített téglalap 9"/>
-          <p:cNvSpPr/>
-          <p:nvPr/>
-        </p:nvSpPr>
-        <p:spPr>
-          <a:xfrm>
-            <a:off x="4221244" y="28301543"/>
-            <a:ext cx="8208000" cy="828000"/>
-          </a:xfrm>
-          <a:prstGeom prst="roundRect">
-            <a:avLst>
-              <a:gd name="adj" fmla="val 50000"/>
-            </a:avLst>
-          </a:prstGeom>
-        </p:spPr>
-        <p:style>
-          <a:lnRef idx="2">
-            <a:schemeClr val="accent1">
-              <a:shade val="50000"/>
-            </a:schemeClr>
-          </a:lnRef>
-          <a:fillRef idx="1">
-            <a:schemeClr val="accent1"/>
-          </a:fillRef>
-          <a:effectRef idx="0">
-            <a:schemeClr val="accent1"/>
-          </a:effectRef>
-          <a:fontRef idx="minor">
-            <a:schemeClr val="lt1"/>
-          </a:fontRef>
-        </p:style>
-        <p:txBody>
-          <a:bodyPr lIns="139345" tIns="69673" rIns="139345" bIns="69673" anchor="ctr"/>
-          <a:lstStyle/>
-          <a:p>
-            <a:pPr algn="ctr" defTabSz="6362473" fontAlgn="auto">
-              <a:spcBef>
-                <a:spcPts val="0"/>
-              </a:spcBef>
-              <a:spcAft>
-                <a:spcPts val="0"/>
-              </a:spcAft>
-              <a:defRPr/>
-            </a:pPr>
-            <a:r>
-              <a:rPr lang="en-US" altLang="zh-CN" sz="5400" b="1" dirty="0" smtClean="0">
-                <a:solidFill>
-                  <a:srgbClr val="FFFFFF"/>
-                </a:solidFill>
-              </a:rPr>
-              <a:t>Polynomial Model</a:t>
-            </a:r>
-            <a:endParaRPr lang="en-US" altLang="zh-CN" sz="4800" b="1" dirty="0">
-              <a:solidFill>
-                <a:srgbClr val="FFFFFF"/>
-              </a:solidFill>
-            </a:endParaRPr>
-          </a:p>
-        </p:txBody>
-      </p:sp>
-      <p:sp>
-        <p:nvSpPr>
-          <p:cNvPr id="58" name="Lekerekített téglalap 9"/>
-          <p:cNvSpPr/>
-          <p:nvPr/>
-        </p:nvSpPr>
-        <p:spPr>
-          <a:xfrm>
-            <a:off x="3896465" y="36942503"/>
-            <a:ext cx="9396000" cy="828000"/>
-          </a:xfrm>
-          <a:prstGeom prst="roundRect">
-            <a:avLst>
-              <a:gd name="adj" fmla="val 50000"/>
-            </a:avLst>
-          </a:prstGeom>
-        </p:spPr>
-        <p:style>
-          <a:lnRef idx="2">
-            <a:schemeClr val="accent1">
-              <a:shade val="50000"/>
-            </a:schemeClr>
-          </a:lnRef>
-          <a:fillRef idx="1">
-            <a:schemeClr val="accent1"/>
-          </a:fillRef>
-          <a:effectRef idx="0">
-            <a:schemeClr val="accent1"/>
-          </a:effectRef>
-          <a:fontRef idx="minor">
-            <a:schemeClr val="lt1"/>
-          </a:fontRef>
-        </p:style>
-        <p:txBody>
-          <a:bodyPr lIns="139345" tIns="69673" rIns="139345" bIns="69673" anchor="ctr"/>
-          <a:lstStyle/>
-          <a:p>
-            <a:pPr algn="ctr" defTabSz="6362473" fontAlgn="auto">
-              <a:spcBef>
-                <a:spcPts val="0"/>
-              </a:spcBef>
-              <a:spcAft>
-                <a:spcPts val="0"/>
-              </a:spcAft>
-              <a:defRPr/>
-            </a:pPr>
-            <a:r>
-              <a:rPr lang="en-US" altLang="zh-CN" sz="5400" b="1" dirty="0" smtClean="0">
-                <a:solidFill>
-                  <a:srgbClr val="FFFFFF"/>
-                </a:solidFill>
-              </a:rPr>
-              <a:t>Machine Learning Model</a:t>
-            </a:r>
-            <a:endParaRPr lang="en-US" altLang="zh-CN" sz="4800" b="1" dirty="0">
-              <a:solidFill>
-                <a:srgbClr val="FFFFFF"/>
-              </a:solidFill>
-            </a:endParaRPr>
-          </a:p>
-        </p:txBody>
-      </p:sp>
-      <p:grpSp>
-        <p:nvGrpSpPr>
-          <p:cNvPr id="59" name="组合 47"/>
-          <p:cNvGrpSpPr>
-            <a:grpSpLocks noChangeAspect="1"/>
-          </p:cNvGrpSpPr>
-          <p:nvPr/>
-        </p:nvGrpSpPr>
-        <p:grpSpPr>
-          <a:xfrm>
-            <a:off x="1696009" y="38215134"/>
-            <a:ext cx="6732000" cy="4598554"/>
-            <a:chOff x="1928794" y="1714488"/>
-            <a:chExt cx="4929222" cy="3367100"/>
-          </a:xfrm>
-        </p:grpSpPr>
-        <p:sp>
-          <p:nvSpPr>
-            <p:cNvPr id="60" name="矩形 59"/>
-            <p:cNvSpPr/>
-            <p:nvPr/>
-          </p:nvSpPr>
-          <p:spPr bwMode="auto">
-            <a:xfrm>
-              <a:off x="5214942" y="4235233"/>
-              <a:ext cx="785818" cy="198003"/>
-            </a:xfrm>
-            <a:prstGeom prst="rect">
-              <a:avLst/>
-            </a:prstGeom>
-            <a:solidFill>
-              <a:srgbClr val="FFFFFF"/>
-            </a:solidFill>
-            <a:ln w="25400" cap="flat" cmpd="sng" algn="ctr">
-              <a:solidFill>
-                <a:srgbClr val="FFFFFF"/>
-              </a:solidFill>
-              <a:prstDash val="solid"/>
-              <a:headEnd type="none" w="med" len="med"/>
-              <a:tailEnd type="none" w="med" len="med"/>
-            </a:ln>
-            <a:effectLst/>
-          </p:spPr>
-          <p:txBody>
-            <a:bodyPr vert="horz" wrap="square" lIns="0" tIns="0" rIns="0" bIns="0" numCol="1" rtlCol="0" anchor="t" anchorCtr="0" compatLnSpc="1">
-              <a:prstTxWarp prst="textNoShape">
-                <a:avLst/>
-              </a:prstTxWarp>
-              <a:spAutoFit/>
-            </a:bodyPr>
-            <a:lstStyle/>
-            <a:p>
-              <a:pPr marL="0" marR="0" lvl="0" indent="0" defTabSz="860425" eaLnBrk="0" fontAlgn="auto" latinLnBrk="0" hangingPunct="0">
-                <a:lnSpc>
-                  <a:spcPct val="70000"/>
-                </a:lnSpc>
-                <a:spcBef>
-                  <a:spcPct val="50000"/>
-                </a:spcBef>
-                <a:spcAft>
-                  <a:spcPts val="0"/>
-                </a:spcAft>
-                <a:buClr>
-                  <a:srgbClr val="000000"/>
-                </a:buClr>
-                <a:buSzPct val="100000"/>
-                <a:buFontTx/>
-                <a:buNone/>
-                <a:tabLst/>
-                <a:defRPr/>
-              </a:pPr>
-              <a:r>
-                <a:rPr kumimoji="0" lang="en-US" altLang="zh-CN" sz="1800" b="0" i="0" u="none" strike="noStrike" kern="0" cap="none" spc="0" normalizeH="0" baseline="0" noProof="0" dirty="0" smtClean="0">
-                  <a:ln>
-                    <a:noFill/>
-                  </a:ln>
-                  <a:solidFill>
-                    <a:srgbClr val="000000"/>
-                  </a:solidFill>
-                  <a:effectLst/>
-                  <a:uLnTx/>
-                  <a:uFillTx/>
-                  <a:latin typeface="Arial" charset="0"/>
-                  <a:ea typeface="宋体"/>
-                </a:rPr>
-                <a:t>&gt;25.5</a:t>
-              </a:r>
-              <a:endParaRPr kumimoji="0" lang="zh-CN" altLang="en-US" sz="1800" b="0" i="0" u="none" strike="noStrike" kern="0" cap="none" spc="0" normalizeH="0" baseline="0" noProof="0" dirty="0" smtClean="0">
-                <a:ln>
-                  <a:noFill/>
-                </a:ln>
-                <a:solidFill>
-                  <a:srgbClr val="000000"/>
-                </a:solidFill>
-                <a:effectLst/>
-                <a:uLnTx/>
-                <a:uFillTx/>
-                <a:latin typeface="Arial" charset="0"/>
-                <a:ea typeface="宋体"/>
-              </a:endParaRPr>
-            </a:p>
-          </p:txBody>
-        </p:sp>
-        <p:sp>
-          <p:nvSpPr>
-            <p:cNvPr id="61" name="矩形 60"/>
-            <p:cNvSpPr/>
-            <p:nvPr/>
-          </p:nvSpPr>
-          <p:spPr bwMode="auto">
-            <a:xfrm>
-              <a:off x="3929058" y="4286256"/>
-              <a:ext cx="785818" cy="198003"/>
-            </a:xfrm>
-            <a:prstGeom prst="rect">
-              <a:avLst/>
-            </a:prstGeom>
-            <a:solidFill>
-              <a:srgbClr val="FFFFFF"/>
-            </a:solidFill>
-            <a:ln w="25400" cap="flat" cmpd="sng" algn="ctr">
-              <a:solidFill>
-                <a:srgbClr val="FFFFFF"/>
-              </a:solidFill>
-              <a:prstDash val="solid"/>
-              <a:headEnd type="none" w="med" len="med"/>
-              <a:tailEnd type="none" w="med" len="med"/>
-            </a:ln>
-            <a:effectLst/>
-          </p:spPr>
-          <p:txBody>
-            <a:bodyPr vert="horz" wrap="square" lIns="0" tIns="0" rIns="0" bIns="0" numCol="1" rtlCol="0" anchor="t" anchorCtr="0" compatLnSpc="1">
-              <a:prstTxWarp prst="textNoShape">
-                <a:avLst/>
-              </a:prstTxWarp>
-              <a:spAutoFit/>
-            </a:bodyPr>
-            <a:lstStyle/>
-            <a:p>
-              <a:pPr marL="0" marR="0" lvl="0" indent="0" defTabSz="860425" eaLnBrk="0" fontAlgn="auto" latinLnBrk="0" hangingPunct="0">
-                <a:lnSpc>
-                  <a:spcPct val="70000"/>
-                </a:lnSpc>
-                <a:spcBef>
-                  <a:spcPct val="50000"/>
-                </a:spcBef>
-                <a:spcAft>
-                  <a:spcPts val="0"/>
-                </a:spcAft>
-                <a:buClr>
-                  <a:srgbClr val="000000"/>
-                </a:buClr>
-                <a:buSzPct val="100000"/>
-                <a:buFontTx/>
-                <a:buNone/>
-                <a:tabLst/>
-                <a:defRPr/>
-              </a:pPr>
-              <a:r>
-                <a:rPr kumimoji="0" lang="zh-CN" altLang="en-US" sz="1800" b="0" i="0" u="none" strike="noStrike" kern="0" cap="none" spc="0" normalizeH="0" baseline="0" noProof="0" dirty="0" smtClean="0">
-                  <a:ln>
-                    <a:noFill/>
-                  </a:ln>
-                  <a:solidFill>
-                    <a:srgbClr val="000000"/>
-                  </a:solidFill>
-                  <a:effectLst/>
-                  <a:uLnTx/>
-                  <a:uFillTx/>
-                  <a:latin typeface="Arial" charset="0"/>
-                  <a:ea typeface="宋体"/>
-                </a:rPr>
-                <a:t>≤</a:t>
-              </a:r>
-              <a:r>
-                <a:rPr kumimoji="0" lang="en-US" altLang="zh-CN" sz="1800" b="0" i="0" u="none" strike="noStrike" kern="0" cap="none" spc="0" normalizeH="0" baseline="0" noProof="0" dirty="0" smtClean="0">
-                  <a:ln>
-                    <a:noFill/>
-                  </a:ln>
-                  <a:solidFill>
-                    <a:srgbClr val="000000"/>
-                  </a:solidFill>
-                  <a:effectLst/>
-                  <a:uLnTx/>
-                  <a:uFillTx/>
-                  <a:latin typeface="Arial" charset="0"/>
-                  <a:ea typeface="宋体"/>
-                </a:rPr>
-                <a:t>16.5</a:t>
-              </a:r>
-              <a:endParaRPr kumimoji="0" lang="zh-CN" altLang="en-US" sz="1800" b="0" i="0" u="none" strike="noStrike" kern="0" cap="none" spc="0" normalizeH="0" baseline="0" noProof="0" dirty="0" smtClean="0">
-                <a:ln>
-                  <a:noFill/>
-                </a:ln>
-                <a:solidFill>
-                  <a:srgbClr val="000000"/>
-                </a:solidFill>
-                <a:effectLst/>
-                <a:uLnTx/>
-                <a:uFillTx/>
-                <a:latin typeface="Arial" charset="0"/>
-                <a:ea typeface="宋体"/>
-              </a:endParaRPr>
-            </a:p>
-          </p:txBody>
-        </p:sp>
-        <p:sp>
-          <p:nvSpPr>
-            <p:cNvPr id="62" name="矩形 61"/>
-            <p:cNvSpPr/>
-            <p:nvPr/>
-          </p:nvSpPr>
-          <p:spPr bwMode="auto">
-            <a:xfrm>
-              <a:off x="6072198" y="3214686"/>
-              <a:ext cx="785818" cy="198003"/>
-            </a:xfrm>
-            <a:prstGeom prst="rect">
-              <a:avLst/>
-            </a:prstGeom>
-            <a:solidFill>
-              <a:srgbClr val="FFFFFF"/>
-            </a:solidFill>
-            <a:ln w="25400" cap="flat" cmpd="sng" algn="ctr">
-              <a:solidFill>
-                <a:srgbClr val="FFFFFF"/>
-              </a:solidFill>
-              <a:prstDash val="solid"/>
-              <a:headEnd type="none" w="med" len="med"/>
-              <a:tailEnd type="none" w="med" len="med"/>
-            </a:ln>
-            <a:effectLst/>
-          </p:spPr>
-          <p:txBody>
-            <a:bodyPr vert="horz" wrap="square" lIns="0" tIns="0" rIns="0" bIns="0" numCol="1" rtlCol="0" anchor="t" anchorCtr="0" compatLnSpc="1">
-              <a:prstTxWarp prst="textNoShape">
-                <a:avLst/>
-              </a:prstTxWarp>
-              <a:spAutoFit/>
-            </a:bodyPr>
-            <a:lstStyle/>
-            <a:p>
-              <a:pPr marL="0" marR="0" lvl="0" indent="0" defTabSz="860425" eaLnBrk="0" fontAlgn="auto" latinLnBrk="0" hangingPunct="0">
-                <a:lnSpc>
-                  <a:spcPct val="70000"/>
-                </a:lnSpc>
-                <a:spcBef>
-                  <a:spcPct val="50000"/>
-                </a:spcBef>
-                <a:spcAft>
-                  <a:spcPts val="0"/>
-                </a:spcAft>
-                <a:buClr>
-                  <a:srgbClr val="000000"/>
-                </a:buClr>
-                <a:buSzPct val="100000"/>
-                <a:buFontTx/>
-                <a:buNone/>
-                <a:tabLst/>
-                <a:defRPr/>
-              </a:pPr>
-              <a:r>
-                <a:rPr kumimoji="0" lang="en-US" altLang="zh-CN" sz="1800" b="0" i="0" u="none" strike="noStrike" kern="0" cap="none" spc="0" normalizeH="0" baseline="0" noProof="0" dirty="0" smtClean="0">
-                  <a:ln>
-                    <a:noFill/>
-                  </a:ln>
-                  <a:solidFill>
-                    <a:srgbClr val="000000"/>
-                  </a:solidFill>
-                  <a:effectLst/>
-                  <a:uLnTx/>
-                  <a:uFillTx/>
-                  <a:latin typeface="Arial" charset="0"/>
-                  <a:ea typeface="宋体"/>
-                </a:rPr>
-                <a:t>&gt;25.5</a:t>
-              </a:r>
-              <a:endParaRPr kumimoji="0" lang="zh-CN" altLang="en-US" sz="1800" b="0" i="0" u="none" strike="noStrike" kern="0" cap="none" spc="0" normalizeH="0" baseline="0" noProof="0" dirty="0" smtClean="0">
-                <a:ln>
-                  <a:noFill/>
-                </a:ln>
-                <a:solidFill>
-                  <a:srgbClr val="000000"/>
-                </a:solidFill>
-                <a:effectLst/>
-                <a:uLnTx/>
-                <a:uFillTx/>
-                <a:latin typeface="Arial" charset="0"/>
-                <a:ea typeface="宋体"/>
-              </a:endParaRPr>
-            </a:p>
-          </p:txBody>
-        </p:sp>
-        <p:sp>
-          <p:nvSpPr>
-            <p:cNvPr id="64" name="矩形 63"/>
-            <p:cNvSpPr/>
-            <p:nvPr/>
-          </p:nvSpPr>
-          <p:spPr bwMode="auto">
-            <a:xfrm>
-              <a:off x="4500562" y="3214686"/>
-              <a:ext cx="785818" cy="198003"/>
-            </a:xfrm>
-            <a:prstGeom prst="rect">
-              <a:avLst/>
-            </a:prstGeom>
-            <a:solidFill>
-              <a:srgbClr val="FFFFFF"/>
-            </a:solidFill>
-            <a:ln w="25400" cap="flat" cmpd="sng" algn="ctr">
-              <a:solidFill>
-                <a:srgbClr val="FFFFFF"/>
-              </a:solidFill>
-              <a:prstDash val="solid"/>
-              <a:headEnd type="none" w="med" len="med"/>
-              <a:tailEnd type="none" w="med" len="med"/>
-            </a:ln>
-            <a:effectLst/>
-          </p:spPr>
-          <p:txBody>
-            <a:bodyPr vert="horz" wrap="square" lIns="0" tIns="0" rIns="0" bIns="0" numCol="1" rtlCol="0" anchor="t" anchorCtr="0" compatLnSpc="1">
-              <a:prstTxWarp prst="textNoShape">
-                <a:avLst/>
-              </a:prstTxWarp>
-              <a:spAutoFit/>
-            </a:bodyPr>
-            <a:lstStyle/>
-            <a:p>
-              <a:pPr marL="0" marR="0" lvl="0" indent="0" defTabSz="860425" eaLnBrk="0" fontAlgn="auto" latinLnBrk="0" hangingPunct="0">
-                <a:lnSpc>
-                  <a:spcPct val="70000"/>
-                </a:lnSpc>
-                <a:spcBef>
-                  <a:spcPct val="50000"/>
-                </a:spcBef>
-                <a:spcAft>
-                  <a:spcPts val="0"/>
-                </a:spcAft>
-                <a:buClr>
-                  <a:srgbClr val="000000"/>
-                </a:buClr>
-                <a:buSzPct val="100000"/>
-                <a:buFontTx/>
-                <a:buNone/>
-                <a:tabLst/>
-                <a:defRPr/>
-              </a:pPr>
-              <a:r>
-                <a:rPr kumimoji="0" lang="zh-CN" altLang="en-US" sz="1800" b="0" i="0" u="none" strike="noStrike" kern="0" cap="none" spc="0" normalizeH="0" baseline="0" noProof="0" dirty="0" smtClean="0">
-                  <a:ln>
-                    <a:noFill/>
-                  </a:ln>
-                  <a:solidFill>
-                    <a:srgbClr val="000000"/>
-                  </a:solidFill>
-                  <a:effectLst/>
-                  <a:uLnTx/>
-                  <a:uFillTx/>
-                  <a:latin typeface="Arial" charset="0"/>
-                  <a:ea typeface="宋体"/>
-                </a:rPr>
-                <a:t>≤</a:t>
-              </a:r>
-              <a:r>
-                <a:rPr kumimoji="0" lang="en-US" altLang="zh-CN" sz="1800" b="0" i="0" u="none" strike="noStrike" kern="0" cap="none" spc="0" normalizeH="0" baseline="0" noProof="0" dirty="0" smtClean="0">
-                  <a:ln>
-                    <a:noFill/>
-                  </a:ln>
-                  <a:solidFill>
-                    <a:srgbClr val="000000"/>
-                  </a:solidFill>
-                  <a:effectLst/>
-                  <a:uLnTx/>
-                  <a:uFillTx/>
-                  <a:latin typeface="Arial" charset="0"/>
-                  <a:ea typeface="宋体"/>
-                </a:rPr>
-                <a:t>25.5</a:t>
-              </a:r>
-              <a:endParaRPr kumimoji="0" lang="zh-CN" altLang="en-US" sz="1800" b="0" i="0" u="none" strike="noStrike" kern="0" cap="none" spc="0" normalizeH="0" baseline="0" noProof="0" dirty="0" smtClean="0">
-                <a:ln>
-                  <a:noFill/>
-                </a:ln>
-                <a:solidFill>
-                  <a:srgbClr val="000000"/>
-                </a:solidFill>
-                <a:effectLst/>
-                <a:uLnTx/>
-                <a:uFillTx/>
-                <a:latin typeface="Arial" charset="0"/>
-                <a:ea typeface="宋体"/>
-              </a:endParaRPr>
-            </a:p>
-          </p:txBody>
-        </p:sp>
-        <p:sp>
-          <p:nvSpPr>
-            <p:cNvPr id="65" name="矩形 64"/>
-            <p:cNvSpPr/>
-            <p:nvPr/>
-          </p:nvSpPr>
-          <p:spPr bwMode="auto">
-            <a:xfrm>
-              <a:off x="3286116" y="3214686"/>
-              <a:ext cx="785818" cy="198003"/>
-            </a:xfrm>
-            <a:prstGeom prst="rect">
-              <a:avLst/>
-            </a:prstGeom>
-            <a:solidFill>
-              <a:srgbClr val="FFFFFF"/>
-            </a:solidFill>
-            <a:ln w="25400" cap="flat" cmpd="sng" algn="ctr">
-              <a:solidFill>
-                <a:srgbClr val="FFFFFF"/>
-              </a:solidFill>
-              <a:prstDash val="solid"/>
-              <a:headEnd type="none" w="med" len="med"/>
-              <a:tailEnd type="none" w="med" len="med"/>
-            </a:ln>
-            <a:effectLst/>
-          </p:spPr>
-          <p:txBody>
-            <a:bodyPr vert="horz" wrap="square" lIns="0" tIns="0" rIns="0" bIns="0" numCol="1" rtlCol="0" anchor="t" anchorCtr="0" compatLnSpc="1">
-              <a:prstTxWarp prst="textNoShape">
-                <a:avLst/>
-              </a:prstTxWarp>
-              <a:spAutoFit/>
-            </a:bodyPr>
-            <a:lstStyle/>
-            <a:p>
-              <a:pPr marL="0" marR="0" lvl="0" indent="0" defTabSz="860425" eaLnBrk="0" fontAlgn="auto" latinLnBrk="0" hangingPunct="0">
-                <a:lnSpc>
-                  <a:spcPct val="70000"/>
-                </a:lnSpc>
-                <a:spcBef>
-                  <a:spcPct val="50000"/>
-                </a:spcBef>
-                <a:spcAft>
-                  <a:spcPts val="0"/>
-                </a:spcAft>
-                <a:buClr>
-                  <a:srgbClr val="000000"/>
-                </a:buClr>
-                <a:buSzPct val="100000"/>
-                <a:buFontTx/>
-                <a:buNone/>
-                <a:tabLst/>
-                <a:defRPr/>
-              </a:pPr>
-              <a:r>
-                <a:rPr kumimoji="0" lang="en-US" altLang="zh-CN" sz="1800" b="0" i="0" u="none" strike="noStrike" kern="0" cap="none" spc="0" normalizeH="0" baseline="0" noProof="0" dirty="0" smtClean="0">
-                  <a:ln>
-                    <a:noFill/>
-                  </a:ln>
-                  <a:solidFill>
-                    <a:srgbClr val="000000"/>
-                  </a:solidFill>
-                  <a:effectLst/>
-                  <a:uLnTx/>
-                  <a:uFillTx/>
-                  <a:latin typeface="Arial" charset="0"/>
-                  <a:ea typeface="宋体"/>
-                </a:rPr>
-                <a:t>&gt;16.5</a:t>
-              </a:r>
-              <a:endParaRPr kumimoji="0" lang="zh-CN" altLang="en-US" sz="1800" b="0" i="0" u="none" strike="noStrike" kern="0" cap="none" spc="0" normalizeH="0" baseline="0" noProof="0" dirty="0" smtClean="0">
-                <a:ln>
-                  <a:noFill/>
-                </a:ln>
-                <a:solidFill>
-                  <a:srgbClr val="000000"/>
-                </a:solidFill>
-                <a:effectLst/>
-                <a:uLnTx/>
-                <a:uFillTx/>
-                <a:latin typeface="Arial" charset="0"/>
-                <a:ea typeface="宋体"/>
-              </a:endParaRPr>
-            </a:p>
-          </p:txBody>
-        </p:sp>
-        <p:sp>
-          <p:nvSpPr>
-            <p:cNvPr id="66" name="矩形 65"/>
-            <p:cNvSpPr/>
-            <p:nvPr/>
-          </p:nvSpPr>
-          <p:spPr bwMode="auto">
-            <a:xfrm>
-              <a:off x="1928794" y="3214686"/>
-              <a:ext cx="785818" cy="198003"/>
-            </a:xfrm>
-            <a:prstGeom prst="rect">
-              <a:avLst/>
-            </a:prstGeom>
-            <a:solidFill>
-              <a:srgbClr val="FFFFFF"/>
-            </a:solidFill>
-            <a:ln w="25400" cap="flat" cmpd="sng" algn="ctr">
-              <a:solidFill>
-                <a:srgbClr val="FFFFFF"/>
-              </a:solidFill>
-              <a:prstDash val="solid"/>
-              <a:headEnd type="none" w="med" len="med"/>
-              <a:tailEnd type="none" w="med" len="med"/>
-            </a:ln>
-            <a:effectLst/>
-          </p:spPr>
-          <p:txBody>
-            <a:bodyPr vert="horz" wrap="square" lIns="0" tIns="0" rIns="0" bIns="0" numCol="1" rtlCol="0" anchor="t" anchorCtr="0" compatLnSpc="1">
-              <a:prstTxWarp prst="textNoShape">
-                <a:avLst/>
-              </a:prstTxWarp>
-              <a:spAutoFit/>
-            </a:bodyPr>
-            <a:lstStyle/>
-            <a:p>
-              <a:pPr marL="0" marR="0" lvl="0" indent="0" defTabSz="860425" eaLnBrk="0" fontAlgn="auto" latinLnBrk="0" hangingPunct="0">
-                <a:lnSpc>
-                  <a:spcPct val="70000"/>
-                </a:lnSpc>
-                <a:spcBef>
-                  <a:spcPct val="50000"/>
-                </a:spcBef>
-                <a:spcAft>
-                  <a:spcPts val="0"/>
-                </a:spcAft>
-                <a:buClr>
-                  <a:srgbClr val="000000"/>
-                </a:buClr>
-                <a:buSzPct val="100000"/>
-                <a:buFontTx/>
-                <a:buNone/>
-                <a:tabLst/>
-                <a:defRPr/>
-              </a:pPr>
-              <a:r>
-                <a:rPr kumimoji="0" lang="zh-CN" altLang="en-US" sz="1800" b="0" i="0" u="none" strike="noStrike" kern="0" cap="none" spc="0" normalizeH="0" baseline="0" noProof="0" dirty="0" smtClean="0">
-                  <a:ln>
-                    <a:noFill/>
-                  </a:ln>
-                  <a:solidFill>
-                    <a:srgbClr val="000000"/>
-                  </a:solidFill>
-                  <a:effectLst/>
-                  <a:uLnTx/>
-                  <a:uFillTx/>
-                  <a:latin typeface="Arial" charset="0"/>
-                  <a:ea typeface="宋体"/>
-                </a:rPr>
-                <a:t>≤</a:t>
-              </a:r>
-              <a:r>
-                <a:rPr kumimoji="0" lang="en-US" altLang="zh-CN" sz="1800" b="0" i="0" u="none" strike="noStrike" kern="0" cap="none" spc="0" normalizeH="0" baseline="0" noProof="0" dirty="0" smtClean="0">
-                  <a:ln>
-                    <a:noFill/>
-                  </a:ln>
-                  <a:solidFill>
-                    <a:srgbClr val="000000"/>
-                  </a:solidFill>
-                  <a:effectLst/>
-                  <a:uLnTx/>
-                  <a:uFillTx/>
-                  <a:latin typeface="Arial" charset="0"/>
-                  <a:ea typeface="宋体"/>
-                </a:rPr>
-                <a:t>16.5</a:t>
-              </a:r>
-              <a:endParaRPr kumimoji="0" lang="zh-CN" altLang="en-US" sz="1800" b="0" i="0" u="none" strike="noStrike" kern="0" cap="none" spc="0" normalizeH="0" baseline="0" noProof="0" dirty="0" smtClean="0">
-                <a:ln>
-                  <a:noFill/>
-                </a:ln>
-                <a:solidFill>
-                  <a:srgbClr val="000000"/>
-                </a:solidFill>
-                <a:effectLst/>
-                <a:uLnTx/>
-                <a:uFillTx/>
-                <a:latin typeface="Arial" charset="0"/>
-                <a:ea typeface="宋体"/>
-              </a:endParaRPr>
-            </a:p>
-          </p:txBody>
-        </p:sp>
-        <p:sp>
-          <p:nvSpPr>
-            <p:cNvPr id="67" name="矩形 66"/>
-            <p:cNvSpPr/>
-            <p:nvPr/>
-          </p:nvSpPr>
-          <p:spPr bwMode="auto">
-            <a:xfrm>
-              <a:off x="4786314" y="2230865"/>
-              <a:ext cx="785818" cy="198003"/>
-            </a:xfrm>
-            <a:prstGeom prst="rect">
-              <a:avLst/>
-            </a:prstGeom>
-            <a:solidFill>
-              <a:srgbClr val="FFFFFF"/>
-            </a:solidFill>
-            <a:ln w="25400" cap="flat" cmpd="sng" algn="ctr">
-              <a:solidFill>
-                <a:srgbClr val="FFFFFF"/>
-              </a:solidFill>
-              <a:prstDash val="solid"/>
-              <a:headEnd type="none" w="med" len="med"/>
-              <a:tailEnd type="none" w="med" len="med"/>
-            </a:ln>
-            <a:effectLst/>
-          </p:spPr>
-          <p:txBody>
-            <a:bodyPr vert="horz" wrap="square" lIns="0" tIns="0" rIns="0" bIns="0" numCol="1" rtlCol="0" anchor="t" anchorCtr="0" compatLnSpc="1">
-              <a:prstTxWarp prst="textNoShape">
-                <a:avLst/>
-              </a:prstTxWarp>
-              <a:spAutoFit/>
-            </a:bodyPr>
-            <a:lstStyle/>
-            <a:p>
-              <a:pPr marL="0" marR="0" lvl="0" indent="0" defTabSz="860425" eaLnBrk="0" fontAlgn="auto" latinLnBrk="0" hangingPunct="0">
-                <a:lnSpc>
-                  <a:spcPct val="70000"/>
-                </a:lnSpc>
-                <a:spcBef>
-                  <a:spcPct val="50000"/>
-                </a:spcBef>
-                <a:spcAft>
-                  <a:spcPts val="0"/>
-                </a:spcAft>
-                <a:buClr>
-                  <a:srgbClr val="000000"/>
-                </a:buClr>
-                <a:buSzPct val="100000"/>
-                <a:buFontTx/>
-                <a:buNone/>
-                <a:tabLst/>
-                <a:defRPr/>
-              </a:pPr>
-              <a:r>
-                <a:rPr kumimoji="0" lang="en-US" altLang="zh-CN" sz="1800" b="0" i="0" u="none" strike="noStrike" kern="0" cap="none" spc="0" normalizeH="0" baseline="0" noProof="0" dirty="0" smtClean="0">
-                  <a:ln>
-                    <a:noFill/>
-                  </a:ln>
-                  <a:solidFill>
-                    <a:srgbClr val="000000"/>
-                  </a:solidFill>
-                  <a:effectLst/>
-                  <a:uLnTx/>
-                  <a:uFillTx/>
-                  <a:latin typeface="Arial" charset="0"/>
-                  <a:ea typeface="宋体"/>
-                </a:rPr>
-                <a:t>&gt;12.5</a:t>
-              </a:r>
-              <a:endParaRPr kumimoji="0" lang="zh-CN" altLang="en-US" sz="1800" b="0" i="0" u="none" strike="noStrike" kern="0" cap="none" spc="0" normalizeH="0" baseline="0" noProof="0" dirty="0" smtClean="0">
-                <a:ln>
-                  <a:noFill/>
-                </a:ln>
-                <a:solidFill>
-                  <a:srgbClr val="000000"/>
-                </a:solidFill>
-                <a:effectLst/>
-                <a:uLnTx/>
-                <a:uFillTx/>
-                <a:latin typeface="Arial" charset="0"/>
-                <a:ea typeface="宋体"/>
-              </a:endParaRPr>
-            </a:p>
-          </p:txBody>
-        </p:sp>
-        <p:sp>
-          <p:nvSpPr>
-            <p:cNvPr id="68" name="矩形 67"/>
-            <p:cNvSpPr/>
-            <p:nvPr/>
-          </p:nvSpPr>
-          <p:spPr bwMode="auto">
-            <a:xfrm>
-              <a:off x="3000364" y="2234969"/>
-              <a:ext cx="785818" cy="193899"/>
-            </a:xfrm>
-            <a:prstGeom prst="rect">
-              <a:avLst/>
-            </a:prstGeom>
-            <a:solidFill>
-              <a:srgbClr val="FFFFFF"/>
-            </a:solidFill>
-            <a:ln w="25400" cap="flat" cmpd="sng" algn="ctr">
-              <a:solidFill>
-                <a:srgbClr val="FFFFFF"/>
-              </a:solidFill>
-              <a:prstDash val="solid"/>
-              <a:headEnd type="none" w="med" len="med"/>
-              <a:tailEnd type="none" w="med" len="med"/>
-            </a:ln>
-            <a:effectLst/>
-          </p:spPr>
-          <p:txBody>
-            <a:bodyPr vert="horz" wrap="square" lIns="0" tIns="0" rIns="0" bIns="0" numCol="1" rtlCol="0" anchor="t" anchorCtr="0" compatLnSpc="1">
-              <a:prstTxWarp prst="textNoShape">
-                <a:avLst/>
-              </a:prstTxWarp>
-              <a:spAutoFit/>
-            </a:bodyPr>
-            <a:lstStyle/>
-            <a:p>
-              <a:pPr marL="0" marR="0" lvl="0" indent="0" defTabSz="860425" eaLnBrk="0" fontAlgn="auto" latinLnBrk="0" hangingPunct="0">
-                <a:lnSpc>
-                  <a:spcPct val="70000"/>
-                </a:lnSpc>
-                <a:spcBef>
-                  <a:spcPct val="50000"/>
-                </a:spcBef>
-                <a:spcAft>
-                  <a:spcPts val="0"/>
-                </a:spcAft>
-                <a:buClr>
-                  <a:srgbClr val="000000"/>
-                </a:buClr>
-                <a:buSzPct val="100000"/>
-                <a:buFontTx/>
-                <a:buNone/>
-                <a:tabLst/>
-                <a:defRPr/>
-              </a:pPr>
-              <a:r>
-                <a:rPr kumimoji="0" lang="zh-CN" altLang="en-US" sz="1800" b="0" i="0" u="none" strike="noStrike" kern="0" cap="none" spc="0" normalizeH="0" baseline="0" noProof="0" dirty="0" smtClean="0">
-                  <a:ln>
-                    <a:noFill/>
-                  </a:ln>
-                  <a:solidFill>
-                    <a:srgbClr val="000000"/>
-                  </a:solidFill>
-                  <a:effectLst/>
-                  <a:uLnTx/>
-                  <a:uFillTx/>
-                  <a:latin typeface="Arial" charset="0"/>
-                  <a:ea typeface="宋体"/>
-                </a:rPr>
-                <a:t>≤</a:t>
-              </a:r>
-              <a:r>
-                <a:rPr kumimoji="0" lang="en-US" altLang="zh-CN" sz="1800" b="0" i="0" u="none" strike="noStrike" kern="0" cap="none" spc="0" normalizeH="0" baseline="0" noProof="0" dirty="0" smtClean="0">
-                  <a:ln>
-                    <a:noFill/>
-                  </a:ln>
-                  <a:solidFill>
-                    <a:srgbClr val="000000"/>
-                  </a:solidFill>
-                  <a:effectLst/>
-                  <a:uLnTx/>
-                  <a:uFillTx/>
-                  <a:latin typeface="Arial" charset="0"/>
-                  <a:ea typeface="宋体"/>
-                </a:rPr>
-                <a:t>12.5</a:t>
-              </a:r>
-              <a:endParaRPr kumimoji="0" lang="zh-CN" altLang="en-US" sz="1800" b="0" i="0" u="none" strike="noStrike" kern="0" cap="none" spc="0" normalizeH="0" baseline="0" noProof="0" dirty="0" smtClean="0">
-                <a:ln>
-                  <a:noFill/>
-                </a:ln>
-                <a:solidFill>
-                  <a:srgbClr val="000000"/>
-                </a:solidFill>
-                <a:effectLst/>
-                <a:uLnTx/>
-                <a:uFillTx/>
-                <a:latin typeface="Arial" charset="0"/>
-                <a:ea typeface="宋体"/>
-              </a:endParaRPr>
-            </a:p>
-          </p:txBody>
-        </p:sp>
-        <p:grpSp>
-          <p:nvGrpSpPr>
-            <p:cNvPr id="69" name="组合 8"/>
-            <p:cNvGrpSpPr/>
-            <p:nvPr/>
-          </p:nvGrpSpPr>
-          <p:grpSpPr>
-            <a:xfrm>
-              <a:off x="4000496" y="1714488"/>
-              <a:ext cx="428628" cy="481696"/>
-              <a:chOff x="3929058" y="1714488"/>
-              <a:chExt cx="428628" cy="481696"/>
-            </a:xfrm>
-          </p:grpSpPr>
-          <p:sp>
-            <p:nvSpPr>
-              <p:cNvPr id="122" name="椭圆 121"/>
-              <p:cNvSpPr/>
-              <p:nvPr/>
-            </p:nvSpPr>
-            <p:spPr bwMode="auto">
-              <a:xfrm>
-                <a:off x="3929058" y="1714488"/>
-                <a:ext cx="428628" cy="424136"/>
-              </a:xfrm>
-              <a:prstGeom prst="ellipse">
-                <a:avLst/>
-              </a:prstGeom>
-              <a:solidFill>
-                <a:srgbClr val="FFFFFF"/>
-              </a:solidFill>
-              <a:ln w="25400" cap="flat" cmpd="sng" algn="ctr">
-                <a:solidFill>
-                  <a:srgbClr val="0000FF"/>
-                </a:solidFill>
-                <a:prstDash val="solid"/>
-                <a:headEnd type="none" w="med" len="med"/>
-                <a:tailEnd type="none" w="med" len="med"/>
-              </a:ln>
-              <a:effectLst/>
-            </p:spPr>
-            <p:txBody>
-              <a:bodyPr vert="horz" wrap="square" lIns="0" tIns="0" rIns="0" bIns="0" numCol="1" rtlCol="0" anchor="t" anchorCtr="0" compatLnSpc="1">
-                <a:prstTxWarp prst="textNoShape">
-                  <a:avLst/>
-                </a:prstTxWarp>
-                <a:spAutoFit/>
-              </a:bodyPr>
-              <a:lstStyle/>
-              <a:p>
-                <a:pPr marL="0" marR="0" lvl="0" indent="0" defTabSz="860425" eaLnBrk="0" fontAlgn="auto" latinLnBrk="0" hangingPunct="0">
-                  <a:lnSpc>
-                    <a:spcPct val="70000"/>
-                  </a:lnSpc>
-                  <a:spcBef>
-                    <a:spcPct val="50000"/>
-                  </a:spcBef>
-                  <a:spcAft>
-                    <a:spcPts val="0"/>
-                  </a:spcAft>
-                  <a:buClr>
-                    <a:srgbClr val="000000"/>
-                  </a:buClr>
-                  <a:buSzPct val="100000"/>
-                  <a:buFontTx/>
-                  <a:buNone/>
-                  <a:tabLst/>
-                  <a:defRPr/>
-                </a:pPr>
-                <a:endParaRPr kumimoji="0" lang="zh-CN" altLang="en-US" sz="2800" b="1" i="0" u="none" strike="noStrike" kern="0" cap="none" spc="0" normalizeH="0" baseline="0" noProof="0" dirty="0" smtClean="0">
-                  <a:ln>
-                    <a:noFill/>
-                  </a:ln>
-                  <a:solidFill>
-                    <a:srgbClr val="000000"/>
-                  </a:solidFill>
-                  <a:effectLst/>
-                  <a:uLnTx/>
-                  <a:uFillTx/>
-                  <a:latin typeface="Arial" charset="0"/>
-                  <a:ea typeface="宋体"/>
-                </a:endParaRPr>
-              </a:p>
-            </p:txBody>
-          </p:sp>
-          <p:graphicFrame>
-            <p:nvGraphicFramePr>
-              <p:cNvPr id="123" name="对象 122"/>
-              <p:cNvGraphicFramePr>
-                <a:graphicFrameLocks noChangeAspect="1"/>
-              </p:cNvGraphicFramePr>
-              <p:nvPr/>
-            </p:nvGraphicFramePr>
-            <p:xfrm>
-              <a:off x="3929058" y="1714488"/>
-              <a:ext cx="374652" cy="481696"/>
-            </p:xfrm>
-            <a:graphic>
-              <a:graphicData uri="http://schemas.openxmlformats.org/presentationml/2006/ole">
-                <mc:AlternateContent xmlns:mc="http://schemas.openxmlformats.org/markup-compatibility/2006">
-                  <mc:Choice xmlns:v="urn:schemas-microsoft-com:vml" Requires="v">
-                    <p:oleObj spid="_x0000_s5178" name="公式" r:id="rId21" imgW="177646" imgH="228402" progId="Equation.3">
-                      <p:embed/>
-                    </p:oleObj>
-                  </mc:Choice>
-                  <mc:Fallback>
-                    <p:oleObj name="公式" r:id="rId21" imgW="177646" imgH="228402" progId="Equation.3">
-                      <p:embed/>
-                      <p:pic>
-                        <p:nvPicPr>
-                          <p:cNvPr id="0" name=""/>
-                          <p:cNvPicPr>
-                            <a:picLocks noChangeAspect="1" noChangeArrowheads="1"/>
-                          </p:cNvPicPr>
-                          <p:nvPr/>
-                        </p:nvPicPr>
-                        <p:blipFill>
-                          <a:blip r:embed="rId22">
-                            <a:extLst>
-                              <a:ext uri="{28A0092B-C50C-407E-A947-70E740481C1C}">
-                                <a14:useLocalDpi xmlns:a14="http://schemas.microsoft.com/office/drawing/2010/main" val="0"/>
-                              </a:ext>
-                            </a:extLst>
-                          </a:blip>
-                          <a:srcRect/>
-                          <a:stretch>
-                            <a:fillRect/>
-                          </a:stretch>
-                        </p:blipFill>
-                        <p:spPr bwMode="auto">
-                          <a:xfrm>
-                            <a:off x="3929058" y="1714488"/>
-                            <a:ext cx="374652" cy="481696"/>
-                          </a:xfrm>
-                          <a:prstGeom prst="rect">
-                            <a:avLst/>
-                          </a:prstGeom>
-                          <a:noFill/>
-                          <a:extLst>
-                            <a:ext uri="{909E8E84-426E-40DD-AFC4-6F175D3DCCD1}">
-                              <a14:hiddenFill xmlns:a14="http://schemas.microsoft.com/office/drawing/2010/main">
-                                <a:solidFill>
-                                  <a:srgbClr val="FFFFFF"/>
-                                </a:solidFill>
-                              </a14:hiddenFill>
-                            </a:ext>
-                          </a:extLst>
-                        </p:spPr>
-                      </p:pic>
-                    </p:oleObj>
-                  </mc:Fallback>
-                </mc:AlternateContent>
-              </a:graphicData>
-            </a:graphic>
-          </p:graphicFrame>
-        </p:grpSp>
-        <p:grpSp>
-          <p:nvGrpSpPr>
-            <p:cNvPr id="70" name="组合 9"/>
-            <p:cNvGrpSpPr/>
-            <p:nvPr/>
-          </p:nvGrpSpPr>
-          <p:grpSpPr>
-            <a:xfrm>
-              <a:off x="2714612" y="2571744"/>
-              <a:ext cx="428628" cy="481696"/>
-              <a:chOff x="3929058" y="1714488"/>
-              <a:chExt cx="428628" cy="481696"/>
-            </a:xfrm>
-          </p:grpSpPr>
-          <p:sp>
-            <p:nvSpPr>
-              <p:cNvPr id="120" name="椭圆 119"/>
-              <p:cNvSpPr/>
-              <p:nvPr/>
-            </p:nvSpPr>
-            <p:spPr bwMode="auto">
-              <a:xfrm>
-                <a:off x="3929058" y="1714488"/>
-                <a:ext cx="428628" cy="424136"/>
-              </a:xfrm>
-              <a:prstGeom prst="ellipse">
-                <a:avLst/>
-              </a:prstGeom>
-              <a:solidFill>
-                <a:srgbClr val="FFFFFF"/>
-              </a:solidFill>
-              <a:ln w="25400" cap="flat" cmpd="sng" algn="ctr">
-                <a:solidFill>
-                  <a:srgbClr val="0000FF"/>
-                </a:solidFill>
-                <a:prstDash val="solid"/>
-                <a:headEnd type="none" w="med" len="med"/>
-                <a:tailEnd type="none" w="med" len="med"/>
-              </a:ln>
-              <a:effectLst/>
-            </p:spPr>
-            <p:txBody>
-              <a:bodyPr vert="horz" wrap="square" lIns="0" tIns="0" rIns="0" bIns="0" numCol="1" rtlCol="0" anchor="t" anchorCtr="0" compatLnSpc="1">
-                <a:prstTxWarp prst="textNoShape">
-                  <a:avLst/>
-                </a:prstTxWarp>
-                <a:spAutoFit/>
-              </a:bodyPr>
-              <a:lstStyle/>
-              <a:p>
-                <a:pPr marL="0" marR="0" lvl="0" indent="0" defTabSz="860425" eaLnBrk="0" fontAlgn="auto" latinLnBrk="0" hangingPunct="0">
-                  <a:lnSpc>
-                    <a:spcPct val="70000"/>
-                  </a:lnSpc>
-                  <a:spcBef>
-                    <a:spcPct val="50000"/>
-                  </a:spcBef>
-                  <a:spcAft>
-                    <a:spcPts val="0"/>
-                  </a:spcAft>
-                  <a:buClr>
-                    <a:srgbClr val="000000"/>
-                  </a:buClr>
-                  <a:buSzPct val="100000"/>
-                  <a:buFontTx/>
-                  <a:buNone/>
-                  <a:tabLst/>
-                  <a:defRPr/>
-                </a:pPr>
-                <a:endParaRPr kumimoji="0" lang="zh-CN" altLang="en-US" sz="2800" b="1" i="0" u="none" strike="noStrike" kern="0" cap="none" spc="0" normalizeH="0" baseline="0" noProof="0" dirty="0" smtClean="0">
-                  <a:ln>
-                    <a:noFill/>
-                  </a:ln>
-                  <a:solidFill>
-                    <a:srgbClr val="000000"/>
-                  </a:solidFill>
-                  <a:effectLst/>
-                  <a:uLnTx/>
-                  <a:uFillTx/>
-                  <a:latin typeface="Arial" charset="0"/>
-                  <a:ea typeface="宋体"/>
-                </a:endParaRPr>
-              </a:p>
-            </p:txBody>
-          </p:sp>
-          <p:graphicFrame>
-            <p:nvGraphicFramePr>
-              <p:cNvPr id="121" name="对象 120"/>
-              <p:cNvGraphicFramePr>
-                <a:graphicFrameLocks noChangeAspect="1"/>
-              </p:cNvGraphicFramePr>
-              <p:nvPr/>
-            </p:nvGraphicFramePr>
-            <p:xfrm>
-              <a:off x="3929058" y="1714488"/>
-              <a:ext cx="374652" cy="481696"/>
-            </p:xfrm>
-            <a:graphic>
-              <a:graphicData uri="http://schemas.openxmlformats.org/presentationml/2006/ole">
-                <mc:AlternateContent xmlns:mc="http://schemas.openxmlformats.org/markup-compatibility/2006">
-                  <mc:Choice xmlns:v="urn:schemas-microsoft-com:vml" Requires="v">
-                    <p:oleObj spid="_x0000_s5179" name="公式" r:id="rId23" imgW="177646" imgH="228402" progId="Equation.3">
-                      <p:embed/>
-                    </p:oleObj>
-                  </mc:Choice>
-                  <mc:Fallback>
-                    <p:oleObj name="公式" r:id="rId23" imgW="177646" imgH="228402" progId="Equation.3">
-                      <p:embed/>
-                      <p:pic>
-                        <p:nvPicPr>
-                          <p:cNvPr id="0" name=""/>
-                          <p:cNvPicPr>
-                            <a:picLocks noChangeAspect="1" noChangeArrowheads="1"/>
-                          </p:cNvPicPr>
-                          <p:nvPr/>
-                        </p:nvPicPr>
-                        <p:blipFill>
-                          <a:blip r:embed="rId24">
-                            <a:extLst>
-                              <a:ext uri="{28A0092B-C50C-407E-A947-70E740481C1C}">
-                                <a14:useLocalDpi xmlns:a14="http://schemas.microsoft.com/office/drawing/2010/main" val="0"/>
-                              </a:ext>
-                            </a:extLst>
-                          </a:blip>
-                          <a:srcRect/>
-                          <a:stretch>
-                            <a:fillRect/>
-                          </a:stretch>
-                        </p:blipFill>
-                        <p:spPr bwMode="auto">
-                          <a:xfrm>
-                            <a:off x="3929058" y="1714488"/>
-                            <a:ext cx="374652" cy="481696"/>
-                          </a:xfrm>
-                          <a:prstGeom prst="rect">
-                            <a:avLst/>
-                          </a:prstGeom>
-                          <a:noFill/>
-                          <a:extLst>
-                            <a:ext uri="{909E8E84-426E-40DD-AFC4-6F175D3DCCD1}">
-                              <a14:hiddenFill xmlns:a14="http://schemas.microsoft.com/office/drawing/2010/main">
-                                <a:solidFill>
-                                  <a:srgbClr val="FFFFFF"/>
-                                </a:solidFill>
-                              </a14:hiddenFill>
-                            </a:ext>
-                          </a:extLst>
-                        </p:spPr>
-                      </p:pic>
-                    </p:oleObj>
-                  </mc:Fallback>
-                </mc:AlternateContent>
-              </a:graphicData>
-            </a:graphic>
-          </p:graphicFrame>
-        </p:grpSp>
-        <p:grpSp>
-          <p:nvGrpSpPr>
-            <p:cNvPr id="71" name="组合 12"/>
-            <p:cNvGrpSpPr/>
-            <p:nvPr/>
-          </p:nvGrpSpPr>
-          <p:grpSpPr>
-            <a:xfrm>
-              <a:off x="5286380" y="2518676"/>
-              <a:ext cx="428628" cy="481696"/>
-              <a:chOff x="3929058" y="1714488"/>
-              <a:chExt cx="428628" cy="481696"/>
-            </a:xfrm>
-          </p:grpSpPr>
-          <p:sp>
-            <p:nvSpPr>
-              <p:cNvPr id="118" name="椭圆 117"/>
-              <p:cNvSpPr/>
-              <p:nvPr/>
-            </p:nvSpPr>
-            <p:spPr bwMode="auto">
-              <a:xfrm>
-                <a:off x="3929058" y="1714488"/>
-                <a:ext cx="428628" cy="424136"/>
-              </a:xfrm>
-              <a:prstGeom prst="ellipse">
-                <a:avLst/>
-              </a:prstGeom>
-              <a:solidFill>
-                <a:srgbClr val="FFFFFF"/>
-              </a:solidFill>
-              <a:ln w="25400" cap="flat" cmpd="sng" algn="ctr">
-                <a:solidFill>
-                  <a:srgbClr val="0000FF"/>
-                </a:solidFill>
-                <a:prstDash val="solid"/>
-                <a:headEnd type="none" w="med" len="med"/>
-                <a:tailEnd type="none" w="med" len="med"/>
-              </a:ln>
-              <a:effectLst/>
-            </p:spPr>
-            <p:txBody>
-              <a:bodyPr vert="horz" wrap="square" lIns="0" tIns="0" rIns="0" bIns="0" numCol="1" rtlCol="0" anchor="t" anchorCtr="0" compatLnSpc="1">
-                <a:prstTxWarp prst="textNoShape">
-                  <a:avLst/>
-                </a:prstTxWarp>
-                <a:spAutoFit/>
-              </a:bodyPr>
-              <a:lstStyle/>
-              <a:p>
-                <a:pPr marL="0" marR="0" lvl="0" indent="0" defTabSz="860425" eaLnBrk="0" fontAlgn="auto" latinLnBrk="0" hangingPunct="0">
-                  <a:lnSpc>
-                    <a:spcPct val="70000"/>
-                  </a:lnSpc>
-                  <a:spcBef>
-                    <a:spcPct val="50000"/>
-                  </a:spcBef>
-                  <a:spcAft>
-                    <a:spcPts val="0"/>
-                  </a:spcAft>
-                  <a:buClr>
-                    <a:srgbClr val="000000"/>
-                  </a:buClr>
-                  <a:buSzPct val="100000"/>
-                  <a:buFontTx/>
-                  <a:buNone/>
-                  <a:tabLst/>
-                  <a:defRPr/>
-                </a:pPr>
-                <a:endParaRPr kumimoji="0" lang="zh-CN" altLang="en-US" sz="2800" b="1" i="0" u="none" strike="noStrike" kern="0" cap="none" spc="0" normalizeH="0" baseline="0" noProof="0" dirty="0" smtClean="0">
-                  <a:ln>
-                    <a:noFill/>
-                  </a:ln>
-                  <a:solidFill>
-                    <a:srgbClr val="000000"/>
-                  </a:solidFill>
-                  <a:effectLst/>
-                  <a:uLnTx/>
-                  <a:uFillTx/>
-                  <a:latin typeface="Arial" charset="0"/>
-                  <a:ea typeface="宋体"/>
-                </a:endParaRPr>
-              </a:p>
-            </p:txBody>
-          </p:sp>
-          <p:graphicFrame>
-            <p:nvGraphicFramePr>
-              <p:cNvPr id="119" name="对象 118"/>
-              <p:cNvGraphicFramePr>
-                <a:graphicFrameLocks noChangeAspect="1"/>
-              </p:cNvGraphicFramePr>
-              <p:nvPr/>
-            </p:nvGraphicFramePr>
-            <p:xfrm>
-              <a:off x="3929058" y="1714488"/>
-              <a:ext cx="374652" cy="481696"/>
-            </p:xfrm>
-            <a:graphic>
-              <a:graphicData uri="http://schemas.openxmlformats.org/presentationml/2006/ole">
-                <mc:AlternateContent xmlns:mc="http://schemas.openxmlformats.org/markup-compatibility/2006">
-                  <mc:Choice xmlns:v="urn:schemas-microsoft-com:vml" Requires="v">
-                    <p:oleObj spid="_x0000_s5180" name="公式" r:id="rId25" imgW="177646" imgH="228402" progId="Equation.3">
-                      <p:embed/>
-                    </p:oleObj>
-                  </mc:Choice>
-                  <mc:Fallback>
-                    <p:oleObj name="公式" r:id="rId25" imgW="177646" imgH="228402" progId="Equation.3">
-                      <p:embed/>
-                      <p:pic>
-                        <p:nvPicPr>
-                          <p:cNvPr id="0" name=""/>
-                          <p:cNvPicPr>
-                            <a:picLocks noChangeAspect="1" noChangeArrowheads="1"/>
-                          </p:cNvPicPr>
-                          <p:nvPr/>
-                        </p:nvPicPr>
-                        <p:blipFill>
-                          <a:blip r:embed="rId26">
-                            <a:extLst>
-                              <a:ext uri="{28A0092B-C50C-407E-A947-70E740481C1C}">
-                                <a14:useLocalDpi xmlns:a14="http://schemas.microsoft.com/office/drawing/2010/main" val="0"/>
-                              </a:ext>
-                            </a:extLst>
-                          </a:blip>
-                          <a:srcRect/>
-                          <a:stretch>
-                            <a:fillRect/>
-                          </a:stretch>
-                        </p:blipFill>
-                        <p:spPr bwMode="auto">
-                          <a:xfrm>
-                            <a:off x="3929058" y="1714488"/>
-                            <a:ext cx="374652" cy="481696"/>
-                          </a:xfrm>
-                          <a:prstGeom prst="rect">
-                            <a:avLst/>
-                          </a:prstGeom>
-                          <a:noFill/>
-                          <a:extLst>
-                            <a:ext uri="{909E8E84-426E-40DD-AFC4-6F175D3DCCD1}">
-                              <a14:hiddenFill xmlns:a14="http://schemas.microsoft.com/office/drawing/2010/main">
-                                <a:solidFill>
-                                  <a:srgbClr val="FFFFFF"/>
-                                </a:solidFill>
-                              </a14:hiddenFill>
-                            </a:ext>
-                          </a:extLst>
-                        </p:spPr>
-                      </p:pic>
-                    </p:oleObj>
-                  </mc:Fallback>
-                </mc:AlternateContent>
-              </a:graphicData>
-            </a:graphic>
-          </p:graphicFrame>
-        </p:grpSp>
-        <p:grpSp>
-          <p:nvGrpSpPr>
-            <p:cNvPr id="72" name="组合 15"/>
-            <p:cNvGrpSpPr/>
-            <p:nvPr/>
-          </p:nvGrpSpPr>
-          <p:grpSpPr>
-            <a:xfrm>
-              <a:off x="4641850" y="3643313"/>
-              <a:ext cx="430216" cy="479425"/>
-              <a:chOff x="3927470" y="1714487"/>
-              <a:chExt cx="430216" cy="479425"/>
-            </a:xfrm>
-          </p:grpSpPr>
-          <p:sp>
-            <p:nvSpPr>
-              <p:cNvPr id="110" name="椭圆 109"/>
-              <p:cNvSpPr/>
-              <p:nvPr/>
-            </p:nvSpPr>
-            <p:spPr bwMode="auto">
-              <a:xfrm>
-                <a:off x="3929058" y="1714488"/>
-                <a:ext cx="428628" cy="424136"/>
-              </a:xfrm>
-              <a:prstGeom prst="ellipse">
-                <a:avLst/>
-              </a:prstGeom>
-              <a:solidFill>
-                <a:srgbClr val="FFFFFF"/>
-              </a:solidFill>
-              <a:ln w="25400" cap="flat" cmpd="sng" algn="ctr">
-                <a:solidFill>
-                  <a:srgbClr val="0000FF"/>
-                </a:solidFill>
-                <a:prstDash val="solid"/>
-                <a:headEnd type="none" w="med" len="med"/>
-                <a:tailEnd type="none" w="med" len="med"/>
-              </a:ln>
-              <a:effectLst/>
-            </p:spPr>
-            <p:txBody>
-              <a:bodyPr vert="horz" wrap="square" lIns="0" tIns="0" rIns="0" bIns="0" numCol="1" rtlCol="0" anchor="t" anchorCtr="0" compatLnSpc="1">
-                <a:prstTxWarp prst="textNoShape">
-                  <a:avLst/>
-                </a:prstTxWarp>
-                <a:spAutoFit/>
-              </a:bodyPr>
-              <a:lstStyle/>
-              <a:p>
-                <a:pPr marL="0" marR="0" lvl="0" indent="0" defTabSz="860425" eaLnBrk="0" fontAlgn="auto" latinLnBrk="0" hangingPunct="0">
-                  <a:lnSpc>
-                    <a:spcPct val="70000"/>
-                  </a:lnSpc>
-                  <a:spcBef>
-                    <a:spcPct val="50000"/>
-                  </a:spcBef>
-                  <a:spcAft>
-                    <a:spcPts val="0"/>
-                  </a:spcAft>
-                  <a:buClr>
-                    <a:srgbClr val="000000"/>
-                  </a:buClr>
-                  <a:buSzPct val="100000"/>
-                  <a:buFontTx/>
-                  <a:buNone/>
-                  <a:tabLst/>
-                  <a:defRPr/>
-                </a:pPr>
-                <a:endParaRPr kumimoji="0" lang="zh-CN" altLang="en-US" sz="2800" b="1" i="0" u="none" strike="noStrike" kern="0" cap="none" spc="0" normalizeH="0" baseline="0" noProof="0" dirty="0" smtClean="0">
-                  <a:ln>
-                    <a:noFill/>
-                  </a:ln>
-                  <a:solidFill>
-                    <a:srgbClr val="000000"/>
-                  </a:solidFill>
-                  <a:effectLst/>
-                  <a:uLnTx/>
-                  <a:uFillTx/>
-                  <a:latin typeface="Arial" charset="0"/>
-                  <a:ea typeface="宋体"/>
-                </a:endParaRPr>
-              </a:p>
-            </p:txBody>
-          </p:sp>
-          <p:graphicFrame>
-            <p:nvGraphicFramePr>
-              <p:cNvPr id="117" name="对象 116"/>
-              <p:cNvGraphicFramePr>
-                <a:graphicFrameLocks noChangeAspect="1"/>
-              </p:cNvGraphicFramePr>
-              <p:nvPr/>
-            </p:nvGraphicFramePr>
-            <p:xfrm>
-              <a:off x="3927470" y="1714487"/>
-              <a:ext cx="376238" cy="479425"/>
-            </p:xfrm>
-            <a:graphic>
-              <a:graphicData uri="http://schemas.openxmlformats.org/presentationml/2006/ole">
-                <mc:AlternateContent xmlns:mc="http://schemas.openxmlformats.org/markup-compatibility/2006">
-                  <mc:Choice xmlns:v="urn:schemas-microsoft-com:vml" Requires="v">
-                    <p:oleObj spid="_x0000_s5181" name="公式" r:id="rId27" imgW="177646" imgH="228402" progId="Equation.3">
-                      <p:embed/>
-                    </p:oleObj>
-                  </mc:Choice>
-                  <mc:Fallback>
-                    <p:oleObj name="公式" r:id="rId27" imgW="177646" imgH="228402" progId="Equation.3">
-                      <p:embed/>
-                      <p:pic>
-                        <p:nvPicPr>
-                          <p:cNvPr id="0" name=""/>
-                          <p:cNvPicPr>
-                            <a:picLocks noChangeAspect="1" noChangeArrowheads="1"/>
-                          </p:cNvPicPr>
-                          <p:nvPr/>
-                        </p:nvPicPr>
-                        <p:blipFill>
-                          <a:blip r:embed="rId28">
-                            <a:extLst>
-                              <a:ext uri="{28A0092B-C50C-407E-A947-70E740481C1C}">
-                                <a14:useLocalDpi xmlns:a14="http://schemas.microsoft.com/office/drawing/2010/main" val="0"/>
-                              </a:ext>
-                            </a:extLst>
-                          </a:blip>
-                          <a:srcRect/>
-                          <a:stretch>
-                            <a:fillRect/>
-                          </a:stretch>
-                        </p:blipFill>
-                        <p:spPr bwMode="auto">
-                          <a:xfrm>
-                            <a:off x="3927470" y="1714487"/>
-                            <a:ext cx="376238" cy="479425"/>
-                          </a:xfrm>
-                          <a:prstGeom prst="rect">
-                            <a:avLst/>
-                          </a:prstGeom>
-                          <a:noFill/>
-                          <a:extLst>
-                            <a:ext uri="{909E8E84-426E-40DD-AFC4-6F175D3DCCD1}">
-                              <a14:hiddenFill xmlns:a14="http://schemas.microsoft.com/office/drawing/2010/main">
-                                <a:solidFill>
-                                  <a:srgbClr val="FFFFFF"/>
-                                </a:solidFill>
-                              </a14:hiddenFill>
-                            </a:ext>
-                          </a:extLst>
-                        </p:spPr>
-                      </p:pic>
-                    </p:oleObj>
-                  </mc:Fallback>
-                </mc:AlternateContent>
-              </a:graphicData>
-            </a:graphic>
-          </p:graphicFrame>
-        </p:grpSp>
-        <p:cxnSp>
-          <p:nvCxnSpPr>
-            <p:cNvPr id="73" name="直接连接符 72"/>
-            <p:cNvCxnSpPr>
-              <a:endCxn id="120" idx="7"/>
-            </p:cNvCxnSpPr>
-            <p:nvPr/>
-          </p:nvCxnSpPr>
-          <p:spPr bwMode="auto">
-            <a:xfrm rot="10800000" flipV="1">
-              <a:off x="3080470" y="2071677"/>
-              <a:ext cx="991465" cy="562179"/>
-            </a:xfrm>
-            <a:prstGeom prst="line">
-              <a:avLst/>
-            </a:prstGeom>
-            <a:solidFill>
-              <a:srgbClr val="FFFF00"/>
-            </a:solidFill>
-            <a:ln w="9525" cap="flat" cmpd="sng" algn="ctr">
-              <a:solidFill>
-                <a:srgbClr val="000000"/>
-              </a:solidFill>
-              <a:prstDash val="solid"/>
-              <a:round/>
-              <a:headEnd type="none" w="med" len="med"/>
-              <a:tailEnd type="none" w="med" len="med"/>
-            </a:ln>
-            <a:effectLst/>
-          </p:spPr>
-        </p:cxnSp>
-        <p:cxnSp>
-          <p:nvCxnSpPr>
-            <p:cNvPr id="74" name="直接连接符 73"/>
-            <p:cNvCxnSpPr>
-              <a:stCxn id="122" idx="5"/>
-            </p:cNvCxnSpPr>
-            <p:nvPr/>
-          </p:nvCxnSpPr>
-          <p:spPr bwMode="auto">
-            <a:xfrm rot="16200000" flipH="1">
-              <a:off x="4543031" y="1899832"/>
-              <a:ext cx="566671" cy="920027"/>
-            </a:xfrm>
-            <a:prstGeom prst="line">
-              <a:avLst/>
-            </a:prstGeom>
-            <a:solidFill>
-              <a:srgbClr val="FFFF00"/>
-            </a:solidFill>
-            <a:ln w="9525" cap="flat" cmpd="sng" algn="ctr">
-              <a:solidFill>
-                <a:srgbClr val="000000"/>
-              </a:solidFill>
-              <a:prstDash val="solid"/>
-              <a:round/>
-              <a:headEnd type="none" w="med" len="med"/>
-              <a:tailEnd type="none" w="med" len="med"/>
-            </a:ln>
-            <a:effectLst/>
-          </p:spPr>
-        </p:cxnSp>
-        <p:cxnSp>
-          <p:nvCxnSpPr>
-            <p:cNvPr id="75" name="直接连接符 74"/>
-            <p:cNvCxnSpPr/>
-            <p:nvPr/>
-          </p:nvCxnSpPr>
-          <p:spPr bwMode="auto">
-            <a:xfrm rot="5400000">
-              <a:off x="4786314" y="3071810"/>
-              <a:ext cx="714380" cy="428628"/>
-            </a:xfrm>
-            <a:prstGeom prst="line">
-              <a:avLst/>
-            </a:prstGeom>
-            <a:solidFill>
-              <a:srgbClr val="FFFF00"/>
-            </a:solidFill>
-            <a:ln w="9525" cap="flat" cmpd="sng" algn="ctr">
-              <a:solidFill>
-                <a:srgbClr val="000000"/>
-              </a:solidFill>
-              <a:prstDash val="solid"/>
-              <a:round/>
-              <a:headEnd type="none" w="med" len="med"/>
-              <a:tailEnd type="none" w="med" len="med"/>
-            </a:ln>
-            <a:effectLst/>
-          </p:spPr>
-        </p:cxnSp>
-        <p:grpSp>
-          <p:nvGrpSpPr>
-            <p:cNvPr id="76" name="组合 47"/>
-            <p:cNvGrpSpPr/>
-            <p:nvPr/>
-          </p:nvGrpSpPr>
-          <p:grpSpPr>
-            <a:xfrm>
-              <a:off x="1928794" y="3714752"/>
-              <a:ext cx="785818" cy="285752"/>
-              <a:chOff x="1928794" y="3714752"/>
-              <a:chExt cx="785818" cy="285752"/>
-            </a:xfrm>
-          </p:grpSpPr>
-          <p:sp>
-            <p:nvSpPr>
-              <p:cNvPr id="108" name="矩形 107"/>
-              <p:cNvSpPr/>
-              <p:nvPr/>
-            </p:nvSpPr>
-            <p:spPr bwMode="auto">
-              <a:xfrm>
-                <a:off x="1928794" y="3714752"/>
-                <a:ext cx="785818" cy="285752"/>
-              </a:xfrm>
-              <a:prstGeom prst="rect">
-                <a:avLst/>
-              </a:prstGeom>
-              <a:gradFill rotWithShape="1">
-                <a:gsLst>
-                  <a:gs pos="0">
-                    <a:srgbClr val="AAAAFF">
-                      <a:tint val="50000"/>
-                      <a:satMod val="300000"/>
-                    </a:srgbClr>
-                  </a:gs>
-                  <a:gs pos="35000">
-                    <a:srgbClr val="AAAAFF">
-                      <a:tint val="37000"/>
-                      <a:satMod val="300000"/>
-                    </a:srgbClr>
-                  </a:gs>
-                  <a:gs pos="100000">
-                    <a:srgbClr val="AAAAFF">
-                      <a:tint val="15000"/>
-                      <a:satMod val="350000"/>
-                    </a:srgbClr>
-                  </a:gs>
-                </a:gsLst>
-                <a:lin ang="16200000" scaled="1"/>
-              </a:gradFill>
-              <a:ln w="9525" cap="flat" cmpd="sng" algn="ctr">
-                <a:solidFill>
-                  <a:srgbClr val="AAAAFF">
-                    <a:shade val="95000"/>
-                    <a:satMod val="105000"/>
-                  </a:srgbClr>
-                </a:solidFill>
-                <a:prstDash val="solid"/>
-                <a:headEnd type="none" w="med" len="med"/>
-                <a:tailEnd type="none" w="med" len="med"/>
-              </a:ln>
-              <a:effectLst>
-                <a:outerShdw blurRad="40000" dist="20000" dir="5400000" rotWithShape="0">
-                  <a:srgbClr val="000000">
-                    <a:alpha val="38000"/>
-                  </a:srgbClr>
-                </a:outerShdw>
-              </a:effectLst>
-            </p:spPr>
-            <p:txBody>
-              <a:bodyPr vert="horz" wrap="square" lIns="0" tIns="0" rIns="0" bIns="0" numCol="1" rtlCol="0" anchor="t" anchorCtr="0" compatLnSpc="1">
-                <a:prstTxWarp prst="textNoShape">
-                  <a:avLst/>
-                </a:prstTxWarp>
-                <a:spAutoFit/>
-              </a:bodyPr>
-              <a:lstStyle/>
-              <a:p>
-                <a:pPr marL="0" marR="0" lvl="0" indent="0" defTabSz="860425" eaLnBrk="0" fontAlgn="auto" latinLnBrk="0" hangingPunct="0">
-                  <a:lnSpc>
-                    <a:spcPct val="70000"/>
-                  </a:lnSpc>
-                  <a:spcBef>
-                    <a:spcPct val="50000"/>
-                  </a:spcBef>
-                  <a:spcAft>
-                    <a:spcPts val="0"/>
-                  </a:spcAft>
-                  <a:buClr>
-                    <a:srgbClr val="000000"/>
-                  </a:buClr>
-                  <a:buSzPct val="100000"/>
-                  <a:buFontTx/>
-                  <a:buNone/>
-                  <a:tabLst/>
-                  <a:defRPr/>
-                </a:pPr>
-                <a:endParaRPr kumimoji="0" lang="zh-CN" altLang="en-US" sz="2800" b="1" i="0" u="none" strike="noStrike" kern="0" cap="none" spc="0" normalizeH="0" baseline="0" noProof="0" dirty="0" smtClean="0">
-                  <a:ln>
-                    <a:noFill/>
-                  </a:ln>
-                  <a:solidFill>
-                    <a:srgbClr val="000000"/>
-                  </a:solidFill>
-                  <a:effectLst/>
-                  <a:uLnTx/>
-                  <a:uFillTx/>
-                  <a:latin typeface="Arial" charset="0"/>
-                  <a:ea typeface="宋体"/>
-                </a:endParaRPr>
-              </a:p>
-            </p:txBody>
-          </p:sp>
-          <p:graphicFrame>
-            <p:nvGraphicFramePr>
-              <p:cNvPr id="109" name="对象 108"/>
-              <p:cNvGraphicFramePr>
-                <a:graphicFrameLocks noChangeAspect="1"/>
-              </p:cNvGraphicFramePr>
-              <p:nvPr/>
-            </p:nvGraphicFramePr>
-            <p:xfrm>
-              <a:off x="2071670" y="3759731"/>
-              <a:ext cx="500066" cy="240773"/>
-            </p:xfrm>
-            <a:graphic>
-              <a:graphicData uri="http://schemas.openxmlformats.org/presentationml/2006/ole">
-                <mc:AlternateContent xmlns:mc="http://schemas.openxmlformats.org/markup-compatibility/2006">
-                  <mc:Choice xmlns:v="urn:schemas-microsoft-com:vml" Requires="v">
-                    <p:oleObj spid="_x0000_s5182" name="公式" r:id="rId29" imgW="342603" imgH="164957" progId="Equation.3">
-                      <p:embed/>
-                    </p:oleObj>
-                  </mc:Choice>
-                  <mc:Fallback>
-                    <p:oleObj name="公式" r:id="rId29" imgW="342603" imgH="164957" progId="Equation.3">
-                      <p:embed/>
-                      <p:pic>
-                        <p:nvPicPr>
-                          <p:cNvPr id="0" name=""/>
-                          <p:cNvPicPr>
-                            <a:picLocks noChangeAspect="1" noChangeArrowheads="1"/>
-                          </p:cNvPicPr>
-                          <p:nvPr/>
-                        </p:nvPicPr>
-                        <p:blipFill>
-                          <a:blip r:embed="rId30">
-                            <a:extLst>
-                              <a:ext uri="{28A0092B-C50C-407E-A947-70E740481C1C}">
-                                <a14:useLocalDpi xmlns:a14="http://schemas.microsoft.com/office/drawing/2010/main" val="0"/>
-                              </a:ext>
-                            </a:extLst>
-                          </a:blip>
-                          <a:srcRect/>
-                          <a:stretch>
-                            <a:fillRect/>
-                          </a:stretch>
-                        </p:blipFill>
-                        <p:spPr bwMode="auto">
-                          <a:xfrm>
-                            <a:off x="2071670" y="3759731"/>
-                            <a:ext cx="500066" cy="240773"/>
-                          </a:xfrm>
-                          <a:prstGeom prst="rect">
-                            <a:avLst/>
-                          </a:prstGeom>
-                          <a:noFill/>
-                          <a:extLst>
-                            <a:ext uri="{909E8E84-426E-40DD-AFC4-6F175D3DCCD1}">
-                              <a14:hiddenFill xmlns:a14="http://schemas.microsoft.com/office/drawing/2010/main">
-                                <a:solidFill>
-                                  <a:srgbClr val="FFFFFF"/>
-                                </a:solidFill>
-                              </a14:hiddenFill>
-                            </a:ext>
-                          </a:extLst>
-                        </p:spPr>
-                      </p:pic>
-                    </p:oleObj>
-                  </mc:Fallback>
-                </mc:AlternateContent>
-              </a:graphicData>
-            </a:graphic>
-          </p:graphicFrame>
-        </p:grpSp>
-        <p:grpSp>
-          <p:nvGrpSpPr>
-            <p:cNvPr id="77" name="组合 48"/>
-            <p:cNvGrpSpPr/>
-            <p:nvPr/>
-          </p:nvGrpSpPr>
-          <p:grpSpPr>
-            <a:xfrm>
-              <a:off x="3071802" y="3714752"/>
-              <a:ext cx="785818" cy="285752"/>
-              <a:chOff x="1928794" y="3714752"/>
-              <a:chExt cx="785818" cy="285752"/>
-            </a:xfrm>
-          </p:grpSpPr>
-          <p:sp>
-            <p:nvSpPr>
-              <p:cNvPr id="106" name="矩形 105"/>
-              <p:cNvSpPr/>
-              <p:nvPr/>
-            </p:nvSpPr>
-            <p:spPr bwMode="auto">
-              <a:xfrm>
-                <a:off x="1928794" y="3714752"/>
-                <a:ext cx="785818" cy="285752"/>
-              </a:xfrm>
-              <a:prstGeom prst="rect">
-                <a:avLst/>
-              </a:prstGeom>
-              <a:gradFill rotWithShape="1">
-                <a:gsLst>
-                  <a:gs pos="0">
-                    <a:srgbClr val="AAAAFF">
-                      <a:tint val="50000"/>
-                      <a:satMod val="300000"/>
-                    </a:srgbClr>
-                  </a:gs>
-                  <a:gs pos="35000">
-                    <a:srgbClr val="AAAAFF">
-                      <a:tint val="37000"/>
-                      <a:satMod val="300000"/>
-                    </a:srgbClr>
-                  </a:gs>
-                  <a:gs pos="100000">
-                    <a:srgbClr val="AAAAFF">
-                      <a:tint val="15000"/>
-                      <a:satMod val="350000"/>
-                    </a:srgbClr>
-                  </a:gs>
-                </a:gsLst>
-                <a:lin ang="16200000" scaled="1"/>
-              </a:gradFill>
-              <a:ln w="9525" cap="flat" cmpd="sng" algn="ctr">
-                <a:solidFill>
-                  <a:srgbClr val="AAAAFF">
-                    <a:shade val="95000"/>
-                    <a:satMod val="105000"/>
-                  </a:srgbClr>
-                </a:solidFill>
-                <a:prstDash val="solid"/>
-                <a:headEnd type="none" w="med" len="med"/>
-                <a:tailEnd type="none" w="med" len="med"/>
-              </a:ln>
-              <a:effectLst>
-                <a:outerShdw blurRad="40000" dist="20000" dir="5400000" rotWithShape="0">
-                  <a:srgbClr val="000000">
-                    <a:alpha val="38000"/>
-                  </a:srgbClr>
-                </a:outerShdw>
-              </a:effectLst>
-            </p:spPr>
-            <p:txBody>
-              <a:bodyPr vert="horz" wrap="square" lIns="0" tIns="0" rIns="0" bIns="0" numCol="1" rtlCol="0" anchor="t" anchorCtr="0" compatLnSpc="1">
-                <a:prstTxWarp prst="textNoShape">
-                  <a:avLst/>
-                </a:prstTxWarp>
-                <a:spAutoFit/>
-              </a:bodyPr>
-              <a:lstStyle/>
-              <a:p>
-                <a:pPr marL="0" marR="0" lvl="0" indent="0" defTabSz="860425" eaLnBrk="0" fontAlgn="auto" latinLnBrk="0" hangingPunct="0">
-                  <a:lnSpc>
-                    <a:spcPct val="70000"/>
-                  </a:lnSpc>
-                  <a:spcBef>
-                    <a:spcPct val="50000"/>
-                  </a:spcBef>
-                  <a:spcAft>
-                    <a:spcPts val="0"/>
-                  </a:spcAft>
-                  <a:buClr>
-                    <a:srgbClr val="000000"/>
-                  </a:buClr>
-                  <a:buSzPct val="100000"/>
-                  <a:buFontTx/>
-                  <a:buNone/>
-                  <a:tabLst/>
-                  <a:defRPr/>
-                </a:pPr>
-                <a:endParaRPr kumimoji="0" lang="zh-CN" altLang="en-US" sz="2800" b="1" i="0" u="none" strike="noStrike" kern="0" cap="none" spc="0" normalizeH="0" baseline="0" noProof="0" dirty="0" smtClean="0">
-                  <a:ln>
-                    <a:noFill/>
-                  </a:ln>
-                  <a:solidFill>
-                    <a:srgbClr val="000000"/>
-                  </a:solidFill>
-                  <a:effectLst/>
-                  <a:uLnTx/>
-                  <a:uFillTx/>
-                  <a:latin typeface="Arial" charset="0"/>
-                  <a:ea typeface="宋体"/>
-                </a:endParaRPr>
-              </a:p>
-            </p:txBody>
-          </p:sp>
-          <p:graphicFrame>
-            <p:nvGraphicFramePr>
-              <p:cNvPr id="107" name="对象 106"/>
-              <p:cNvGraphicFramePr>
-                <a:graphicFrameLocks noChangeAspect="1"/>
-              </p:cNvGraphicFramePr>
-              <p:nvPr/>
-            </p:nvGraphicFramePr>
-            <p:xfrm>
-              <a:off x="2054216" y="3759200"/>
-              <a:ext cx="536575" cy="241300"/>
-            </p:xfrm>
-            <a:graphic>
-              <a:graphicData uri="http://schemas.openxmlformats.org/presentationml/2006/ole">
-                <mc:AlternateContent xmlns:mc="http://schemas.openxmlformats.org/markup-compatibility/2006">
-                  <mc:Choice xmlns:v="urn:schemas-microsoft-com:vml" Requires="v">
-                    <p:oleObj spid="_x0000_s5183" name="公式" r:id="rId31" imgW="368140" imgH="165028" progId="Equation.3">
-                      <p:embed/>
-                    </p:oleObj>
-                  </mc:Choice>
-                  <mc:Fallback>
-                    <p:oleObj name="公式" r:id="rId31" imgW="368140" imgH="165028" progId="Equation.3">
-                      <p:embed/>
-                      <p:pic>
-                        <p:nvPicPr>
-                          <p:cNvPr id="0" name=""/>
-                          <p:cNvPicPr>
-                            <a:picLocks noChangeAspect="1" noChangeArrowheads="1"/>
-                          </p:cNvPicPr>
-                          <p:nvPr/>
-                        </p:nvPicPr>
-                        <p:blipFill>
-                          <a:blip r:embed="rId32">
-                            <a:extLst>
-                              <a:ext uri="{28A0092B-C50C-407E-A947-70E740481C1C}">
-                                <a14:useLocalDpi xmlns:a14="http://schemas.microsoft.com/office/drawing/2010/main" val="0"/>
-                              </a:ext>
-                            </a:extLst>
-                          </a:blip>
-                          <a:srcRect/>
-                          <a:stretch>
-                            <a:fillRect/>
-                          </a:stretch>
-                        </p:blipFill>
-                        <p:spPr bwMode="auto">
-                          <a:xfrm>
-                            <a:off x="2054216" y="3759200"/>
-                            <a:ext cx="536575" cy="241300"/>
-                          </a:xfrm>
-                          <a:prstGeom prst="rect">
-                            <a:avLst/>
-                          </a:prstGeom>
-                          <a:noFill/>
-                          <a:extLst>
-                            <a:ext uri="{909E8E84-426E-40DD-AFC4-6F175D3DCCD1}">
-                              <a14:hiddenFill xmlns:a14="http://schemas.microsoft.com/office/drawing/2010/main">
-                                <a:solidFill>
-                                  <a:srgbClr val="FFFFFF"/>
-                                </a:solidFill>
-                              </a14:hiddenFill>
-                            </a:ext>
-                          </a:extLst>
-                        </p:spPr>
-                      </p:pic>
-                    </p:oleObj>
-                  </mc:Fallback>
-                </mc:AlternateContent>
-              </a:graphicData>
-            </a:graphic>
-          </p:graphicFrame>
-        </p:grpSp>
-        <p:grpSp>
-          <p:nvGrpSpPr>
-            <p:cNvPr id="78" name="组合 51"/>
-            <p:cNvGrpSpPr/>
-            <p:nvPr/>
-          </p:nvGrpSpPr>
-          <p:grpSpPr>
-            <a:xfrm>
-              <a:off x="5929322" y="3714752"/>
-              <a:ext cx="785818" cy="295273"/>
-              <a:chOff x="1928794" y="3714752"/>
-              <a:chExt cx="785818" cy="295273"/>
-            </a:xfrm>
-          </p:grpSpPr>
-          <p:sp>
-            <p:nvSpPr>
-              <p:cNvPr id="90" name="矩形 89"/>
-              <p:cNvSpPr/>
-              <p:nvPr/>
-            </p:nvSpPr>
-            <p:spPr bwMode="auto">
-              <a:xfrm>
-                <a:off x="1928794" y="3714752"/>
-                <a:ext cx="785818" cy="285752"/>
-              </a:xfrm>
-              <a:prstGeom prst="rect">
-                <a:avLst/>
-              </a:prstGeom>
-              <a:gradFill rotWithShape="1">
-                <a:gsLst>
-                  <a:gs pos="0">
-                    <a:srgbClr val="AAAAFF">
-                      <a:tint val="50000"/>
-                      <a:satMod val="300000"/>
-                    </a:srgbClr>
-                  </a:gs>
-                  <a:gs pos="35000">
-                    <a:srgbClr val="AAAAFF">
-                      <a:tint val="37000"/>
-                      <a:satMod val="300000"/>
-                    </a:srgbClr>
-                  </a:gs>
-                  <a:gs pos="100000">
-                    <a:srgbClr val="AAAAFF">
-                      <a:tint val="15000"/>
-                      <a:satMod val="350000"/>
-                    </a:srgbClr>
-                  </a:gs>
-                </a:gsLst>
-                <a:lin ang="16200000" scaled="1"/>
-              </a:gradFill>
-              <a:ln w="9525" cap="flat" cmpd="sng" algn="ctr">
-                <a:solidFill>
-                  <a:srgbClr val="AAAAFF">
-                    <a:shade val="95000"/>
-                    <a:satMod val="105000"/>
-                  </a:srgbClr>
-                </a:solidFill>
-                <a:prstDash val="solid"/>
-                <a:headEnd type="none" w="med" len="med"/>
-                <a:tailEnd type="none" w="med" len="med"/>
-              </a:ln>
-              <a:effectLst>
-                <a:outerShdw blurRad="40000" dist="20000" dir="5400000" rotWithShape="0">
-                  <a:srgbClr val="000000">
-                    <a:alpha val="38000"/>
-                  </a:srgbClr>
-                </a:outerShdw>
-              </a:effectLst>
-            </p:spPr>
-            <p:txBody>
-              <a:bodyPr vert="horz" wrap="square" lIns="0" tIns="0" rIns="0" bIns="0" numCol="1" rtlCol="0" anchor="t" anchorCtr="0" compatLnSpc="1">
-                <a:prstTxWarp prst="textNoShape">
-                  <a:avLst/>
-                </a:prstTxWarp>
-                <a:spAutoFit/>
-              </a:bodyPr>
-              <a:lstStyle/>
-              <a:p>
-                <a:pPr marL="0" marR="0" lvl="0" indent="0" defTabSz="860425" eaLnBrk="0" fontAlgn="auto" latinLnBrk="0" hangingPunct="0">
-                  <a:lnSpc>
-                    <a:spcPct val="70000"/>
-                  </a:lnSpc>
-                  <a:spcBef>
-                    <a:spcPct val="50000"/>
-                  </a:spcBef>
-                  <a:spcAft>
-                    <a:spcPts val="0"/>
-                  </a:spcAft>
-                  <a:buClr>
-                    <a:srgbClr val="000000"/>
-                  </a:buClr>
-                  <a:buSzPct val="100000"/>
-                  <a:buFontTx/>
-                  <a:buNone/>
-                  <a:tabLst/>
-                  <a:defRPr/>
-                </a:pPr>
-                <a:endParaRPr kumimoji="0" lang="zh-CN" altLang="en-US" sz="2800" b="1" i="0" u="none" strike="noStrike" kern="0" cap="none" spc="0" normalizeH="0" baseline="0" noProof="0" dirty="0" smtClean="0">
-                  <a:ln>
-                    <a:noFill/>
-                  </a:ln>
-                  <a:solidFill>
-                    <a:srgbClr val="000000"/>
-                  </a:solidFill>
-                  <a:effectLst/>
-                  <a:uLnTx/>
-                  <a:uFillTx/>
-                  <a:latin typeface="Arial" charset="0"/>
-                  <a:ea typeface="宋体"/>
-                </a:endParaRPr>
-              </a:p>
-            </p:txBody>
-          </p:sp>
-          <p:graphicFrame>
-            <p:nvGraphicFramePr>
-              <p:cNvPr id="105" name="对象 104"/>
-              <p:cNvGraphicFramePr>
-                <a:graphicFrameLocks noChangeAspect="1"/>
-              </p:cNvGraphicFramePr>
-              <p:nvPr/>
-            </p:nvGraphicFramePr>
-            <p:xfrm>
-              <a:off x="2063722" y="3749675"/>
-              <a:ext cx="517525" cy="260350"/>
-            </p:xfrm>
-            <a:graphic>
-              <a:graphicData uri="http://schemas.openxmlformats.org/presentationml/2006/ole">
-                <mc:AlternateContent xmlns:mc="http://schemas.openxmlformats.org/markup-compatibility/2006">
-                  <mc:Choice xmlns:v="urn:schemas-microsoft-com:vml" Requires="v">
-                    <p:oleObj spid="_x0000_s5184" name="公式" r:id="rId33" imgW="355138" imgH="177569" progId="Equation.3">
-                      <p:embed/>
-                    </p:oleObj>
-                  </mc:Choice>
-                  <mc:Fallback>
-                    <p:oleObj name="公式" r:id="rId33" imgW="355138" imgH="177569" progId="Equation.3">
-                      <p:embed/>
-                      <p:pic>
-                        <p:nvPicPr>
-                          <p:cNvPr id="0" name=""/>
-                          <p:cNvPicPr>
-                            <a:picLocks noChangeAspect="1" noChangeArrowheads="1"/>
-                          </p:cNvPicPr>
-                          <p:nvPr/>
-                        </p:nvPicPr>
-                        <p:blipFill>
-                          <a:blip r:embed="rId34">
-                            <a:extLst>
-                              <a:ext uri="{28A0092B-C50C-407E-A947-70E740481C1C}">
-                                <a14:useLocalDpi xmlns:a14="http://schemas.microsoft.com/office/drawing/2010/main" val="0"/>
-                              </a:ext>
-                            </a:extLst>
-                          </a:blip>
-                          <a:srcRect/>
-                          <a:stretch>
-                            <a:fillRect/>
-                          </a:stretch>
-                        </p:blipFill>
-                        <p:spPr bwMode="auto">
-                          <a:xfrm>
-                            <a:off x="2063722" y="3749675"/>
-                            <a:ext cx="517525" cy="260350"/>
-                          </a:xfrm>
-                          <a:prstGeom prst="rect">
-                            <a:avLst/>
-                          </a:prstGeom>
-                          <a:noFill/>
-                          <a:extLst>
-                            <a:ext uri="{909E8E84-426E-40DD-AFC4-6F175D3DCCD1}">
-                              <a14:hiddenFill xmlns:a14="http://schemas.microsoft.com/office/drawing/2010/main">
-                                <a:solidFill>
-                                  <a:srgbClr val="FFFFFF"/>
-                                </a:solidFill>
-                              </a14:hiddenFill>
-                            </a:ext>
-                          </a:extLst>
-                        </p:spPr>
-                      </p:pic>
-                    </p:oleObj>
-                  </mc:Fallback>
-                </mc:AlternateContent>
-              </a:graphicData>
-            </a:graphic>
-          </p:graphicFrame>
-        </p:grpSp>
-        <p:grpSp>
-          <p:nvGrpSpPr>
-            <p:cNvPr id="79" name="组合 54"/>
-            <p:cNvGrpSpPr/>
-            <p:nvPr/>
-          </p:nvGrpSpPr>
-          <p:grpSpPr>
-            <a:xfrm>
-              <a:off x="5072066" y="4786322"/>
-              <a:ext cx="785818" cy="285752"/>
-              <a:chOff x="1928794" y="3714752"/>
-              <a:chExt cx="785818" cy="285752"/>
-            </a:xfrm>
-          </p:grpSpPr>
-          <p:sp>
-            <p:nvSpPr>
-              <p:cNvPr id="88" name="矩形 87"/>
-              <p:cNvSpPr/>
-              <p:nvPr/>
-            </p:nvSpPr>
-            <p:spPr bwMode="auto">
-              <a:xfrm>
-                <a:off x="1928794" y="3714752"/>
-                <a:ext cx="785818" cy="285752"/>
-              </a:xfrm>
-              <a:prstGeom prst="rect">
-                <a:avLst/>
-              </a:prstGeom>
-              <a:gradFill rotWithShape="1">
-                <a:gsLst>
-                  <a:gs pos="0">
-                    <a:srgbClr val="AAAAFF">
-                      <a:tint val="50000"/>
-                      <a:satMod val="300000"/>
-                    </a:srgbClr>
-                  </a:gs>
-                  <a:gs pos="35000">
-                    <a:srgbClr val="AAAAFF">
-                      <a:tint val="37000"/>
-                      <a:satMod val="300000"/>
-                    </a:srgbClr>
-                  </a:gs>
-                  <a:gs pos="100000">
-                    <a:srgbClr val="AAAAFF">
-                      <a:tint val="15000"/>
-                      <a:satMod val="350000"/>
-                    </a:srgbClr>
-                  </a:gs>
-                </a:gsLst>
-                <a:lin ang="16200000" scaled="1"/>
-              </a:gradFill>
-              <a:ln w="9525" cap="flat" cmpd="sng" algn="ctr">
-                <a:solidFill>
-                  <a:srgbClr val="AAAAFF">
-                    <a:shade val="95000"/>
-                    <a:satMod val="105000"/>
-                  </a:srgbClr>
-                </a:solidFill>
-                <a:prstDash val="solid"/>
-                <a:headEnd type="none" w="med" len="med"/>
-                <a:tailEnd type="none" w="med" len="med"/>
-              </a:ln>
-              <a:effectLst>
-                <a:outerShdw blurRad="40000" dist="20000" dir="5400000" rotWithShape="0">
-                  <a:srgbClr val="000000">
-                    <a:alpha val="38000"/>
-                  </a:srgbClr>
-                </a:outerShdw>
-              </a:effectLst>
-            </p:spPr>
-            <p:txBody>
-              <a:bodyPr vert="horz" wrap="square" lIns="0" tIns="0" rIns="0" bIns="0" numCol="1" rtlCol="0" anchor="t" anchorCtr="0" compatLnSpc="1">
-                <a:prstTxWarp prst="textNoShape">
-                  <a:avLst/>
-                </a:prstTxWarp>
-                <a:spAutoFit/>
-              </a:bodyPr>
-              <a:lstStyle/>
-              <a:p>
-                <a:pPr marL="0" marR="0" lvl="0" indent="0" defTabSz="860425" eaLnBrk="0" fontAlgn="auto" latinLnBrk="0" hangingPunct="0">
-                  <a:lnSpc>
-                    <a:spcPct val="70000"/>
-                  </a:lnSpc>
-                  <a:spcBef>
-                    <a:spcPct val="50000"/>
-                  </a:spcBef>
-                  <a:spcAft>
-                    <a:spcPts val="0"/>
-                  </a:spcAft>
-                  <a:buClr>
-                    <a:srgbClr val="000000"/>
-                  </a:buClr>
-                  <a:buSzPct val="100000"/>
-                  <a:buFontTx/>
-                  <a:buNone/>
-                  <a:tabLst/>
-                  <a:defRPr/>
-                </a:pPr>
-                <a:endParaRPr kumimoji="0" lang="zh-CN" altLang="en-US" sz="2800" b="1" i="0" u="none" strike="noStrike" kern="0" cap="none" spc="0" normalizeH="0" baseline="0" noProof="0" dirty="0" smtClean="0">
-                  <a:ln>
-                    <a:noFill/>
-                  </a:ln>
-                  <a:solidFill>
-                    <a:srgbClr val="000000"/>
-                  </a:solidFill>
-                  <a:effectLst/>
-                  <a:uLnTx/>
-                  <a:uFillTx/>
-                  <a:latin typeface="Arial" charset="0"/>
-                  <a:ea typeface="宋体"/>
-                </a:endParaRPr>
-              </a:p>
-            </p:txBody>
-          </p:sp>
-          <p:graphicFrame>
-            <p:nvGraphicFramePr>
-              <p:cNvPr id="89" name="对象 88"/>
-              <p:cNvGraphicFramePr>
-                <a:graphicFrameLocks noChangeAspect="1"/>
-              </p:cNvGraphicFramePr>
-              <p:nvPr/>
-            </p:nvGraphicFramePr>
-            <p:xfrm>
-              <a:off x="2052616" y="3759193"/>
-              <a:ext cx="538162" cy="241300"/>
-            </p:xfrm>
-            <a:graphic>
-              <a:graphicData uri="http://schemas.openxmlformats.org/presentationml/2006/ole">
-                <mc:AlternateContent xmlns:mc="http://schemas.openxmlformats.org/markup-compatibility/2006">
-                  <mc:Choice xmlns:v="urn:schemas-microsoft-com:vml" Requires="v">
-                    <p:oleObj spid="_x0000_s5185" name="公式" r:id="rId35" imgW="368140" imgH="165028" progId="Equation.3">
-                      <p:embed/>
-                    </p:oleObj>
-                  </mc:Choice>
-                  <mc:Fallback>
-                    <p:oleObj name="公式" r:id="rId35" imgW="368140" imgH="165028" progId="Equation.3">
-                      <p:embed/>
-                      <p:pic>
-                        <p:nvPicPr>
-                          <p:cNvPr id="0" name=""/>
-                          <p:cNvPicPr>
-                            <a:picLocks noChangeAspect="1" noChangeArrowheads="1"/>
-                          </p:cNvPicPr>
-                          <p:nvPr/>
-                        </p:nvPicPr>
-                        <p:blipFill>
-                          <a:blip r:embed="rId36">
-                            <a:extLst>
-                              <a:ext uri="{28A0092B-C50C-407E-A947-70E740481C1C}">
-                                <a14:useLocalDpi xmlns:a14="http://schemas.microsoft.com/office/drawing/2010/main" val="0"/>
-                              </a:ext>
-                            </a:extLst>
-                          </a:blip>
-                          <a:srcRect/>
-                          <a:stretch>
-                            <a:fillRect/>
-                          </a:stretch>
-                        </p:blipFill>
-                        <p:spPr bwMode="auto">
-                          <a:xfrm>
-                            <a:off x="2052616" y="3759193"/>
-                            <a:ext cx="538162" cy="241300"/>
-                          </a:xfrm>
-                          <a:prstGeom prst="rect">
-                            <a:avLst/>
-                          </a:prstGeom>
-                          <a:noFill/>
-                          <a:extLst>
-                            <a:ext uri="{909E8E84-426E-40DD-AFC4-6F175D3DCCD1}">
-                              <a14:hiddenFill xmlns:a14="http://schemas.microsoft.com/office/drawing/2010/main">
-                                <a:solidFill>
-                                  <a:srgbClr val="FFFFFF"/>
-                                </a:solidFill>
-                              </a14:hiddenFill>
-                            </a:ext>
-                          </a:extLst>
-                        </p:spPr>
-                      </p:pic>
-                    </p:oleObj>
-                  </mc:Fallback>
-                </mc:AlternateContent>
-              </a:graphicData>
-            </a:graphic>
-          </p:graphicFrame>
-        </p:grpSp>
-        <p:grpSp>
-          <p:nvGrpSpPr>
-            <p:cNvPr id="80" name="组合 57"/>
-            <p:cNvGrpSpPr/>
-            <p:nvPr/>
-          </p:nvGrpSpPr>
-          <p:grpSpPr>
-            <a:xfrm>
-              <a:off x="3929058" y="4786322"/>
-              <a:ext cx="785818" cy="295266"/>
-              <a:chOff x="1928794" y="3714752"/>
-              <a:chExt cx="785818" cy="295266"/>
-            </a:xfrm>
-          </p:grpSpPr>
-          <p:sp>
-            <p:nvSpPr>
-              <p:cNvPr id="86" name="矩形 85"/>
-              <p:cNvSpPr/>
-              <p:nvPr/>
-            </p:nvSpPr>
-            <p:spPr bwMode="auto">
-              <a:xfrm>
-                <a:off x="1928794" y="3714752"/>
-                <a:ext cx="785818" cy="285752"/>
-              </a:xfrm>
-              <a:prstGeom prst="rect">
-                <a:avLst/>
-              </a:prstGeom>
-              <a:gradFill rotWithShape="1">
-                <a:gsLst>
-                  <a:gs pos="0">
-                    <a:srgbClr val="AAAAFF">
-                      <a:tint val="50000"/>
-                      <a:satMod val="300000"/>
-                    </a:srgbClr>
-                  </a:gs>
-                  <a:gs pos="35000">
-                    <a:srgbClr val="AAAAFF">
-                      <a:tint val="37000"/>
-                      <a:satMod val="300000"/>
-                    </a:srgbClr>
-                  </a:gs>
-                  <a:gs pos="100000">
-                    <a:srgbClr val="AAAAFF">
-                      <a:tint val="15000"/>
-                      <a:satMod val="350000"/>
-                    </a:srgbClr>
-                  </a:gs>
-                </a:gsLst>
-                <a:lin ang="16200000" scaled="1"/>
-              </a:gradFill>
-              <a:ln w="9525" cap="flat" cmpd="sng" algn="ctr">
-                <a:solidFill>
-                  <a:srgbClr val="AAAAFF">
-                    <a:shade val="95000"/>
-                    <a:satMod val="105000"/>
-                  </a:srgbClr>
-                </a:solidFill>
-                <a:prstDash val="solid"/>
-                <a:headEnd type="none" w="med" len="med"/>
-                <a:tailEnd type="none" w="med" len="med"/>
-              </a:ln>
-              <a:effectLst>
-                <a:outerShdw blurRad="40000" dist="20000" dir="5400000" rotWithShape="0">
-                  <a:srgbClr val="000000">
-                    <a:alpha val="38000"/>
-                  </a:srgbClr>
-                </a:outerShdw>
-              </a:effectLst>
-            </p:spPr>
-            <p:txBody>
-              <a:bodyPr vert="horz" wrap="square" lIns="0" tIns="0" rIns="0" bIns="0" numCol="1" rtlCol="0" anchor="t" anchorCtr="0" compatLnSpc="1">
-                <a:prstTxWarp prst="textNoShape">
-                  <a:avLst/>
-                </a:prstTxWarp>
-                <a:spAutoFit/>
-              </a:bodyPr>
-              <a:lstStyle/>
-              <a:p>
-                <a:pPr marL="0" marR="0" lvl="0" indent="0" defTabSz="860425" eaLnBrk="0" fontAlgn="auto" latinLnBrk="0" hangingPunct="0">
-                  <a:lnSpc>
-                    <a:spcPct val="70000"/>
-                  </a:lnSpc>
-                  <a:spcBef>
-                    <a:spcPct val="50000"/>
-                  </a:spcBef>
-                  <a:spcAft>
-                    <a:spcPts val="0"/>
-                  </a:spcAft>
-                  <a:buClr>
-                    <a:srgbClr val="000000"/>
-                  </a:buClr>
-                  <a:buSzPct val="100000"/>
-                  <a:buFontTx/>
-                  <a:buNone/>
-                  <a:tabLst/>
-                  <a:defRPr/>
-                </a:pPr>
-                <a:endParaRPr kumimoji="0" lang="zh-CN" altLang="en-US" sz="2800" b="1" i="0" u="none" strike="noStrike" kern="0" cap="none" spc="0" normalizeH="0" baseline="0" noProof="0" dirty="0" smtClean="0">
-                  <a:ln>
-                    <a:noFill/>
-                  </a:ln>
-                  <a:solidFill>
-                    <a:srgbClr val="000000"/>
-                  </a:solidFill>
-                  <a:effectLst/>
-                  <a:uLnTx/>
-                  <a:uFillTx/>
-                  <a:latin typeface="Arial" charset="0"/>
-                  <a:ea typeface="宋体"/>
-                </a:endParaRPr>
-              </a:p>
-            </p:txBody>
-          </p:sp>
-          <p:graphicFrame>
-            <p:nvGraphicFramePr>
-              <p:cNvPr id="87" name="对象 86"/>
-              <p:cNvGraphicFramePr>
-                <a:graphicFrameLocks noChangeAspect="1"/>
-              </p:cNvGraphicFramePr>
-              <p:nvPr/>
-            </p:nvGraphicFramePr>
-            <p:xfrm>
-              <a:off x="2062149" y="3749668"/>
-              <a:ext cx="519112" cy="260350"/>
-            </p:xfrm>
-            <a:graphic>
-              <a:graphicData uri="http://schemas.openxmlformats.org/presentationml/2006/ole">
-                <mc:AlternateContent xmlns:mc="http://schemas.openxmlformats.org/markup-compatibility/2006">
-                  <mc:Choice xmlns:v="urn:schemas-microsoft-com:vml" Requires="v">
-                    <p:oleObj spid="_x0000_s5186" name="公式" r:id="rId37" imgW="355138" imgH="177569" progId="Equation.3">
-                      <p:embed/>
-                    </p:oleObj>
-                  </mc:Choice>
-                  <mc:Fallback>
-                    <p:oleObj name="公式" r:id="rId37" imgW="355138" imgH="177569" progId="Equation.3">
-                      <p:embed/>
-                      <p:pic>
-                        <p:nvPicPr>
-                          <p:cNvPr id="0" name=""/>
-                          <p:cNvPicPr>
-                            <a:picLocks noChangeAspect="1" noChangeArrowheads="1"/>
-                          </p:cNvPicPr>
-                          <p:nvPr/>
-                        </p:nvPicPr>
-                        <p:blipFill>
-                          <a:blip r:embed="rId38">
-                            <a:extLst>
-                              <a:ext uri="{28A0092B-C50C-407E-A947-70E740481C1C}">
-                                <a14:useLocalDpi xmlns:a14="http://schemas.microsoft.com/office/drawing/2010/main" val="0"/>
-                              </a:ext>
-                            </a:extLst>
-                          </a:blip>
-                          <a:srcRect/>
-                          <a:stretch>
-                            <a:fillRect/>
-                          </a:stretch>
-                        </p:blipFill>
-                        <p:spPr bwMode="auto">
-                          <a:xfrm>
-                            <a:off x="2062149" y="3749668"/>
-                            <a:ext cx="519112" cy="260350"/>
-                          </a:xfrm>
-                          <a:prstGeom prst="rect">
-                            <a:avLst/>
-                          </a:prstGeom>
-                          <a:noFill/>
-                          <a:extLst>
-                            <a:ext uri="{909E8E84-426E-40DD-AFC4-6F175D3DCCD1}">
-                              <a14:hiddenFill xmlns:a14="http://schemas.microsoft.com/office/drawing/2010/main">
-                                <a:solidFill>
-                                  <a:srgbClr val="FFFFFF"/>
-                                </a:solidFill>
-                              </a14:hiddenFill>
-                            </a:ext>
-                          </a:extLst>
-                        </p:spPr>
-                      </p:pic>
-                    </p:oleObj>
-                  </mc:Fallback>
-                </mc:AlternateContent>
-              </a:graphicData>
-            </a:graphic>
-          </p:graphicFrame>
-        </p:grpSp>
-        <p:cxnSp>
-          <p:nvCxnSpPr>
-            <p:cNvPr id="81" name="直接连接符 80"/>
-            <p:cNvCxnSpPr>
-              <a:endCxn id="108" idx="0"/>
-            </p:cNvCxnSpPr>
-            <p:nvPr/>
-          </p:nvCxnSpPr>
-          <p:spPr bwMode="auto">
-            <a:xfrm rot="5400000">
-              <a:off x="2160969" y="3089671"/>
-              <a:ext cx="785816" cy="464347"/>
-            </a:xfrm>
-            <a:prstGeom prst="line">
-              <a:avLst/>
-            </a:prstGeom>
-            <a:solidFill>
-              <a:srgbClr val="FFFF00"/>
-            </a:solidFill>
-            <a:ln w="9525" cap="flat" cmpd="sng" algn="ctr">
-              <a:solidFill>
-                <a:srgbClr val="000000"/>
-              </a:solidFill>
-              <a:prstDash val="solid"/>
-              <a:round/>
-              <a:headEnd type="none" w="med" len="med"/>
-              <a:tailEnd type="none" w="med" len="med"/>
-            </a:ln>
-            <a:effectLst/>
-          </p:spPr>
-        </p:cxnSp>
-        <p:cxnSp>
-          <p:nvCxnSpPr>
-            <p:cNvPr id="82" name="直接连接符 81"/>
-            <p:cNvCxnSpPr>
-              <a:endCxn id="106" idx="0"/>
-            </p:cNvCxnSpPr>
-            <p:nvPr/>
-          </p:nvCxnSpPr>
-          <p:spPr bwMode="auto">
-            <a:xfrm rot="16200000" flipH="1">
-              <a:off x="2875349" y="3125390"/>
-              <a:ext cx="785816" cy="392907"/>
-            </a:xfrm>
-            <a:prstGeom prst="line">
-              <a:avLst/>
-            </a:prstGeom>
-            <a:solidFill>
-              <a:srgbClr val="FFFF00"/>
-            </a:solidFill>
-            <a:ln w="9525" cap="flat" cmpd="sng" algn="ctr">
-              <a:solidFill>
-                <a:srgbClr val="000000"/>
-              </a:solidFill>
-              <a:prstDash val="solid"/>
-              <a:round/>
-              <a:headEnd type="none" w="med" len="med"/>
-              <a:tailEnd type="none" w="med" len="med"/>
-            </a:ln>
-            <a:effectLst/>
-          </p:spPr>
-        </p:cxnSp>
-        <p:cxnSp>
-          <p:nvCxnSpPr>
-            <p:cNvPr id="83" name="直接连接符 82"/>
-            <p:cNvCxnSpPr>
-              <a:endCxn id="86" idx="0"/>
-            </p:cNvCxnSpPr>
-            <p:nvPr/>
-          </p:nvCxnSpPr>
-          <p:spPr bwMode="auto">
-            <a:xfrm rot="5400000">
-              <a:off x="4125514" y="4196960"/>
-              <a:ext cx="785816" cy="392909"/>
-            </a:xfrm>
-            <a:prstGeom prst="line">
-              <a:avLst/>
-            </a:prstGeom>
-            <a:solidFill>
-              <a:srgbClr val="FFFF00"/>
-            </a:solidFill>
-            <a:ln w="9525" cap="flat" cmpd="sng" algn="ctr">
-              <a:solidFill>
-                <a:srgbClr val="000000"/>
-              </a:solidFill>
-              <a:prstDash val="solid"/>
-              <a:round/>
-              <a:headEnd type="none" w="med" len="med"/>
-              <a:tailEnd type="none" w="med" len="med"/>
-            </a:ln>
-            <a:effectLst/>
-          </p:spPr>
-        </p:cxnSp>
-        <p:cxnSp>
-          <p:nvCxnSpPr>
-            <p:cNvPr id="84" name="直接连接符 83"/>
-            <p:cNvCxnSpPr>
-              <a:endCxn id="88" idx="0"/>
-            </p:cNvCxnSpPr>
-            <p:nvPr/>
-          </p:nvCxnSpPr>
-          <p:spPr bwMode="auto">
-            <a:xfrm rot="16200000" flipH="1">
-              <a:off x="4839892" y="4161239"/>
-              <a:ext cx="785818" cy="464347"/>
-            </a:xfrm>
-            <a:prstGeom prst="line">
-              <a:avLst/>
-            </a:prstGeom>
-            <a:solidFill>
-              <a:srgbClr val="FFFF00"/>
-            </a:solidFill>
-            <a:ln w="9525" cap="flat" cmpd="sng" algn="ctr">
-              <a:solidFill>
-                <a:srgbClr val="000000"/>
-              </a:solidFill>
-              <a:prstDash val="solid"/>
-              <a:round/>
-              <a:headEnd type="none" w="med" len="med"/>
-              <a:tailEnd type="none" w="med" len="med"/>
-            </a:ln>
-            <a:effectLst/>
-          </p:spPr>
-        </p:cxnSp>
-        <p:cxnSp>
-          <p:nvCxnSpPr>
-            <p:cNvPr id="85" name="直接连接符 84"/>
-            <p:cNvCxnSpPr>
-              <a:endCxn id="90" idx="0"/>
-            </p:cNvCxnSpPr>
-            <p:nvPr/>
-          </p:nvCxnSpPr>
-          <p:spPr bwMode="auto">
-            <a:xfrm rot="16200000" flipH="1">
-              <a:off x="5589991" y="2982512"/>
-              <a:ext cx="785818" cy="678661"/>
-            </a:xfrm>
-            <a:prstGeom prst="line">
-              <a:avLst/>
-            </a:prstGeom>
-            <a:solidFill>
-              <a:srgbClr val="FFFF00"/>
-            </a:solidFill>
-            <a:ln w="9525" cap="flat" cmpd="sng" algn="ctr">
-              <a:solidFill>
-                <a:srgbClr val="000000"/>
-              </a:solidFill>
-              <a:prstDash val="solid"/>
-              <a:round/>
-              <a:headEnd type="none" w="med" len="med"/>
-              <a:tailEnd type="none" w="med" len="med"/>
-            </a:ln>
-            <a:effectLst/>
-          </p:spPr>
-        </p:cxnSp>
-      </p:grpSp>
-      <p:graphicFrame>
-        <p:nvGraphicFramePr>
-          <p:cNvPr id="124" name="Object 2"/>
-          <p:cNvGraphicFramePr>
-            <a:graphicFrameLocks noChangeAspect="1"/>
-          </p:cNvGraphicFramePr>
-          <p:nvPr>
-            <p:extLst>
-              <p:ext uri="{D42A27DB-BD31-4B8C-83A1-F6EECF244321}">
-                <p14:modId xmlns:p14="http://schemas.microsoft.com/office/powerpoint/2010/main" val="256284613"/>
-              </p:ext>
-            </p:extLst>
-          </p:nvPr>
-        </p:nvGraphicFramePr>
-        <p:xfrm>
-          <a:off x="10253337" y="40238341"/>
-          <a:ext cx="3948141" cy="2952000"/>
-        </p:xfrm>
-        <a:graphic>
-          <a:graphicData uri="http://schemas.openxmlformats.org/presentationml/2006/ole">
-            <mc:AlternateContent xmlns:mc="http://schemas.openxmlformats.org/markup-compatibility/2006">
-              <mc:Choice xmlns:v="urn:schemas-microsoft-com:vml" Requires="v">
-                <p:oleObj spid="_x0000_s5187" name="公式" r:id="rId39" imgW="1459866" imgH="1091726" progId="Equation.3">
-                  <p:embed/>
-                </p:oleObj>
-              </mc:Choice>
-              <mc:Fallback>
-                <p:oleObj name="公式" r:id="rId39" imgW="1459866" imgH="1091726" progId="Equation.3">
-                  <p:embed/>
-                  <p:pic>
-                    <p:nvPicPr>
-                      <p:cNvPr id="0" name=""/>
-                      <p:cNvPicPr>
-                        <a:picLocks noChangeAspect="1" noChangeArrowheads="1"/>
-                      </p:cNvPicPr>
-                      <p:nvPr/>
-                    </p:nvPicPr>
-                    <p:blipFill>
-                      <a:blip r:embed="rId40">
-                        <a:extLst>
-                          <a:ext uri="{28A0092B-C50C-407E-A947-70E740481C1C}">
-                            <a14:useLocalDpi xmlns:a14="http://schemas.microsoft.com/office/drawing/2010/main" val="0"/>
-                          </a:ext>
-                        </a:extLst>
-                      </a:blip>
-                      <a:srcRect/>
-                      <a:stretch>
-                        <a:fillRect/>
-                      </a:stretch>
-                    </p:blipFill>
-                    <p:spPr bwMode="auto">
-                      <a:xfrm>
-                        <a:off x="10253337" y="40238341"/>
-                        <a:ext cx="3948141" cy="2952000"/>
-                      </a:xfrm>
-                      <a:prstGeom prst="rect">
-                        <a:avLst/>
-                      </a:prstGeom>
-                      <a:noFill/>
-                      <a:extLst>
-                        <a:ext uri="{909E8E84-426E-40DD-AFC4-6F175D3DCCD1}">
-                          <a14:hiddenFill xmlns:a14="http://schemas.microsoft.com/office/drawing/2010/main">
-                            <a:solidFill>
-                              <a:srgbClr val="FFFFFF"/>
-                            </a:solidFill>
-                          </a14:hiddenFill>
-                        </a:ext>
-                      </a:extLst>
-                    </p:spPr>
-                  </p:pic>
-                </p:oleObj>
-              </mc:Fallback>
-            </mc:AlternateContent>
-          </a:graphicData>
-        </a:graphic>
-      </p:graphicFrame>
-      <p:sp>
-        <p:nvSpPr>
-          <p:cNvPr id="125" name="Content Placeholder 2"/>
-          <p:cNvSpPr txBox="1">
-            <a:spLocks/>
-          </p:cNvSpPr>
-          <p:nvPr/>
-        </p:nvSpPr>
-        <p:spPr bwMode="auto">
-          <a:xfrm>
-            <a:off x="9038891" y="38166639"/>
-            <a:ext cx="7774647" cy="2586836"/>
-          </a:xfrm>
-          <a:prstGeom prst="rect">
-            <a:avLst/>
-          </a:prstGeom>
-          <a:noFill/>
-          <a:ln w="9525">
-            <a:noFill/>
-            <a:miter lim="800000"/>
-            <a:headEnd/>
-            <a:tailEnd/>
-          </a:ln>
-        </p:spPr>
-        <p:txBody>
-          <a:bodyPr lIns="127358" tIns="63679" rIns="127358" bIns="63679"/>
-          <a:lstStyle/>
-          <a:p>
-            <a:pPr marL="522288" indent="-522288" defTabSz="6361113">
-              <a:spcBef>
-                <a:spcPts val="0"/>
-              </a:spcBef>
-              <a:spcAft>
-                <a:spcPts val="0"/>
-              </a:spcAft>
-              <a:buFont typeface="Arial" charset="0"/>
-              <a:buChar char="•"/>
-            </a:pPr>
-            <a:r>
-              <a:rPr lang="en-US" altLang="zh-CN" sz="4000" b="1" dirty="0"/>
-              <a:t>Machine Learning Model</a:t>
-            </a:r>
-          </a:p>
-          <a:p>
-            <a:pPr marL="1260475" indent="-522288" defTabSz="6361113">
-              <a:spcBef>
-                <a:spcPts val="0"/>
-              </a:spcBef>
-              <a:spcAft>
-                <a:spcPts val="0"/>
-              </a:spcAft>
-              <a:buFont typeface="Arial" charset="0"/>
-              <a:buChar char="•"/>
-            </a:pPr>
-            <a:r>
-              <a:rPr lang="en-US" altLang="zh-CN" sz="3600" b="1" dirty="0"/>
-              <a:t>Train M5P and Regression Tree.</a:t>
-            </a:r>
-          </a:p>
-          <a:p>
-            <a:pPr marL="1260475" indent="-522288" defTabSz="6361113">
-              <a:spcBef>
-                <a:spcPts val="0"/>
-              </a:spcBef>
-              <a:spcAft>
-                <a:spcPts val="0"/>
-              </a:spcAft>
-              <a:buFont typeface="Arial" charset="0"/>
-              <a:buChar char="•"/>
-            </a:pPr>
-            <a:r>
-              <a:rPr lang="en-US" altLang="zh-CN" sz="3600" b="1" dirty="0"/>
-              <a:t>Regression Tree Model:</a:t>
-            </a:r>
-          </a:p>
-          <a:p>
-            <a:pPr marL="522288" indent="-522288" defTabSz="6361113">
-              <a:spcBef>
-                <a:spcPts val="0"/>
-              </a:spcBef>
-              <a:spcAft>
-                <a:spcPts val="0"/>
-              </a:spcAft>
-              <a:buFont typeface="Arial" charset="0"/>
-              <a:buChar char="•"/>
-            </a:pPr>
-            <a:endParaRPr lang="en-US" altLang="zh-CN" sz="5400" b="1" dirty="0"/>
-          </a:p>
-        </p:txBody>
-      </p:sp>
-      <p:pic>
-        <p:nvPicPr>
-          <p:cNvPr id="126" name="Picture 17"/>
-          <p:cNvPicPr>
-            <a:picLocks noChangeAspect="1" noChangeArrowheads="1"/>
-          </p:cNvPicPr>
-          <p:nvPr/>
-        </p:nvPicPr>
-        <p:blipFill rotWithShape="1">
-          <a:blip r:embed="rId41">
-            <a:clrChange>
-              <a:clrFrom>
-                <a:srgbClr val="FFFFFF"/>
-              </a:clrFrom>
-              <a:clrTo>
-                <a:srgbClr val="FFFFFF">
-                  <a:alpha val="0"/>
-                </a:srgbClr>
-              </a:clrTo>
-            </a:clrChange>
-            <a:extLst>
-              <a:ext uri="{28A0092B-C50C-407E-A947-70E740481C1C}">
-                <a14:useLocalDpi xmlns:a14="http://schemas.microsoft.com/office/drawing/2010/main" val="0"/>
-              </a:ext>
-            </a:extLst>
-          </a:blip>
-          <a:srcRect l="3891" t="3229" r="2344" b="2526"/>
-          <a:stretch/>
-        </p:blipFill>
-        <p:spPr bwMode="auto">
-          <a:xfrm>
-            <a:off x="11773435" y="31836912"/>
-            <a:ext cx="4387014" cy="3311207"/>
-          </a:xfrm>
-          <a:prstGeom prst="rect">
-            <a:avLst/>
-          </a:prstGeom>
-          <a:noFill/>
-          <a:ln>
-            <a:noFill/>
-          </a:ln>
-          <a:extLst>
-            <a:ext uri="{909E8E84-426E-40DD-AFC4-6F175D3DCCD1}">
-              <a14:hiddenFill xmlns:a14="http://schemas.microsoft.com/office/drawing/2010/main">
-                <a:solidFill>
-                  <a:srgbClr val="FFFFFF"/>
-                </a:solidFill>
-              </a14:hiddenFill>
-            </a:ext>
-            <a:ext uri="{91240B29-F687-4F45-9708-019B960494DF}">
-              <a14:hiddenLine xmlns:a14="http://schemas.microsoft.com/office/drawing/2010/main" w="9525">
-                <a:solidFill>
-                  <a:srgbClr val="000000"/>
-                </a:solidFill>
-                <a:miter lim="800000"/>
-                <a:headEnd/>
-                <a:tailEnd/>
-              </a14:hiddenLine>
-            </a:ext>
-          </a:extLst>
-        </p:spPr>
-      </p:pic>
-      <p:sp>
-        <p:nvSpPr>
-          <p:cNvPr id="127" name="TextBox 19"/>
-          <p:cNvSpPr txBox="1"/>
-          <p:nvPr/>
-        </p:nvSpPr>
-        <p:spPr>
-          <a:xfrm>
-            <a:off x="1719720" y="35142303"/>
-            <a:ext cx="3774873" cy="1569660"/>
-          </a:xfrm>
-          <a:prstGeom prst="rect">
-            <a:avLst/>
-          </a:prstGeom>
-          <a:noFill/>
-        </p:spPr>
-        <p:txBody>
-          <a:bodyPr wrap="square" rtlCol="0">
-            <a:spAutoFit/>
-          </a:bodyPr>
-          <a:lstStyle/>
-          <a:p>
-            <a:r>
-              <a:rPr lang="en-US" altLang="zh-CN" sz="2400" dirty="0" smtClean="0"/>
-              <a:t>PCC </a:t>
-            </a:r>
-            <a:r>
-              <a:rPr lang="en-US" altLang="zh-CN" sz="2400" dirty="0"/>
-              <a:t>: </a:t>
-            </a:r>
-            <a:r>
-              <a:rPr lang="en-US" altLang="zh-CN" sz="2400" dirty="0">
-                <a:solidFill>
-                  <a:srgbClr val="FF0000"/>
-                </a:solidFill>
-              </a:rPr>
-              <a:t>0.8719, </a:t>
-            </a:r>
-            <a:r>
-              <a:rPr lang="en-US" altLang="zh-CN" sz="2400" dirty="0"/>
-              <a:t>MSE : </a:t>
-            </a:r>
-            <a:r>
-              <a:rPr lang="en-US" altLang="zh-CN" sz="2400" dirty="0">
-                <a:solidFill>
-                  <a:srgbClr val="FF0000"/>
-                </a:solidFill>
-              </a:rPr>
-              <a:t>0.0961</a:t>
-            </a:r>
-            <a:endParaRPr lang="zh-CN" altLang="en-US" sz="2400" dirty="0">
-              <a:solidFill>
-                <a:srgbClr val="FF0000"/>
-              </a:solidFill>
-            </a:endParaRPr>
-          </a:p>
-          <a:p>
-            <a:r>
-              <a:rPr lang="en-US" altLang="zh-CN" sz="2400" dirty="0" smtClean="0"/>
-              <a:t>Performance is improved, even better in low motion scenario.</a:t>
-            </a:r>
-          </a:p>
-        </p:txBody>
-      </p:sp>
-      <p:grpSp>
-        <p:nvGrpSpPr>
-          <p:cNvPr id="128" name="组合 127"/>
-          <p:cNvGrpSpPr/>
-          <p:nvPr/>
-        </p:nvGrpSpPr>
-        <p:grpSpPr>
-          <a:xfrm>
-            <a:off x="7150777" y="31681351"/>
-            <a:ext cx="3888432" cy="3485786"/>
-            <a:chOff x="467544" y="1844824"/>
-            <a:chExt cx="2610296" cy="2340000"/>
-          </a:xfrm>
-        </p:grpSpPr>
-        <p:pic>
-          <p:nvPicPr>
-            <p:cNvPr id="129" name="Picture 4"/>
-            <p:cNvPicPr>
-              <a:picLocks noChangeAspect="1" noChangeArrowheads="1"/>
-            </p:cNvPicPr>
-            <p:nvPr/>
-          </p:nvPicPr>
-          <p:blipFill>
-            <a:blip r:embed="rId42" cstate="print"/>
-            <a:srcRect/>
-            <a:stretch>
-              <a:fillRect/>
-            </a:stretch>
-          </p:blipFill>
-          <p:spPr bwMode="auto">
-            <a:xfrm>
-              <a:off x="467544" y="1844824"/>
-              <a:ext cx="2610296" cy="2340000"/>
-            </a:xfrm>
-            <a:prstGeom prst="rect">
-              <a:avLst/>
-            </a:prstGeom>
-            <a:noFill/>
-            <a:ln w="9525">
-              <a:noFill/>
-              <a:miter lim="800000"/>
-              <a:headEnd/>
-              <a:tailEnd/>
-            </a:ln>
-            <a:effectLst/>
-          </p:spPr>
-        </p:pic>
-        <p:cxnSp>
-          <p:nvCxnSpPr>
-            <p:cNvPr id="130" name="Straight Connector 5"/>
-            <p:cNvCxnSpPr/>
-            <p:nvPr/>
-          </p:nvCxnSpPr>
-          <p:spPr>
-            <a:xfrm flipV="1">
-              <a:off x="791808" y="2025056"/>
-              <a:ext cx="2016000" cy="1908000"/>
-            </a:xfrm>
-            <a:prstGeom prst="line">
-              <a:avLst/>
-            </a:prstGeom>
-          </p:spPr>
-          <p:style>
-            <a:lnRef idx="1">
-              <a:schemeClr val="accent1"/>
-            </a:lnRef>
-            <a:fillRef idx="0">
-              <a:schemeClr val="accent1"/>
-            </a:fillRef>
-            <a:effectRef idx="0">
-              <a:schemeClr val="accent1"/>
-            </a:effectRef>
-            <a:fontRef idx="minor">
-              <a:schemeClr val="tx1"/>
-            </a:fontRef>
-          </p:style>
-        </p:cxnSp>
-      </p:grpSp>
-      <p:sp>
-        <p:nvSpPr>
-          <p:cNvPr id="131" name="TextBox 20"/>
-          <p:cNvSpPr txBox="1"/>
-          <p:nvPr/>
-        </p:nvSpPr>
-        <p:spPr>
-          <a:xfrm>
-            <a:off x="7676031" y="35142303"/>
-            <a:ext cx="3003138" cy="1569660"/>
-          </a:xfrm>
-          <a:prstGeom prst="rect">
-            <a:avLst/>
-          </a:prstGeom>
-          <a:noFill/>
-        </p:spPr>
-        <p:txBody>
-          <a:bodyPr wrap="square" rtlCol="0">
-            <a:spAutoFit/>
-          </a:bodyPr>
-          <a:lstStyle/>
-          <a:p>
-            <a:r>
-              <a:rPr lang="en-US" altLang="zh-CN" sz="2400" kern="0" dirty="0">
-                <a:solidFill>
-                  <a:srgbClr val="000000"/>
-                </a:solidFill>
-                <a:ea typeface="+mn-ea"/>
-                <a:cs typeface="Calibri" panose="020F0502020204030204" pitchFamily="34" charset="0"/>
-              </a:rPr>
-              <a:t>Result of </a:t>
-            </a:r>
-            <a:r>
-              <a:rPr lang="en-US" altLang="zh-CN" sz="2400" kern="0" dirty="0" smtClean="0">
-                <a:solidFill>
-                  <a:srgbClr val="000000"/>
-                </a:solidFill>
-                <a:ea typeface="+mn-ea"/>
-                <a:cs typeface="Calibri" panose="020F0502020204030204" pitchFamily="34" charset="0"/>
-              </a:rPr>
-              <a:t>UCSD Model</a:t>
-            </a:r>
-          </a:p>
-          <a:p>
-            <a:r>
-              <a:rPr lang="en-US" altLang="zh-CN" sz="2400" kern="0" dirty="0" smtClean="0">
-                <a:solidFill>
-                  <a:srgbClr val="000000"/>
-                </a:solidFill>
-                <a:ea typeface="+mn-ea"/>
-                <a:cs typeface="Calibri" panose="020F0502020204030204" pitchFamily="34" charset="0"/>
-              </a:rPr>
-              <a:t>(Provide</a:t>
-            </a:r>
-            <a:r>
-              <a:rPr lang="en-US" altLang="zh-CN" sz="2400" kern="0" dirty="0" smtClean="0">
-                <a:solidFill>
-                  <a:srgbClr val="000000"/>
-                </a:solidFill>
-                <a:cs typeface="Calibri" panose="020F0502020204030204" pitchFamily="34" charset="0"/>
-              </a:rPr>
-              <a:t>d by UCSD</a:t>
-            </a:r>
-            <a:r>
-              <a:rPr lang="en-US" altLang="zh-CN" sz="2400" kern="0" dirty="0" smtClean="0">
-                <a:solidFill>
-                  <a:srgbClr val="000000"/>
-                </a:solidFill>
-                <a:ea typeface="+mn-ea"/>
-                <a:cs typeface="Calibri" panose="020F0502020204030204" pitchFamily="34" charset="0"/>
-              </a:rPr>
-              <a:t>)</a:t>
-            </a:r>
-            <a:endParaRPr lang="en-US" altLang="zh-CN" sz="2400" kern="0" dirty="0">
-              <a:solidFill>
-                <a:srgbClr val="000000"/>
-              </a:solidFill>
-              <a:ea typeface="+mn-ea"/>
-              <a:cs typeface="Calibri" panose="020F0502020204030204" pitchFamily="34" charset="0"/>
-            </a:endParaRPr>
-          </a:p>
-          <a:p>
-            <a:r>
-              <a:rPr lang="en-US" altLang="zh-CN" sz="2400" kern="0" dirty="0">
-                <a:solidFill>
-                  <a:srgbClr val="000000"/>
-                </a:solidFill>
-                <a:ea typeface="+mn-ea"/>
-                <a:cs typeface="Calibri" panose="020F0502020204030204" pitchFamily="34" charset="0"/>
-              </a:rPr>
-              <a:t>PCC </a:t>
-            </a:r>
-            <a:r>
-              <a:rPr lang="en-US" altLang="zh-CN" sz="2400" kern="0" dirty="0">
-                <a:ea typeface="+mn-ea"/>
-                <a:cs typeface="Calibri" panose="020F0502020204030204" pitchFamily="34" charset="0"/>
-              </a:rPr>
-              <a:t>: 0.91</a:t>
-            </a:r>
-          </a:p>
-          <a:p>
-            <a:r>
-              <a:rPr lang="en-US" altLang="zh-CN" sz="2400" kern="0" dirty="0">
-                <a:ea typeface="+mn-ea"/>
-                <a:cs typeface="Calibri" panose="020F0502020204030204" pitchFamily="34" charset="0"/>
-              </a:rPr>
-              <a:t>MSE : 0.082</a:t>
-            </a:r>
-            <a:endParaRPr lang="zh-CN" altLang="en-US" sz="2400" kern="0" dirty="0">
-              <a:ea typeface="+mn-ea"/>
-              <a:cs typeface="Calibri" panose="020F0502020204030204" pitchFamily="34" charset="0"/>
-            </a:endParaRPr>
-          </a:p>
-        </p:txBody>
-      </p:sp>
-      <p:sp>
-        <p:nvSpPr>
-          <p:cNvPr id="132" name="TextBox 19"/>
-          <p:cNvSpPr txBox="1"/>
-          <p:nvPr/>
-        </p:nvSpPr>
-        <p:spPr>
-          <a:xfrm>
-            <a:off x="12420572" y="35214311"/>
-            <a:ext cx="3299157" cy="1569660"/>
-          </a:xfrm>
-          <a:prstGeom prst="rect">
-            <a:avLst/>
-          </a:prstGeom>
-          <a:noFill/>
-        </p:spPr>
-        <p:txBody>
-          <a:bodyPr wrap="square" rtlCol="0">
-            <a:spAutoFit/>
-          </a:bodyPr>
-          <a:lstStyle/>
-          <a:p>
-            <a:r>
-              <a:rPr lang="en-US" altLang="zh-CN" sz="2400" kern="0" dirty="0" smtClean="0">
-                <a:solidFill>
-                  <a:srgbClr val="000000"/>
-                </a:solidFill>
-                <a:cs typeface="Calibri" panose="020F0502020204030204" pitchFamily="34" charset="0"/>
-              </a:rPr>
-              <a:t>Our </a:t>
-            </a:r>
-            <a:r>
-              <a:rPr lang="en-US" altLang="zh-CN" sz="2400" kern="0" dirty="0" smtClean="0">
-                <a:solidFill>
-                  <a:srgbClr val="000000"/>
-                </a:solidFill>
-                <a:ea typeface="+mn-ea"/>
-                <a:cs typeface="Calibri" panose="020F0502020204030204" pitchFamily="34" charset="0"/>
-              </a:rPr>
-              <a:t>Validation Result of UCSD Model </a:t>
-            </a:r>
-          </a:p>
-          <a:p>
-            <a:r>
-              <a:rPr lang="en-US" altLang="zh-CN" sz="2400" kern="0" dirty="0" smtClean="0">
-                <a:solidFill>
-                  <a:srgbClr val="000000"/>
-                </a:solidFill>
-                <a:ea typeface="+mn-ea"/>
-                <a:cs typeface="Calibri" panose="020F0502020204030204" pitchFamily="34" charset="0"/>
-              </a:rPr>
-              <a:t>PCC </a:t>
-            </a:r>
-            <a:r>
-              <a:rPr lang="en-US" altLang="zh-CN" sz="2400" kern="0" dirty="0">
-                <a:solidFill>
-                  <a:srgbClr val="000000"/>
-                </a:solidFill>
-                <a:ea typeface="+mn-ea"/>
-                <a:cs typeface="Calibri" panose="020F0502020204030204" pitchFamily="34" charset="0"/>
-              </a:rPr>
-              <a:t>: </a:t>
-            </a:r>
-            <a:r>
-              <a:rPr lang="en-US" altLang="zh-CN" sz="2400" kern="0" dirty="0" smtClean="0">
-                <a:solidFill>
-                  <a:srgbClr val="FF0000"/>
-                </a:solidFill>
-                <a:ea typeface="+mn-ea"/>
-                <a:cs typeface="Calibri" panose="020F0502020204030204" pitchFamily="34" charset="0"/>
-              </a:rPr>
-              <a:t>0.7811</a:t>
-            </a:r>
-            <a:endParaRPr lang="en-US" altLang="zh-CN" sz="2400" kern="0" dirty="0">
-              <a:solidFill>
-                <a:srgbClr val="FF0000"/>
-              </a:solidFill>
-              <a:ea typeface="+mn-ea"/>
-              <a:cs typeface="Calibri" panose="020F0502020204030204" pitchFamily="34" charset="0"/>
-            </a:endParaRPr>
-          </a:p>
-          <a:p>
-            <a:r>
-              <a:rPr lang="en-US" altLang="zh-CN" sz="2400" kern="0" dirty="0" smtClean="0">
-                <a:solidFill>
-                  <a:srgbClr val="000000"/>
-                </a:solidFill>
-                <a:ea typeface="+mn-ea"/>
-                <a:cs typeface="Calibri" panose="020F0502020204030204" pitchFamily="34" charset="0"/>
-              </a:rPr>
-              <a:t>MSE </a:t>
-            </a:r>
-            <a:r>
-              <a:rPr lang="en-US" altLang="zh-CN" sz="2400" kern="0" dirty="0">
-                <a:solidFill>
-                  <a:srgbClr val="000000"/>
-                </a:solidFill>
-                <a:ea typeface="+mn-ea"/>
-                <a:cs typeface="Calibri" panose="020F0502020204030204" pitchFamily="34" charset="0"/>
-              </a:rPr>
-              <a:t>: </a:t>
-            </a:r>
-            <a:r>
-              <a:rPr lang="en-US" altLang="zh-CN" sz="2400" kern="0" dirty="0" smtClean="0">
-                <a:solidFill>
-                  <a:srgbClr val="FF0000"/>
-                </a:solidFill>
-                <a:ea typeface="+mn-ea"/>
-                <a:cs typeface="Calibri" panose="020F0502020204030204" pitchFamily="34" charset="0"/>
-              </a:rPr>
-              <a:t>0.1821</a:t>
-            </a:r>
-            <a:endParaRPr lang="zh-CN" altLang="en-US" sz="2400" kern="0" dirty="0">
-              <a:solidFill>
-                <a:srgbClr val="FF0000"/>
-              </a:solidFill>
-              <a:ea typeface="+mn-ea"/>
-              <a:cs typeface="Calibri" panose="020F0502020204030204" pitchFamily="34" charset="0"/>
-            </a:endParaRPr>
-          </a:p>
-        </p:txBody>
-      </p:sp>
-      <p:sp>
-        <p:nvSpPr>
-          <p:cNvPr id="133" name="文本框 132"/>
-          <p:cNvSpPr txBox="1"/>
-          <p:nvPr/>
-        </p:nvSpPr>
-        <p:spPr>
-          <a:xfrm>
-            <a:off x="1246121" y="31109855"/>
-            <a:ext cx="4370238" cy="523220"/>
-          </a:xfrm>
-          <a:prstGeom prst="rect">
-            <a:avLst/>
-          </a:prstGeom>
-          <a:solidFill>
-            <a:schemeClr val="accent2">
-              <a:lumMod val="40000"/>
-              <a:lumOff val="60000"/>
-            </a:schemeClr>
-          </a:solidFill>
-        </p:spPr>
-        <p:txBody>
-          <a:bodyPr wrap="square" rtlCol="0">
-            <a:spAutoFit/>
-          </a:bodyPr>
-          <a:lstStyle/>
-          <a:p>
-            <a:r>
-              <a:rPr lang="en-US" altLang="zh-CN" sz="2800" dirty="0" smtClean="0"/>
-              <a:t>Performance of BUPT Model</a:t>
-            </a:r>
-            <a:endParaRPr lang="zh-CN" altLang="en-US" sz="2800" dirty="0"/>
-          </a:p>
-        </p:txBody>
-      </p:sp>
-      <p:sp>
-        <p:nvSpPr>
-          <p:cNvPr id="134" name="文本框 133"/>
-          <p:cNvSpPr txBox="1"/>
-          <p:nvPr/>
-        </p:nvSpPr>
-        <p:spPr>
-          <a:xfrm>
-            <a:off x="8409398" y="31109855"/>
-            <a:ext cx="5870171" cy="523220"/>
-          </a:xfrm>
-          <a:prstGeom prst="rect">
-            <a:avLst/>
-          </a:prstGeom>
-          <a:solidFill>
-            <a:srgbClr val="E3ECAC"/>
-          </a:solidFill>
-        </p:spPr>
-        <p:txBody>
-          <a:bodyPr wrap="square" rtlCol="0">
-            <a:spAutoFit/>
-          </a:bodyPr>
-          <a:lstStyle/>
-          <a:p>
-            <a:r>
-              <a:rPr lang="en-US" altLang="zh-CN" sz="2800" dirty="0" smtClean="0"/>
-              <a:t>Performance Validation of UCSD Model</a:t>
-            </a:r>
-            <a:endParaRPr lang="zh-CN" altLang="en-US" sz="2800" dirty="0"/>
-          </a:p>
-        </p:txBody>
-      </p:sp>
-      <p:pic>
-        <p:nvPicPr>
-          <p:cNvPr id="135" name="Picture 18"/>
-          <p:cNvPicPr>
-            <a:picLocks noChangeAspect="1" noChangeArrowheads="1"/>
-          </p:cNvPicPr>
-          <p:nvPr/>
-        </p:nvPicPr>
-        <p:blipFill>
-          <a:blip r:embed="rId43">
-            <a:clrChange>
-              <a:clrFrom>
-                <a:srgbClr val="FFFFFF"/>
-              </a:clrFrom>
-              <a:clrTo>
-                <a:srgbClr val="FFFFFF">
-                  <a:alpha val="0"/>
-                </a:srgbClr>
-              </a:clrTo>
-            </a:clrChange>
-            <a:extLst>
-              <a:ext uri="{28A0092B-C50C-407E-A947-70E740481C1C}">
-                <a14:useLocalDpi xmlns:a14="http://schemas.microsoft.com/office/drawing/2010/main" val="0"/>
-              </a:ext>
-            </a:extLst>
-          </a:blip>
-          <a:srcRect/>
-          <a:stretch>
-            <a:fillRect/>
-          </a:stretch>
-        </p:blipFill>
-        <p:spPr bwMode="auto">
-          <a:xfrm>
-            <a:off x="1246367" y="31613911"/>
-            <a:ext cx="4580706" cy="3433474"/>
-          </a:xfrm>
-          <a:prstGeom prst="rect">
-            <a:avLst/>
-          </a:prstGeom>
-          <a:noFill/>
-          <a:ln>
-            <a:noFill/>
-          </a:ln>
-          <a:extLst>
-            <a:ext uri="{909E8E84-426E-40DD-AFC4-6F175D3DCCD1}">
-              <a14:hiddenFill xmlns:a14="http://schemas.microsoft.com/office/drawing/2010/main">
-                <a:solidFill>
-                  <a:srgbClr val="FFFFFF"/>
-                </a:solidFill>
-              </a14:hiddenFill>
-            </a:ext>
-            <a:ext uri="{91240B29-F687-4F45-9708-019B960494DF}">
-              <a14:hiddenLine xmlns:a14="http://schemas.microsoft.com/office/drawing/2010/main" w="9525">
-                <a:solidFill>
-                  <a:srgbClr val="000000"/>
-                </a:solidFill>
-                <a:miter lim="800000"/>
-                <a:headEnd/>
-                <a:tailEnd/>
-              </a14:hiddenLine>
-            </a:ext>
-          </a:extLst>
-        </p:spPr>
-      </p:pic>
       <p:sp>
         <p:nvSpPr>
           <p:cNvPr id="140" name="Lekerekített téglalap 9"/>
@@ -32781,7 +29169,7 @@
         </p:nvSpPr>
         <p:spPr>
           <a:xfrm>
-            <a:off x="18302163" y="7832057"/>
+            <a:off x="18302163" y="14675173"/>
             <a:ext cx="12444413" cy="1012825"/>
           </a:xfrm>
           <a:prstGeom prst="roundRect">
@@ -32971,7 +29359,7 @@
         </p:nvSpPr>
         <p:spPr bwMode="auto">
           <a:xfrm>
-            <a:off x="16365836" y="8972080"/>
+            <a:off x="16365836" y="15815196"/>
             <a:ext cx="15703550" cy="2892425"/>
           </a:xfrm>
           <a:prstGeom prst="rect">
@@ -33140,7 +29528,7 @@
               <a:buChar char="•"/>
             </a:pPr>
             <a:r>
-              <a:rPr lang="en-US" altLang="zh-CN" sz="4800" b="1" dirty="0">
+              <a:rPr lang="en-US" altLang="zh-CN" sz="4400" b="1" dirty="0">
                 <a:latin typeface="Calibri" panose="020F0502020204030204" pitchFamily="34" charset="0"/>
               </a:rPr>
               <a:t>Subjective impairment tests under simulated environment</a:t>
@@ -33157,7 +29545,7 @@
           <p:nvPr/>
         </p:nvPicPr>
         <p:blipFill>
-          <a:blip r:embed="rId44">
+          <a:blip r:embed="rId19">
             <a:clrChange>
               <a:clrFrom>
                 <a:srgbClr val="FFFFFF"/>
@@ -33181,8 +29569,8 @@
         </p:blipFill>
         <p:spPr bwMode="auto">
           <a:xfrm>
-            <a:off x="16437561" y="9560249"/>
-            <a:ext cx="9484479" cy="5932138"/>
+            <a:off x="16604803" y="16103434"/>
+            <a:ext cx="8308279" cy="5196475"/>
           </a:xfrm>
           <a:prstGeom prst="rect">
             <a:avLst/>
@@ -33232,7 +29620,7 @@
         </p:nvSpPr>
         <p:spPr bwMode="auto">
           <a:xfrm>
-            <a:off x="25308919" y="10007902"/>
+            <a:off x="25308919" y="16322039"/>
             <a:ext cx="6978300" cy="5265902"/>
           </a:xfrm>
           <a:prstGeom prst="rect">
@@ -33517,6 +29905,2499 @@
               </a:rPr>
               <a:t>Bitrate switching frequency</a:t>
             </a:r>
+          </a:p>
+        </p:txBody>
+      </p:sp>
+      <p:graphicFrame>
+        <p:nvGraphicFramePr>
+          <p:cNvPr id="136" name="表格 135"/>
+          <p:cNvGraphicFramePr>
+            <a:graphicFrameLocks noGrp="1"/>
+          </p:cNvGraphicFramePr>
+          <p:nvPr>
+            <p:extLst>
+              <p:ext uri="{D42A27DB-BD31-4B8C-83A1-F6EECF244321}">
+                <p14:modId xmlns:p14="http://schemas.microsoft.com/office/powerpoint/2010/main" val="2403155894"/>
+              </p:ext>
+            </p:extLst>
+          </p:nvPr>
+        </p:nvGraphicFramePr>
+        <p:xfrm>
+          <a:off x="188641" y="32782002"/>
+          <a:ext cx="8423274" cy="3715890"/>
+        </p:xfrm>
+        <a:graphic>
+          <a:graphicData uri="http://schemas.openxmlformats.org/drawingml/2006/table">
+            <a:tbl>
+              <a:tblPr firstRow="1" firstCol="1" bandRow="1">
+                <a:tableStyleId>{2D5ABB26-0587-4C30-8999-92F81FD0307C}</a:tableStyleId>
+              </a:tblPr>
+              <a:tblGrid>
+                <a:gridCol w="2333718"/>
+                <a:gridCol w="1522389"/>
+                <a:gridCol w="1522389"/>
+                <a:gridCol w="1522389"/>
+                <a:gridCol w="1522389"/>
+              </a:tblGrid>
+              <a:tr h="643498">
+                <a:tc>
+                  <a:txBody>
+                    <a:bodyPr/>
+                    <a:lstStyle/>
+                    <a:p>
+                      <a:pPr algn="ctr"/>
+                      <a:r>
+                        <a:rPr lang="en-US" altLang="zh-CN" sz="3600" dirty="0" smtClean="0"/>
+                        <a:t>Variation</a:t>
+                      </a:r>
+                      <a:endParaRPr lang="zh-CN" altLang="en-US" sz="3600" dirty="0"/>
+                    </a:p>
+                  </a:txBody>
+                  <a:tcPr marL="194537" marR="194537" marT="97269" marB="97269" anchor="ctr">
+                    <a:lnT w="12700" cap="flat" cmpd="sng" algn="ctr">
+                      <a:solidFill>
+                        <a:schemeClr val="tx1"/>
+                      </a:solidFill>
+                      <a:prstDash val="solid"/>
+                      <a:round/>
+                      <a:headEnd type="none" w="med" len="med"/>
+                      <a:tailEnd type="none" w="med" len="med"/>
+                    </a:lnT>
+                    <a:lnB w="12700" cap="flat" cmpd="sng" algn="ctr">
+                      <a:solidFill>
+                        <a:schemeClr val="tx1"/>
+                      </a:solidFill>
+                      <a:prstDash val="solid"/>
+                      <a:round/>
+                      <a:headEnd type="none" w="med" len="med"/>
+                      <a:tailEnd type="none" w="med" len="med"/>
+                    </a:lnB>
+                  </a:tcPr>
+                </a:tc>
+                <a:tc>
+                  <a:txBody>
+                    <a:bodyPr/>
+                    <a:lstStyle/>
+                    <a:p>
+                      <a:pPr algn="ctr"/>
+                      <a:r>
+                        <a:rPr lang="en-US" altLang="zh-CN" sz="3600" dirty="0" smtClean="0"/>
+                        <a:t>R</a:t>
+                      </a:r>
+                      <a:endParaRPr lang="zh-CN" altLang="en-US" sz="3600" dirty="0"/>
+                    </a:p>
+                  </a:txBody>
+                  <a:tcPr marL="194537" marR="194537" marT="97269" marB="97269" anchor="ctr">
+                    <a:lnT w="12700" cap="flat" cmpd="sng" algn="ctr">
+                      <a:solidFill>
+                        <a:schemeClr val="tx1"/>
+                      </a:solidFill>
+                      <a:prstDash val="solid"/>
+                      <a:round/>
+                      <a:headEnd type="none" w="med" len="med"/>
+                      <a:tailEnd type="none" w="med" len="med"/>
+                    </a:lnT>
+                    <a:lnB w="12700" cap="flat" cmpd="sng" algn="ctr">
+                      <a:solidFill>
+                        <a:schemeClr val="tx1"/>
+                      </a:solidFill>
+                      <a:prstDash val="solid"/>
+                      <a:round/>
+                      <a:headEnd type="none" w="med" len="med"/>
+                      <a:tailEnd type="none" w="med" len="med"/>
+                    </a:lnB>
+                  </a:tcPr>
+                </a:tc>
+                <a:tc>
+                  <a:txBody>
+                    <a:bodyPr/>
+                    <a:lstStyle/>
+                    <a:p>
+                      <a:pPr marL="0" marR="0" indent="0" algn="ctr" defTabSz="914400" rtl="0" eaLnBrk="1" fontAlgn="auto" latinLnBrk="0" hangingPunct="1">
+                        <a:lnSpc>
+                          <a:spcPct val="100000"/>
+                        </a:lnSpc>
+                        <a:spcBef>
+                          <a:spcPts val="0"/>
+                        </a:spcBef>
+                        <a:spcAft>
+                          <a:spcPts val="0"/>
+                        </a:spcAft>
+                        <a:buClrTx/>
+                        <a:buSzTx/>
+                        <a:buFontTx/>
+                        <a:buNone/>
+                        <a:tabLst/>
+                        <a:defRPr/>
+                      </a:pPr>
+                      <a:r>
+                        <a:rPr lang="en-US" altLang="zh-CN" sz="3600" kern="0" dirty="0" smtClean="0"/>
+                        <a:t>I</a:t>
+                      </a:r>
+                      <a:r>
+                        <a:rPr lang="en-US" altLang="zh-CN" sz="3600" kern="0" baseline="-25000" dirty="0" smtClean="0"/>
+                        <a:t>ID</a:t>
+                      </a:r>
+                      <a:endParaRPr lang="zh-CN" altLang="en-US" sz="3600" dirty="0" smtClean="0"/>
+                    </a:p>
+                  </a:txBody>
+                  <a:tcPr marL="194537" marR="194537" marT="97269" marB="97269" anchor="ctr">
+                    <a:lnT w="12700" cap="flat" cmpd="sng" algn="ctr">
+                      <a:solidFill>
+                        <a:schemeClr val="tx1"/>
+                      </a:solidFill>
+                      <a:prstDash val="solid"/>
+                      <a:round/>
+                      <a:headEnd type="none" w="med" len="med"/>
+                      <a:tailEnd type="none" w="med" len="med"/>
+                    </a:lnT>
+                    <a:lnB w="12700" cap="flat" cmpd="sng" algn="ctr">
+                      <a:solidFill>
+                        <a:schemeClr val="tx1"/>
+                      </a:solidFill>
+                      <a:prstDash val="solid"/>
+                      <a:round/>
+                      <a:headEnd type="none" w="med" len="med"/>
+                      <a:tailEnd type="none" w="med" len="med"/>
+                    </a:lnB>
+                  </a:tcPr>
+                </a:tc>
+                <a:tc>
+                  <a:txBody>
+                    <a:bodyPr/>
+                    <a:lstStyle/>
+                    <a:p>
+                      <a:pPr marL="0" marR="0" indent="0" algn="ctr" defTabSz="914400" rtl="0" eaLnBrk="1" fontAlgn="auto" latinLnBrk="0" hangingPunct="1">
+                        <a:lnSpc>
+                          <a:spcPct val="100000"/>
+                        </a:lnSpc>
+                        <a:spcBef>
+                          <a:spcPts val="0"/>
+                        </a:spcBef>
+                        <a:spcAft>
+                          <a:spcPts val="0"/>
+                        </a:spcAft>
+                        <a:buClrTx/>
+                        <a:buSzTx/>
+                        <a:buFontTx/>
+                        <a:buNone/>
+                        <a:tabLst/>
+                        <a:defRPr/>
+                      </a:pPr>
+                      <a:r>
+                        <a:rPr lang="en-US" altLang="zh-CN" sz="3600" kern="0" dirty="0" smtClean="0"/>
+                        <a:t>I</a:t>
+                      </a:r>
+                      <a:r>
+                        <a:rPr lang="en-US" altLang="zh-CN" sz="3600" kern="0" baseline="-25000" dirty="0" smtClean="0"/>
+                        <a:t>ST</a:t>
+                      </a:r>
+                      <a:endParaRPr lang="zh-CN" altLang="en-US" sz="3600" dirty="0" smtClean="0"/>
+                    </a:p>
+                  </a:txBody>
+                  <a:tcPr marL="194537" marR="194537" marT="97269" marB="97269" anchor="ctr">
+                    <a:lnT w="12700" cap="flat" cmpd="sng" algn="ctr">
+                      <a:solidFill>
+                        <a:schemeClr val="tx1"/>
+                      </a:solidFill>
+                      <a:prstDash val="solid"/>
+                      <a:round/>
+                      <a:headEnd type="none" w="med" len="med"/>
+                      <a:tailEnd type="none" w="med" len="med"/>
+                    </a:lnT>
+                    <a:lnB w="12700" cap="flat" cmpd="sng" algn="ctr">
+                      <a:solidFill>
+                        <a:schemeClr val="tx1"/>
+                      </a:solidFill>
+                      <a:prstDash val="solid"/>
+                      <a:round/>
+                      <a:headEnd type="none" w="med" len="med"/>
+                      <a:tailEnd type="none" w="med" len="med"/>
+                    </a:lnB>
+                  </a:tcPr>
+                </a:tc>
+                <a:tc>
+                  <a:txBody>
+                    <a:bodyPr/>
+                    <a:lstStyle/>
+                    <a:p>
+                      <a:pPr algn="ctr"/>
+                      <a:r>
+                        <a:rPr lang="en-US" altLang="zh-CN" sz="3600" kern="0" dirty="0" smtClean="0"/>
+                        <a:t>I</a:t>
+                      </a:r>
+                      <a:r>
+                        <a:rPr lang="en-US" altLang="zh-CN" sz="3600" kern="0" baseline="-25000" dirty="0" smtClean="0"/>
+                        <a:t>LV</a:t>
+                      </a:r>
+                      <a:endParaRPr lang="zh-CN" altLang="en-US" sz="3600" dirty="0"/>
+                    </a:p>
+                  </a:txBody>
+                  <a:tcPr marL="194537" marR="194537" marT="97269" marB="97269" anchor="ctr">
+                    <a:lnT w="12700" cap="flat" cmpd="sng" algn="ctr">
+                      <a:solidFill>
+                        <a:schemeClr val="tx1"/>
+                      </a:solidFill>
+                      <a:prstDash val="solid"/>
+                      <a:round/>
+                      <a:headEnd type="none" w="med" len="med"/>
+                      <a:tailEnd type="none" w="med" len="med"/>
+                    </a:lnT>
+                    <a:lnB w="12700" cap="flat" cmpd="sng" algn="ctr">
+                      <a:solidFill>
+                        <a:schemeClr val="tx1"/>
+                      </a:solidFill>
+                      <a:prstDash val="solid"/>
+                      <a:round/>
+                      <a:headEnd type="none" w="med" len="med"/>
+                      <a:tailEnd type="none" w="med" len="med"/>
+                    </a:lnB>
+                  </a:tcPr>
+                </a:tc>
+              </a:tr>
+              <a:tr h="643498">
+                <a:tc>
+                  <a:txBody>
+                    <a:bodyPr/>
+                    <a:lstStyle/>
+                    <a:p>
+                      <a:pPr algn="ctr"/>
+                      <a:r>
+                        <a:rPr lang="en-US" altLang="zh-CN" sz="3600" dirty="0" smtClean="0"/>
+                        <a:t>R</a:t>
+                      </a:r>
+                      <a:endParaRPr lang="zh-CN" altLang="en-US" sz="3600" dirty="0"/>
+                    </a:p>
+                  </a:txBody>
+                  <a:tcPr marL="194537" marR="194537" marT="97269" marB="97269" anchor="ctr">
+                    <a:lnT w="12700" cap="flat" cmpd="sng" algn="ctr">
+                      <a:solidFill>
+                        <a:schemeClr val="tx1"/>
+                      </a:solidFill>
+                      <a:prstDash val="solid"/>
+                      <a:round/>
+                      <a:headEnd type="none" w="med" len="med"/>
+                      <a:tailEnd type="none" w="med" len="med"/>
+                    </a:lnT>
+                  </a:tcPr>
+                </a:tc>
+                <a:tc>
+                  <a:txBody>
+                    <a:bodyPr/>
+                    <a:lstStyle/>
+                    <a:p>
+                      <a:pPr algn="ctr"/>
+                      <a:r>
+                        <a:rPr lang="en-US" altLang="zh-CN" sz="3600" dirty="0" smtClean="0"/>
+                        <a:t>—</a:t>
+                      </a:r>
+                      <a:endParaRPr lang="zh-CN" altLang="en-US" sz="3600" dirty="0"/>
+                    </a:p>
+                  </a:txBody>
+                  <a:tcPr marL="194537" marR="194537" marT="97269" marB="97269" anchor="ctr">
+                    <a:lnT w="12700" cap="flat" cmpd="sng" algn="ctr">
+                      <a:solidFill>
+                        <a:schemeClr val="tx1"/>
+                      </a:solidFill>
+                      <a:prstDash val="solid"/>
+                      <a:round/>
+                      <a:headEnd type="none" w="med" len="med"/>
+                      <a:tailEnd type="none" w="med" len="med"/>
+                    </a:lnT>
+                  </a:tcPr>
+                </a:tc>
+                <a:tc>
+                  <a:txBody>
+                    <a:bodyPr/>
+                    <a:lstStyle/>
+                    <a:p>
+                      <a:pPr algn="ctr"/>
+                      <a:endParaRPr lang="zh-CN" altLang="en-US" sz="3600" dirty="0"/>
+                    </a:p>
+                  </a:txBody>
+                  <a:tcPr marL="194537" marR="194537" marT="97269" marB="97269" anchor="ctr">
+                    <a:lnT w="12700" cap="flat" cmpd="sng" algn="ctr">
+                      <a:solidFill>
+                        <a:schemeClr val="tx1"/>
+                      </a:solidFill>
+                      <a:prstDash val="solid"/>
+                      <a:round/>
+                      <a:headEnd type="none" w="med" len="med"/>
+                      <a:tailEnd type="none" w="med" len="med"/>
+                    </a:lnT>
+                  </a:tcPr>
+                </a:tc>
+                <a:tc>
+                  <a:txBody>
+                    <a:bodyPr/>
+                    <a:lstStyle/>
+                    <a:p>
+                      <a:pPr algn="ctr"/>
+                      <a:endParaRPr lang="zh-CN" altLang="en-US" sz="3600" dirty="0"/>
+                    </a:p>
+                  </a:txBody>
+                  <a:tcPr marL="194537" marR="194537" marT="97269" marB="97269" anchor="ctr">
+                    <a:lnT w="12700" cap="flat" cmpd="sng" algn="ctr">
+                      <a:solidFill>
+                        <a:schemeClr val="tx1"/>
+                      </a:solidFill>
+                      <a:prstDash val="solid"/>
+                      <a:round/>
+                      <a:headEnd type="none" w="med" len="med"/>
+                      <a:tailEnd type="none" w="med" len="med"/>
+                    </a:lnT>
+                  </a:tcPr>
+                </a:tc>
+                <a:tc>
+                  <a:txBody>
+                    <a:bodyPr/>
+                    <a:lstStyle/>
+                    <a:p>
+                      <a:pPr algn="ctr"/>
+                      <a:endParaRPr lang="zh-CN" altLang="en-US" sz="3600"/>
+                    </a:p>
+                  </a:txBody>
+                  <a:tcPr marL="194537" marR="194537" marT="97269" marB="97269" anchor="ctr">
+                    <a:lnT w="12700" cap="flat" cmpd="sng" algn="ctr">
+                      <a:solidFill>
+                        <a:schemeClr val="tx1"/>
+                      </a:solidFill>
+                      <a:prstDash val="solid"/>
+                      <a:round/>
+                      <a:headEnd type="none" w="med" len="med"/>
+                      <a:tailEnd type="none" w="med" len="med"/>
+                    </a:lnT>
+                  </a:tcPr>
+                </a:tc>
+              </a:tr>
+              <a:tr h="643498">
+                <a:tc>
+                  <a:txBody>
+                    <a:bodyPr/>
+                    <a:lstStyle/>
+                    <a:p>
+                      <a:pPr algn="ctr"/>
+                      <a:r>
+                        <a:rPr lang="en-US" altLang="zh-CN" sz="3600" kern="0" dirty="0" smtClean="0"/>
+                        <a:t>I</a:t>
+                      </a:r>
+                      <a:r>
+                        <a:rPr lang="en-US" altLang="zh-CN" sz="3600" kern="0" baseline="-25000" dirty="0" smtClean="0"/>
+                        <a:t>ID</a:t>
+                      </a:r>
+                      <a:endParaRPr lang="zh-CN" altLang="en-US" sz="3600" dirty="0"/>
+                    </a:p>
+                  </a:txBody>
+                  <a:tcPr marL="194537" marR="194537" marT="97269" marB="97269" anchor="ctr"/>
+                </a:tc>
+                <a:tc>
+                  <a:txBody>
+                    <a:bodyPr/>
+                    <a:lstStyle/>
+                    <a:p>
+                      <a:pPr algn="ctr"/>
+                      <a:r>
+                        <a:rPr lang="en-US" altLang="zh-CN" sz="3600" dirty="0" smtClean="0"/>
+                        <a:t>0.234</a:t>
+                      </a:r>
+                      <a:endParaRPr lang="zh-CN" altLang="en-US" sz="3600" dirty="0"/>
+                    </a:p>
+                  </a:txBody>
+                  <a:tcPr marL="194537" marR="194537" marT="97269" marB="97269" anchor="ctr"/>
+                </a:tc>
+                <a:tc>
+                  <a:txBody>
+                    <a:bodyPr/>
+                    <a:lstStyle/>
+                    <a:p>
+                      <a:pPr algn="ctr"/>
+                      <a:r>
+                        <a:rPr lang="en-US" altLang="zh-CN" sz="3600" dirty="0" smtClean="0"/>
+                        <a:t>—</a:t>
+                      </a:r>
+                      <a:endParaRPr lang="zh-CN" altLang="en-US" sz="3600" dirty="0"/>
+                    </a:p>
+                  </a:txBody>
+                  <a:tcPr marL="194537" marR="194537" marT="97269" marB="97269" anchor="ctr"/>
+                </a:tc>
+                <a:tc>
+                  <a:txBody>
+                    <a:bodyPr/>
+                    <a:lstStyle/>
+                    <a:p>
+                      <a:pPr algn="ctr"/>
+                      <a:endParaRPr lang="zh-CN" altLang="en-US" sz="3600"/>
+                    </a:p>
+                  </a:txBody>
+                  <a:tcPr marL="194537" marR="194537" marT="97269" marB="97269" anchor="ctr"/>
+                </a:tc>
+                <a:tc>
+                  <a:txBody>
+                    <a:bodyPr/>
+                    <a:lstStyle/>
+                    <a:p>
+                      <a:pPr algn="ctr"/>
+                      <a:endParaRPr lang="zh-CN" altLang="en-US" sz="3600" dirty="0"/>
+                    </a:p>
+                  </a:txBody>
+                  <a:tcPr marL="194537" marR="194537" marT="97269" marB="97269" anchor="ctr"/>
+                </a:tc>
+              </a:tr>
+              <a:tr h="643498">
+                <a:tc>
+                  <a:txBody>
+                    <a:bodyPr/>
+                    <a:lstStyle/>
+                    <a:p>
+                      <a:pPr algn="ctr"/>
+                      <a:r>
+                        <a:rPr lang="en-US" altLang="zh-CN" sz="3600" kern="0" dirty="0" smtClean="0"/>
+                        <a:t>I</a:t>
+                      </a:r>
+                      <a:r>
+                        <a:rPr lang="en-US" altLang="zh-CN" sz="3600" kern="0" baseline="-25000" dirty="0" smtClean="0"/>
+                        <a:t>ST</a:t>
+                      </a:r>
+                      <a:endParaRPr lang="zh-CN" altLang="en-US" sz="3600" dirty="0"/>
+                    </a:p>
+                  </a:txBody>
+                  <a:tcPr marL="194537" marR="194537" marT="97269" marB="97269" anchor="ctr"/>
+                </a:tc>
+                <a:tc>
+                  <a:txBody>
+                    <a:bodyPr/>
+                    <a:lstStyle/>
+                    <a:p>
+                      <a:pPr algn="ctr"/>
+                      <a:r>
+                        <a:rPr lang="en-US" altLang="zh-CN" sz="3600" dirty="0" smtClean="0"/>
+                        <a:t>0.001</a:t>
+                      </a:r>
+                      <a:endParaRPr lang="zh-CN" altLang="en-US" sz="3600" dirty="0"/>
+                    </a:p>
+                  </a:txBody>
+                  <a:tcPr marL="194537" marR="194537" marT="97269" marB="97269" anchor="ctr"/>
+                </a:tc>
+                <a:tc>
+                  <a:txBody>
+                    <a:bodyPr/>
+                    <a:lstStyle/>
+                    <a:p>
+                      <a:pPr algn="ctr"/>
+                      <a:r>
+                        <a:rPr lang="en-US" altLang="zh-CN" sz="3600" dirty="0" smtClean="0"/>
+                        <a:t>0.327</a:t>
+                      </a:r>
+                      <a:endParaRPr lang="zh-CN" altLang="en-US" sz="3600" dirty="0"/>
+                    </a:p>
+                  </a:txBody>
+                  <a:tcPr marL="194537" marR="194537" marT="97269" marB="97269" anchor="ctr"/>
+                </a:tc>
+                <a:tc>
+                  <a:txBody>
+                    <a:bodyPr/>
+                    <a:lstStyle/>
+                    <a:p>
+                      <a:pPr algn="ctr"/>
+                      <a:r>
+                        <a:rPr lang="en-US" altLang="zh-CN" sz="3600" dirty="0" smtClean="0"/>
+                        <a:t>—</a:t>
+                      </a:r>
+                      <a:endParaRPr lang="zh-CN" altLang="en-US" sz="3600" dirty="0"/>
+                    </a:p>
+                  </a:txBody>
+                  <a:tcPr marL="194537" marR="194537" marT="97269" marB="97269" anchor="ctr"/>
+                </a:tc>
+                <a:tc>
+                  <a:txBody>
+                    <a:bodyPr/>
+                    <a:lstStyle/>
+                    <a:p>
+                      <a:pPr algn="ctr"/>
+                      <a:endParaRPr lang="zh-CN" altLang="en-US" sz="3600" dirty="0"/>
+                    </a:p>
+                  </a:txBody>
+                  <a:tcPr marL="194537" marR="194537" marT="97269" marB="97269" anchor="ctr"/>
+                </a:tc>
+              </a:tr>
+              <a:tr h="643498">
+                <a:tc>
+                  <a:txBody>
+                    <a:bodyPr/>
+                    <a:lstStyle/>
+                    <a:p>
+                      <a:pPr algn="ctr"/>
+                      <a:r>
+                        <a:rPr lang="en-US" altLang="zh-CN" sz="3600" kern="0" dirty="0" smtClean="0"/>
+                        <a:t>I</a:t>
+                      </a:r>
+                      <a:r>
+                        <a:rPr lang="en-US" altLang="zh-CN" sz="3600" kern="0" baseline="-25000" dirty="0" smtClean="0"/>
+                        <a:t>LV</a:t>
+                      </a:r>
+                      <a:endParaRPr lang="zh-CN" altLang="en-US" sz="3600" dirty="0"/>
+                    </a:p>
+                  </a:txBody>
+                  <a:tcPr marL="194537" marR="194537" marT="97269" marB="97269" anchor="ctr">
+                    <a:lnB w="12700" cap="flat" cmpd="sng" algn="ctr">
+                      <a:solidFill>
+                        <a:schemeClr val="tx1"/>
+                      </a:solidFill>
+                      <a:prstDash val="solid"/>
+                      <a:round/>
+                      <a:headEnd type="none" w="med" len="med"/>
+                      <a:tailEnd type="none" w="med" len="med"/>
+                    </a:lnB>
+                  </a:tcPr>
+                </a:tc>
+                <a:tc>
+                  <a:txBody>
+                    <a:bodyPr/>
+                    <a:lstStyle/>
+                    <a:p>
+                      <a:pPr algn="ctr"/>
+                      <a:r>
+                        <a:rPr lang="en-US" altLang="zh-CN" sz="3600" dirty="0" smtClean="0"/>
+                        <a:t>0.000</a:t>
+                      </a:r>
+                      <a:endParaRPr lang="zh-CN" altLang="en-US" sz="3600" dirty="0"/>
+                    </a:p>
+                  </a:txBody>
+                  <a:tcPr marL="194537" marR="194537" marT="97269" marB="97269" anchor="ctr">
+                    <a:lnB w="12700" cap="flat" cmpd="sng" algn="ctr">
+                      <a:solidFill>
+                        <a:schemeClr val="tx1"/>
+                      </a:solidFill>
+                      <a:prstDash val="solid"/>
+                      <a:round/>
+                      <a:headEnd type="none" w="med" len="med"/>
+                      <a:tailEnd type="none" w="med" len="med"/>
+                    </a:lnB>
+                  </a:tcPr>
+                </a:tc>
+                <a:tc>
+                  <a:txBody>
+                    <a:bodyPr/>
+                    <a:lstStyle/>
+                    <a:p>
+                      <a:pPr algn="ctr"/>
+                      <a:r>
+                        <a:rPr lang="en-US" altLang="zh-CN" sz="3600" dirty="0" smtClean="0"/>
+                        <a:t>0.927</a:t>
+                      </a:r>
+                      <a:endParaRPr lang="zh-CN" altLang="en-US" sz="3600" dirty="0"/>
+                    </a:p>
+                  </a:txBody>
+                  <a:tcPr marL="194537" marR="194537" marT="97269" marB="97269" anchor="ctr">
+                    <a:lnB w="12700" cap="flat" cmpd="sng" algn="ctr">
+                      <a:solidFill>
+                        <a:schemeClr val="tx1"/>
+                      </a:solidFill>
+                      <a:prstDash val="solid"/>
+                      <a:round/>
+                      <a:headEnd type="none" w="med" len="med"/>
+                      <a:tailEnd type="none" w="med" len="med"/>
+                    </a:lnB>
+                  </a:tcPr>
+                </a:tc>
+                <a:tc>
+                  <a:txBody>
+                    <a:bodyPr/>
+                    <a:lstStyle/>
+                    <a:p>
+                      <a:pPr algn="ctr"/>
+                      <a:r>
+                        <a:rPr lang="en-US" altLang="zh-CN" sz="3600" dirty="0" smtClean="0"/>
+                        <a:t>0.946</a:t>
+                      </a:r>
+                      <a:endParaRPr lang="zh-CN" altLang="en-US" sz="3600" dirty="0"/>
+                    </a:p>
+                  </a:txBody>
+                  <a:tcPr marL="194537" marR="194537" marT="97269" marB="97269" anchor="ctr">
+                    <a:lnB w="12700" cap="flat" cmpd="sng" algn="ctr">
+                      <a:solidFill>
+                        <a:schemeClr val="tx1"/>
+                      </a:solidFill>
+                      <a:prstDash val="solid"/>
+                      <a:round/>
+                      <a:headEnd type="none" w="med" len="med"/>
+                      <a:tailEnd type="none" w="med" len="med"/>
+                    </a:lnB>
+                  </a:tcPr>
+                </a:tc>
+                <a:tc>
+                  <a:txBody>
+                    <a:bodyPr/>
+                    <a:lstStyle/>
+                    <a:p>
+                      <a:pPr algn="ctr"/>
+                      <a:r>
+                        <a:rPr lang="en-US" altLang="zh-CN" sz="3600" dirty="0" smtClean="0"/>
+                        <a:t>—</a:t>
+                      </a:r>
+                      <a:endParaRPr lang="zh-CN" altLang="en-US" sz="3600" dirty="0"/>
+                    </a:p>
+                  </a:txBody>
+                  <a:tcPr marL="194537" marR="194537" marT="97269" marB="97269" anchor="ctr">
+                    <a:lnB w="12700" cap="flat" cmpd="sng" algn="ctr">
+                      <a:solidFill>
+                        <a:schemeClr val="tx1"/>
+                      </a:solidFill>
+                      <a:prstDash val="solid"/>
+                      <a:round/>
+                      <a:headEnd type="none" w="med" len="med"/>
+                      <a:tailEnd type="none" w="med" len="med"/>
+                    </a:lnB>
+                  </a:tcPr>
+                </a:tc>
+              </a:tr>
+            </a:tbl>
+          </a:graphicData>
+        </a:graphic>
+      </p:graphicFrame>
+      <p:sp>
+        <p:nvSpPr>
+          <p:cNvPr id="138" name="文本框 137"/>
+          <p:cNvSpPr txBox="1"/>
+          <p:nvPr/>
+        </p:nvSpPr>
+        <p:spPr>
+          <a:xfrm>
+            <a:off x="8877944" y="32163446"/>
+            <a:ext cx="7088981" cy="5016758"/>
+          </a:xfrm>
+          <a:prstGeom prst="rect">
+            <a:avLst/>
+          </a:prstGeom>
+          <a:noFill/>
+        </p:spPr>
+        <p:txBody>
+          <a:bodyPr wrap="square" rtlCol="0">
+            <a:spAutoFit/>
+          </a:bodyPr>
+          <a:lstStyle/>
+          <a:p>
+            <a:pPr marL="285750" indent="-285750">
+              <a:buFont typeface="Arial" panose="020B0604020202020204" pitchFamily="34" charset="0"/>
+              <a:buChar char="•"/>
+            </a:pPr>
+            <a:r>
+              <a:rPr lang="en-US" altLang="zh-CN" sz="4000" dirty="0">
+                <a:solidFill>
+                  <a:srgbClr val="FF0000"/>
+                </a:solidFill>
+              </a:rPr>
+              <a:t>Impairments of Stall and Level Variation is more serious than Initial Delay</a:t>
+            </a:r>
+            <a:r>
+              <a:rPr lang="en-US" altLang="zh-CN" sz="4000" dirty="0" smtClean="0">
+                <a:solidFill>
+                  <a:srgbClr val="FF0000"/>
+                </a:solidFill>
+              </a:rPr>
+              <a:t>.(1</a:t>
+            </a:r>
+            <a:r>
+              <a:rPr lang="en-US" altLang="zh-CN" sz="4000" baseline="30000" dirty="0" smtClean="0">
+                <a:solidFill>
+                  <a:srgbClr val="FF0000"/>
+                </a:solidFill>
+              </a:rPr>
+              <a:t>st</a:t>
+            </a:r>
+            <a:r>
+              <a:rPr lang="en-US" altLang="zh-CN" sz="4000" dirty="0" smtClean="0">
+                <a:solidFill>
+                  <a:srgbClr val="FF0000"/>
+                </a:solidFill>
+              </a:rPr>
+              <a:t> row)</a:t>
+            </a:r>
+            <a:endParaRPr lang="en-US" altLang="zh-CN" sz="4000" dirty="0">
+              <a:solidFill>
+                <a:srgbClr val="FF0000"/>
+              </a:solidFill>
+            </a:endParaRPr>
+          </a:p>
+          <a:p>
+            <a:pPr marL="285750" indent="-285750">
+              <a:buFont typeface="Arial" panose="020B0604020202020204" pitchFamily="34" charset="0"/>
+              <a:buChar char="•"/>
+            </a:pPr>
+            <a:r>
+              <a:rPr lang="en-US" altLang="zh-CN" sz="4000" dirty="0"/>
+              <a:t>Initial Delay </a:t>
+            </a:r>
+            <a:r>
+              <a:rPr lang="en-US" altLang="zh-CN" sz="4000" dirty="0" smtClean="0"/>
+              <a:t>is nearly </a:t>
+            </a:r>
+            <a:r>
+              <a:rPr lang="en-US" altLang="zh-CN" sz="4000" dirty="0"/>
+              <a:t>independent with Stall and Level Variation. </a:t>
+            </a:r>
+            <a:r>
+              <a:rPr lang="en-US" altLang="zh-CN" sz="4000" dirty="0" smtClean="0"/>
+              <a:t>(2</a:t>
+            </a:r>
+            <a:r>
+              <a:rPr lang="en-US" altLang="zh-CN" sz="4000" baseline="30000" dirty="0" smtClean="0"/>
+              <a:t>nd</a:t>
+            </a:r>
+            <a:r>
+              <a:rPr lang="en-US" altLang="zh-CN" sz="4000" dirty="0" smtClean="0"/>
+              <a:t> and 3</a:t>
+            </a:r>
+            <a:r>
+              <a:rPr lang="en-US" altLang="zh-CN" sz="4000" baseline="30000" dirty="0" smtClean="0"/>
+              <a:t>rd</a:t>
+            </a:r>
+            <a:r>
+              <a:rPr lang="en-US" altLang="zh-CN" sz="4000" dirty="0" smtClean="0"/>
+              <a:t> row)</a:t>
+            </a:r>
+          </a:p>
+          <a:p>
+            <a:pPr marL="285750" indent="-285750">
+              <a:buFont typeface="Arial" panose="020B0604020202020204" pitchFamily="34" charset="0"/>
+              <a:buChar char="•"/>
+            </a:pPr>
+            <a:r>
+              <a:rPr lang="en-US" altLang="zh-CN" sz="4000" dirty="0" smtClean="0"/>
+              <a:t>Initial Delay and Stall Duration follow linear relation with QoE</a:t>
+            </a:r>
+            <a:endParaRPr lang="en-US" altLang="zh-CN" sz="4000" dirty="0">
+              <a:solidFill>
+                <a:schemeClr val="tx2">
+                  <a:lumMod val="75000"/>
+                </a:schemeClr>
+              </a:solidFill>
+            </a:endParaRPr>
+          </a:p>
+        </p:txBody>
+      </p:sp>
+      <p:graphicFrame>
+        <p:nvGraphicFramePr>
+          <p:cNvPr id="144" name="对象 143"/>
+          <p:cNvGraphicFramePr>
+            <a:graphicFrameLocks noChangeAspect="1"/>
+          </p:cNvGraphicFramePr>
+          <p:nvPr>
+            <p:extLst>
+              <p:ext uri="{D42A27DB-BD31-4B8C-83A1-F6EECF244321}">
+                <p14:modId xmlns:p14="http://schemas.microsoft.com/office/powerpoint/2010/main" val="2807856695"/>
+              </p:ext>
+            </p:extLst>
+          </p:nvPr>
+        </p:nvGraphicFramePr>
+        <p:xfrm>
+          <a:off x="322221" y="41174117"/>
+          <a:ext cx="16282582" cy="945462"/>
+        </p:xfrm>
+        <a:graphic>
+          <a:graphicData uri="http://schemas.openxmlformats.org/presentationml/2006/ole">
+            <mc:AlternateContent xmlns:mc="http://schemas.openxmlformats.org/markup-compatibility/2006">
+              <mc:Choice xmlns:v="urn:schemas-microsoft-com:vml" Requires="v">
+                <p:oleObj spid="_x0000_s5234" name="公式" r:id="rId20" imgW="4584600" imgH="266400" progId="Equation.3">
+                  <p:embed/>
+                </p:oleObj>
+              </mc:Choice>
+              <mc:Fallback>
+                <p:oleObj name="公式" r:id="rId20" imgW="4584600" imgH="266400" progId="Equation.3">
+                  <p:embed/>
+                  <p:pic>
+                    <p:nvPicPr>
+                      <p:cNvPr id="0" name=""/>
+                      <p:cNvPicPr/>
+                      <p:nvPr/>
+                    </p:nvPicPr>
+                    <p:blipFill>
+                      <a:blip r:embed="rId21"/>
+                      <a:stretch>
+                        <a:fillRect/>
+                      </a:stretch>
+                    </p:blipFill>
+                    <p:spPr>
+                      <a:xfrm>
+                        <a:off x="322221" y="41174117"/>
+                        <a:ext cx="16282582" cy="945462"/>
+                      </a:xfrm>
+                      <a:prstGeom prst="rect">
+                        <a:avLst/>
+                      </a:prstGeom>
+                    </p:spPr>
+                  </p:pic>
+                </p:oleObj>
+              </mc:Fallback>
+            </mc:AlternateContent>
+          </a:graphicData>
+        </a:graphic>
+      </p:graphicFrame>
+      <p:graphicFrame>
+        <p:nvGraphicFramePr>
+          <p:cNvPr id="145" name="Object 1"/>
+          <p:cNvGraphicFramePr>
+            <a:graphicFrameLocks noChangeAspect="1"/>
+          </p:cNvGraphicFramePr>
+          <p:nvPr>
+            <p:extLst>
+              <p:ext uri="{D42A27DB-BD31-4B8C-83A1-F6EECF244321}">
+                <p14:modId xmlns:p14="http://schemas.microsoft.com/office/powerpoint/2010/main" val="4096121804"/>
+              </p:ext>
+            </p:extLst>
+          </p:nvPr>
+        </p:nvGraphicFramePr>
+        <p:xfrm>
+          <a:off x="1635546" y="39661949"/>
+          <a:ext cx="13782868" cy="997536"/>
+        </p:xfrm>
+        <a:graphic>
+          <a:graphicData uri="http://schemas.openxmlformats.org/presentationml/2006/ole">
+            <mc:AlternateContent xmlns:mc="http://schemas.openxmlformats.org/markup-compatibility/2006">
+              <mc:Choice xmlns:v="urn:schemas-microsoft-com:vml" Requires="v">
+                <p:oleObj spid="_x0000_s5235" name="Equation" r:id="rId22" imgW="3695700" imgH="266700" progId="">
+                  <p:embed/>
+                </p:oleObj>
+              </mc:Choice>
+              <mc:Fallback>
+                <p:oleObj name="Equation" r:id="rId22" imgW="3695700" imgH="266700" progId="">
+                  <p:embed/>
+                  <p:pic>
+                    <p:nvPicPr>
+                      <p:cNvPr id="0" name=""/>
+                      <p:cNvPicPr>
+                        <a:picLocks noChangeAspect="1" noChangeArrowheads="1"/>
+                      </p:cNvPicPr>
+                      <p:nvPr/>
+                    </p:nvPicPr>
+                    <p:blipFill>
+                      <a:blip r:embed="rId23">
+                        <a:extLst>
+                          <a:ext uri="{28A0092B-C50C-407E-A947-70E740481C1C}">
+                            <a14:useLocalDpi xmlns:a14="http://schemas.microsoft.com/office/drawing/2010/main" val="0"/>
+                          </a:ext>
+                        </a:extLst>
+                      </a:blip>
+                      <a:srcRect/>
+                      <a:stretch>
+                        <a:fillRect/>
+                      </a:stretch>
+                    </p:blipFill>
+                    <p:spPr bwMode="auto">
+                      <a:xfrm>
+                        <a:off x="1635546" y="39661949"/>
+                        <a:ext cx="13782868" cy="997536"/>
+                      </a:xfrm>
+                      <a:prstGeom prst="rect">
+                        <a:avLst/>
+                      </a:prstGeom>
+                      <a:noFill/>
+                      <a:extLst/>
+                    </p:spPr>
+                  </p:pic>
+                </p:oleObj>
+              </mc:Fallback>
+            </mc:AlternateContent>
+          </a:graphicData>
+        </a:graphic>
+      </p:graphicFrame>
+      <p:sp>
+        <p:nvSpPr>
+          <p:cNvPr id="146" name="内容占位符 2"/>
+          <p:cNvSpPr txBox="1">
+            <a:spLocks/>
+          </p:cNvSpPr>
+          <p:nvPr/>
+        </p:nvSpPr>
+        <p:spPr bwMode="auto">
+          <a:xfrm>
+            <a:off x="610253" y="39084764"/>
+            <a:ext cx="5971492" cy="865217"/>
+          </a:xfrm>
+          <a:prstGeom prst="rect">
+            <a:avLst/>
+          </a:prstGeom>
+          <a:noFill/>
+          <a:ln>
+            <a:noFill/>
+          </a:ln>
+          <a:extLst>
+            <a:ext uri="{909E8E84-426E-40DD-AFC4-6F175D3DCCD1}">
+              <a14:hiddenFill xmlns:a14="http://schemas.microsoft.com/office/drawing/2010/main">
+                <a:solidFill>
+                  <a:srgbClr val="FFFFFF"/>
+                </a:solidFill>
+              </a14:hiddenFill>
+            </a:ext>
+            <a:ext uri="{91240B29-F687-4F45-9708-019B960494DF}">
+              <a14:hiddenLine xmlns:a14="http://schemas.microsoft.com/office/drawing/2010/main" w="9525">
+                <a:solidFill>
+                  <a:srgbClr val="000000"/>
+                </a:solidFill>
+                <a:miter lim="800000"/>
+                <a:headEnd/>
+                <a:tailEnd/>
+              </a14:hiddenLine>
+            </a:ext>
+          </a:extLst>
+        </p:spPr>
+        <p:txBody>
+          <a:bodyPr vert="horz" wrap="square" lIns="85717" tIns="42858" rIns="85717" bIns="42858" numCol="1" anchor="t" anchorCtr="0" compatLnSpc="1">
+            <a:prstTxWarp prst="textNoShape">
+              <a:avLst/>
+            </a:prstTxWarp>
+          </a:bodyPr>
+          <a:lstStyle>
+            <a:lvl1pPr marL="269875" indent="-269875" algn="l" defTabSz="860425" rtl="0" eaLnBrk="1" fontAlgn="base" hangingPunct="1">
+              <a:lnSpc>
+                <a:spcPct val="90000"/>
+              </a:lnSpc>
+              <a:spcBef>
+                <a:spcPct val="30000"/>
+              </a:spcBef>
+              <a:spcAft>
+                <a:spcPct val="0"/>
+              </a:spcAft>
+              <a:buClr>
+                <a:schemeClr val="tx1"/>
+              </a:buClr>
+              <a:buSzPct val="100000"/>
+              <a:buChar char="•"/>
+              <a:defRPr sz="2800" b="1">
+                <a:solidFill>
+                  <a:schemeClr val="tx1"/>
+                </a:solidFill>
+                <a:latin typeface="+mn-lt"/>
+                <a:ea typeface="+mn-ea"/>
+                <a:cs typeface="+mn-cs"/>
+              </a:defRPr>
+            </a:lvl1pPr>
+            <a:lvl2pPr marL="644525" indent="-214313" algn="l" defTabSz="860425" rtl="0" eaLnBrk="1" fontAlgn="base" hangingPunct="1">
+              <a:lnSpc>
+                <a:spcPct val="90000"/>
+              </a:lnSpc>
+              <a:spcBef>
+                <a:spcPct val="30000"/>
+              </a:spcBef>
+              <a:spcAft>
+                <a:spcPct val="0"/>
+              </a:spcAft>
+              <a:buClr>
+                <a:schemeClr val="tx1"/>
+              </a:buClr>
+              <a:buSzPct val="100000"/>
+              <a:buChar char="–"/>
+              <a:defRPr sz="2400" b="1">
+                <a:solidFill>
+                  <a:schemeClr val="tx1"/>
+                </a:solidFill>
+                <a:latin typeface="+mn-lt"/>
+                <a:ea typeface="+mn-ea"/>
+              </a:defRPr>
+            </a:lvl2pPr>
+            <a:lvl3pPr marL="1074738" indent="-214313" algn="l" defTabSz="860425" rtl="0" eaLnBrk="1" fontAlgn="base" hangingPunct="1">
+              <a:lnSpc>
+                <a:spcPct val="90000"/>
+              </a:lnSpc>
+              <a:spcBef>
+                <a:spcPct val="30000"/>
+              </a:spcBef>
+              <a:spcAft>
+                <a:spcPct val="0"/>
+              </a:spcAft>
+              <a:buClr>
+                <a:schemeClr val="tx1"/>
+              </a:buClr>
+              <a:buSzPct val="100000"/>
+              <a:buChar char="»"/>
+              <a:defRPr b="1">
+                <a:solidFill>
+                  <a:schemeClr val="tx1"/>
+                </a:solidFill>
+                <a:latin typeface="+mn-lt"/>
+                <a:ea typeface="+mn-ea"/>
+              </a:defRPr>
+            </a:lvl3pPr>
+            <a:lvl4pPr marL="1452563" indent="-161925" algn="l" defTabSz="860425" rtl="0" eaLnBrk="1" fontAlgn="base" hangingPunct="1">
+              <a:lnSpc>
+                <a:spcPct val="90000"/>
+              </a:lnSpc>
+              <a:spcBef>
+                <a:spcPct val="30000"/>
+              </a:spcBef>
+              <a:spcAft>
+                <a:spcPct val="0"/>
+              </a:spcAft>
+              <a:buClr>
+                <a:schemeClr val="tx1"/>
+              </a:buClr>
+              <a:buSzPct val="100000"/>
+              <a:buChar char="•"/>
+              <a:defRPr sz="1600" b="1">
+                <a:solidFill>
+                  <a:schemeClr val="tx1"/>
+                </a:solidFill>
+                <a:latin typeface="+mn-lt"/>
+                <a:ea typeface="+mn-ea"/>
+              </a:defRPr>
+            </a:lvl4pPr>
+            <a:lvl5pPr marL="1881188" indent="-161925" algn="l" defTabSz="860425" rtl="0" eaLnBrk="1" fontAlgn="base" hangingPunct="1">
+              <a:lnSpc>
+                <a:spcPct val="90000"/>
+              </a:lnSpc>
+              <a:spcBef>
+                <a:spcPct val="30000"/>
+              </a:spcBef>
+              <a:spcAft>
+                <a:spcPct val="0"/>
+              </a:spcAft>
+              <a:buClr>
+                <a:schemeClr val="tx1"/>
+              </a:buClr>
+              <a:buSzPct val="100000"/>
+              <a:buChar char="–"/>
+              <a:defRPr sz="1400" b="1">
+                <a:solidFill>
+                  <a:schemeClr val="tx1"/>
+                </a:solidFill>
+                <a:latin typeface="+mn-lt"/>
+                <a:ea typeface="+mn-ea"/>
+              </a:defRPr>
+            </a:lvl5pPr>
+            <a:lvl6pPr marL="2338388" indent="-161925" algn="l" defTabSz="860425" rtl="0" eaLnBrk="1" fontAlgn="base" hangingPunct="1">
+              <a:lnSpc>
+                <a:spcPct val="90000"/>
+              </a:lnSpc>
+              <a:spcBef>
+                <a:spcPct val="30000"/>
+              </a:spcBef>
+              <a:spcAft>
+                <a:spcPct val="0"/>
+              </a:spcAft>
+              <a:buClr>
+                <a:schemeClr val="tx1"/>
+              </a:buClr>
+              <a:buSzPct val="100000"/>
+              <a:buChar char="–"/>
+              <a:defRPr sz="1400" b="1">
+                <a:solidFill>
+                  <a:schemeClr val="tx1"/>
+                </a:solidFill>
+                <a:latin typeface="+mn-lt"/>
+                <a:ea typeface="+mn-ea"/>
+              </a:defRPr>
+            </a:lvl6pPr>
+            <a:lvl7pPr marL="2795588" indent="-161925" algn="l" defTabSz="860425" rtl="0" eaLnBrk="1" fontAlgn="base" hangingPunct="1">
+              <a:lnSpc>
+                <a:spcPct val="90000"/>
+              </a:lnSpc>
+              <a:spcBef>
+                <a:spcPct val="30000"/>
+              </a:spcBef>
+              <a:spcAft>
+                <a:spcPct val="0"/>
+              </a:spcAft>
+              <a:buClr>
+                <a:schemeClr val="tx1"/>
+              </a:buClr>
+              <a:buSzPct val="100000"/>
+              <a:buChar char="–"/>
+              <a:defRPr sz="1400" b="1">
+                <a:solidFill>
+                  <a:schemeClr val="tx1"/>
+                </a:solidFill>
+                <a:latin typeface="+mn-lt"/>
+                <a:ea typeface="+mn-ea"/>
+              </a:defRPr>
+            </a:lvl7pPr>
+            <a:lvl8pPr marL="3252788" indent="-161925" algn="l" defTabSz="860425" rtl="0" eaLnBrk="1" fontAlgn="base" hangingPunct="1">
+              <a:lnSpc>
+                <a:spcPct val="90000"/>
+              </a:lnSpc>
+              <a:spcBef>
+                <a:spcPct val="30000"/>
+              </a:spcBef>
+              <a:spcAft>
+                <a:spcPct val="0"/>
+              </a:spcAft>
+              <a:buClr>
+                <a:schemeClr val="tx1"/>
+              </a:buClr>
+              <a:buSzPct val="100000"/>
+              <a:buChar char="–"/>
+              <a:defRPr sz="1400" b="1">
+                <a:solidFill>
+                  <a:schemeClr val="tx1"/>
+                </a:solidFill>
+                <a:latin typeface="+mn-lt"/>
+                <a:ea typeface="+mn-ea"/>
+              </a:defRPr>
+            </a:lvl8pPr>
+            <a:lvl9pPr marL="3709988" indent="-161925" algn="l" defTabSz="860425" rtl="0" eaLnBrk="1" fontAlgn="base" hangingPunct="1">
+              <a:lnSpc>
+                <a:spcPct val="90000"/>
+              </a:lnSpc>
+              <a:spcBef>
+                <a:spcPct val="30000"/>
+              </a:spcBef>
+              <a:spcAft>
+                <a:spcPct val="0"/>
+              </a:spcAft>
+              <a:buClr>
+                <a:schemeClr val="tx1"/>
+              </a:buClr>
+              <a:buSzPct val="100000"/>
+              <a:buChar char="–"/>
+              <a:defRPr sz="1400" b="1">
+                <a:solidFill>
+                  <a:schemeClr val="tx1"/>
+                </a:solidFill>
+                <a:latin typeface="+mn-lt"/>
+                <a:ea typeface="+mn-ea"/>
+              </a:defRPr>
+            </a:lvl9pPr>
+          </a:lstStyle>
+          <a:p>
+            <a:r>
+              <a:rPr lang="en-US" altLang="zh-CN" sz="4000" b="0" kern="0" dirty="0" smtClean="0"/>
+              <a:t>UCSD Model </a:t>
+            </a:r>
+          </a:p>
+        </p:txBody>
+      </p:sp>
+      <p:sp>
+        <p:nvSpPr>
+          <p:cNvPr id="147" name="内容占位符 2"/>
+          <p:cNvSpPr txBox="1">
+            <a:spLocks/>
+          </p:cNvSpPr>
+          <p:nvPr/>
+        </p:nvSpPr>
+        <p:spPr bwMode="auto">
+          <a:xfrm>
+            <a:off x="610253" y="40598053"/>
+            <a:ext cx="5971492" cy="865217"/>
+          </a:xfrm>
+          <a:prstGeom prst="rect">
+            <a:avLst/>
+          </a:prstGeom>
+          <a:noFill/>
+          <a:ln>
+            <a:noFill/>
+          </a:ln>
+          <a:extLst>
+            <a:ext uri="{909E8E84-426E-40DD-AFC4-6F175D3DCCD1}">
+              <a14:hiddenFill xmlns:a14="http://schemas.microsoft.com/office/drawing/2010/main">
+                <a:solidFill>
+                  <a:srgbClr val="FFFFFF"/>
+                </a:solidFill>
+              </a14:hiddenFill>
+            </a:ext>
+            <a:ext uri="{91240B29-F687-4F45-9708-019B960494DF}">
+              <a14:hiddenLine xmlns:a14="http://schemas.microsoft.com/office/drawing/2010/main" w="9525">
+                <a:solidFill>
+                  <a:srgbClr val="000000"/>
+                </a:solidFill>
+                <a:miter lim="800000"/>
+                <a:headEnd/>
+                <a:tailEnd/>
+              </a14:hiddenLine>
+            </a:ext>
+          </a:extLst>
+        </p:spPr>
+        <p:txBody>
+          <a:bodyPr vert="horz" wrap="square" lIns="85717" tIns="42858" rIns="85717" bIns="42858" numCol="1" anchor="t" anchorCtr="0" compatLnSpc="1">
+            <a:prstTxWarp prst="textNoShape">
+              <a:avLst/>
+            </a:prstTxWarp>
+          </a:bodyPr>
+          <a:lstStyle>
+            <a:lvl1pPr marL="269875" indent="-269875" algn="l" defTabSz="860425" rtl="0" eaLnBrk="1" fontAlgn="base" hangingPunct="1">
+              <a:lnSpc>
+                <a:spcPct val="90000"/>
+              </a:lnSpc>
+              <a:spcBef>
+                <a:spcPct val="30000"/>
+              </a:spcBef>
+              <a:spcAft>
+                <a:spcPct val="0"/>
+              </a:spcAft>
+              <a:buClr>
+                <a:schemeClr val="tx1"/>
+              </a:buClr>
+              <a:buSzPct val="100000"/>
+              <a:buChar char="•"/>
+              <a:defRPr sz="2800" b="1">
+                <a:solidFill>
+                  <a:schemeClr val="tx1"/>
+                </a:solidFill>
+                <a:latin typeface="+mn-lt"/>
+                <a:ea typeface="+mn-ea"/>
+                <a:cs typeface="+mn-cs"/>
+              </a:defRPr>
+            </a:lvl1pPr>
+            <a:lvl2pPr marL="644525" indent="-214313" algn="l" defTabSz="860425" rtl="0" eaLnBrk="1" fontAlgn="base" hangingPunct="1">
+              <a:lnSpc>
+                <a:spcPct val="90000"/>
+              </a:lnSpc>
+              <a:spcBef>
+                <a:spcPct val="30000"/>
+              </a:spcBef>
+              <a:spcAft>
+                <a:spcPct val="0"/>
+              </a:spcAft>
+              <a:buClr>
+                <a:schemeClr val="tx1"/>
+              </a:buClr>
+              <a:buSzPct val="100000"/>
+              <a:buChar char="–"/>
+              <a:defRPr sz="2400" b="1">
+                <a:solidFill>
+                  <a:schemeClr val="tx1"/>
+                </a:solidFill>
+                <a:latin typeface="+mn-lt"/>
+                <a:ea typeface="+mn-ea"/>
+              </a:defRPr>
+            </a:lvl2pPr>
+            <a:lvl3pPr marL="1074738" indent="-214313" algn="l" defTabSz="860425" rtl="0" eaLnBrk="1" fontAlgn="base" hangingPunct="1">
+              <a:lnSpc>
+                <a:spcPct val="90000"/>
+              </a:lnSpc>
+              <a:spcBef>
+                <a:spcPct val="30000"/>
+              </a:spcBef>
+              <a:spcAft>
+                <a:spcPct val="0"/>
+              </a:spcAft>
+              <a:buClr>
+                <a:schemeClr val="tx1"/>
+              </a:buClr>
+              <a:buSzPct val="100000"/>
+              <a:buChar char="»"/>
+              <a:defRPr b="1">
+                <a:solidFill>
+                  <a:schemeClr val="tx1"/>
+                </a:solidFill>
+                <a:latin typeface="+mn-lt"/>
+                <a:ea typeface="+mn-ea"/>
+              </a:defRPr>
+            </a:lvl3pPr>
+            <a:lvl4pPr marL="1452563" indent="-161925" algn="l" defTabSz="860425" rtl="0" eaLnBrk="1" fontAlgn="base" hangingPunct="1">
+              <a:lnSpc>
+                <a:spcPct val="90000"/>
+              </a:lnSpc>
+              <a:spcBef>
+                <a:spcPct val="30000"/>
+              </a:spcBef>
+              <a:spcAft>
+                <a:spcPct val="0"/>
+              </a:spcAft>
+              <a:buClr>
+                <a:schemeClr val="tx1"/>
+              </a:buClr>
+              <a:buSzPct val="100000"/>
+              <a:buChar char="•"/>
+              <a:defRPr sz="1600" b="1">
+                <a:solidFill>
+                  <a:schemeClr val="tx1"/>
+                </a:solidFill>
+                <a:latin typeface="+mn-lt"/>
+                <a:ea typeface="+mn-ea"/>
+              </a:defRPr>
+            </a:lvl4pPr>
+            <a:lvl5pPr marL="1881188" indent="-161925" algn="l" defTabSz="860425" rtl="0" eaLnBrk="1" fontAlgn="base" hangingPunct="1">
+              <a:lnSpc>
+                <a:spcPct val="90000"/>
+              </a:lnSpc>
+              <a:spcBef>
+                <a:spcPct val="30000"/>
+              </a:spcBef>
+              <a:spcAft>
+                <a:spcPct val="0"/>
+              </a:spcAft>
+              <a:buClr>
+                <a:schemeClr val="tx1"/>
+              </a:buClr>
+              <a:buSzPct val="100000"/>
+              <a:buChar char="–"/>
+              <a:defRPr sz="1400" b="1">
+                <a:solidFill>
+                  <a:schemeClr val="tx1"/>
+                </a:solidFill>
+                <a:latin typeface="+mn-lt"/>
+                <a:ea typeface="+mn-ea"/>
+              </a:defRPr>
+            </a:lvl5pPr>
+            <a:lvl6pPr marL="2338388" indent="-161925" algn="l" defTabSz="860425" rtl="0" eaLnBrk="1" fontAlgn="base" hangingPunct="1">
+              <a:lnSpc>
+                <a:spcPct val="90000"/>
+              </a:lnSpc>
+              <a:spcBef>
+                <a:spcPct val="30000"/>
+              </a:spcBef>
+              <a:spcAft>
+                <a:spcPct val="0"/>
+              </a:spcAft>
+              <a:buClr>
+                <a:schemeClr val="tx1"/>
+              </a:buClr>
+              <a:buSzPct val="100000"/>
+              <a:buChar char="–"/>
+              <a:defRPr sz="1400" b="1">
+                <a:solidFill>
+                  <a:schemeClr val="tx1"/>
+                </a:solidFill>
+                <a:latin typeface="+mn-lt"/>
+                <a:ea typeface="+mn-ea"/>
+              </a:defRPr>
+            </a:lvl6pPr>
+            <a:lvl7pPr marL="2795588" indent="-161925" algn="l" defTabSz="860425" rtl="0" eaLnBrk="1" fontAlgn="base" hangingPunct="1">
+              <a:lnSpc>
+                <a:spcPct val="90000"/>
+              </a:lnSpc>
+              <a:spcBef>
+                <a:spcPct val="30000"/>
+              </a:spcBef>
+              <a:spcAft>
+                <a:spcPct val="0"/>
+              </a:spcAft>
+              <a:buClr>
+                <a:schemeClr val="tx1"/>
+              </a:buClr>
+              <a:buSzPct val="100000"/>
+              <a:buChar char="–"/>
+              <a:defRPr sz="1400" b="1">
+                <a:solidFill>
+                  <a:schemeClr val="tx1"/>
+                </a:solidFill>
+                <a:latin typeface="+mn-lt"/>
+                <a:ea typeface="+mn-ea"/>
+              </a:defRPr>
+            </a:lvl7pPr>
+            <a:lvl8pPr marL="3252788" indent="-161925" algn="l" defTabSz="860425" rtl="0" eaLnBrk="1" fontAlgn="base" hangingPunct="1">
+              <a:lnSpc>
+                <a:spcPct val="90000"/>
+              </a:lnSpc>
+              <a:spcBef>
+                <a:spcPct val="30000"/>
+              </a:spcBef>
+              <a:spcAft>
+                <a:spcPct val="0"/>
+              </a:spcAft>
+              <a:buClr>
+                <a:schemeClr val="tx1"/>
+              </a:buClr>
+              <a:buSzPct val="100000"/>
+              <a:buChar char="–"/>
+              <a:defRPr sz="1400" b="1">
+                <a:solidFill>
+                  <a:schemeClr val="tx1"/>
+                </a:solidFill>
+                <a:latin typeface="+mn-lt"/>
+                <a:ea typeface="+mn-ea"/>
+              </a:defRPr>
+            </a:lvl8pPr>
+            <a:lvl9pPr marL="3709988" indent="-161925" algn="l" defTabSz="860425" rtl="0" eaLnBrk="1" fontAlgn="base" hangingPunct="1">
+              <a:lnSpc>
+                <a:spcPct val="90000"/>
+              </a:lnSpc>
+              <a:spcBef>
+                <a:spcPct val="30000"/>
+              </a:spcBef>
+              <a:spcAft>
+                <a:spcPct val="0"/>
+              </a:spcAft>
+              <a:buClr>
+                <a:schemeClr val="tx1"/>
+              </a:buClr>
+              <a:buSzPct val="100000"/>
+              <a:buChar char="–"/>
+              <a:defRPr sz="1400" b="1">
+                <a:solidFill>
+                  <a:schemeClr val="tx1"/>
+                </a:solidFill>
+                <a:latin typeface="+mn-lt"/>
+                <a:ea typeface="+mn-ea"/>
+              </a:defRPr>
+            </a:lvl9pPr>
+          </a:lstStyle>
+          <a:p>
+            <a:r>
+              <a:rPr lang="en-US" altLang="zh-CN" sz="4000" b="0" kern="0" dirty="0" smtClean="0"/>
+              <a:t>BUPT</a:t>
+            </a:r>
+            <a:r>
+              <a:rPr lang="en-US" altLang="zh-CN" sz="4000" b="0" kern="0" dirty="0" smtClean="0"/>
+              <a:t> </a:t>
+            </a:r>
+            <a:r>
+              <a:rPr lang="en-US" altLang="zh-CN" sz="4000" b="0" kern="0" dirty="0" smtClean="0"/>
+              <a:t>Model </a:t>
+            </a:r>
+          </a:p>
+        </p:txBody>
+      </p:sp>
+      <p:pic>
+        <p:nvPicPr>
+          <p:cNvPr id="148" name="Picture 17"/>
+          <p:cNvPicPr>
+            <a:picLocks noChangeAspect="1" noChangeArrowheads="1"/>
+          </p:cNvPicPr>
+          <p:nvPr/>
+        </p:nvPicPr>
+        <p:blipFill rotWithShape="1">
+          <a:blip r:embed="rId24">
+            <a:clrChange>
+              <a:clrFrom>
+                <a:srgbClr val="FFFFFF"/>
+              </a:clrFrom>
+              <a:clrTo>
+                <a:srgbClr val="FFFFFF">
+                  <a:alpha val="0"/>
+                </a:srgbClr>
+              </a:clrTo>
+            </a:clrChange>
+            <a:extLst>
+              <a:ext uri="{28A0092B-C50C-407E-A947-70E740481C1C}">
+                <a14:useLocalDpi xmlns:a14="http://schemas.microsoft.com/office/drawing/2010/main" val="0"/>
+              </a:ext>
+            </a:extLst>
+          </a:blip>
+          <a:srcRect l="3891" t="3229" r="2344" b="2526"/>
+          <a:stretch/>
+        </p:blipFill>
+        <p:spPr bwMode="auto">
+          <a:xfrm>
+            <a:off x="27406619" y="8194453"/>
+            <a:ext cx="5544000" cy="4184469"/>
+          </a:xfrm>
+          <a:prstGeom prst="rect">
+            <a:avLst/>
+          </a:prstGeom>
+          <a:noFill/>
+          <a:ln>
+            <a:noFill/>
+          </a:ln>
+          <a:extLst>
+            <a:ext uri="{909E8E84-426E-40DD-AFC4-6F175D3DCCD1}">
+              <a14:hiddenFill xmlns:a14="http://schemas.microsoft.com/office/drawing/2010/main">
+                <a:solidFill>
+                  <a:srgbClr val="FFFFFF"/>
+                </a:solidFill>
+              </a14:hiddenFill>
+            </a:ext>
+            <a:ext uri="{91240B29-F687-4F45-9708-019B960494DF}">
+              <a14:hiddenLine xmlns:a14="http://schemas.microsoft.com/office/drawing/2010/main" w="9525">
+                <a:solidFill>
+                  <a:srgbClr val="000000"/>
+                </a:solidFill>
+                <a:miter lim="800000"/>
+                <a:headEnd/>
+                <a:tailEnd/>
+              </a14:hiddenLine>
+            </a:ext>
+          </a:extLst>
+        </p:spPr>
+      </p:pic>
+      <p:sp>
+        <p:nvSpPr>
+          <p:cNvPr id="149" name="内容占位符 5"/>
+          <p:cNvSpPr txBox="1">
+            <a:spLocks/>
+          </p:cNvSpPr>
+          <p:nvPr/>
+        </p:nvSpPr>
+        <p:spPr bwMode="auto">
+          <a:xfrm>
+            <a:off x="16460787" y="6970317"/>
+            <a:ext cx="16406340" cy="1262037"/>
+          </a:xfrm>
+          <a:prstGeom prst="rect">
+            <a:avLst/>
+          </a:prstGeom>
+          <a:noFill/>
+          <a:ln>
+            <a:noFill/>
+          </a:ln>
+          <a:extLst>
+            <a:ext uri="{909E8E84-426E-40DD-AFC4-6F175D3DCCD1}">
+              <a14:hiddenFill xmlns:a14="http://schemas.microsoft.com/office/drawing/2010/main">
+                <a:solidFill>
+                  <a:srgbClr val="FFFFFF"/>
+                </a:solidFill>
+              </a14:hiddenFill>
+            </a:ext>
+            <a:ext uri="{91240B29-F687-4F45-9708-019B960494DF}">
+              <a14:hiddenLine xmlns:a14="http://schemas.microsoft.com/office/drawing/2010/main" w="9525">
+                <a:solidFill>
+                  <a:srgbClr val="000000"/>
+                </a:solidFill>
+                <a:miter lim="800000"/>
+                <a:headEnd/>
+                <a:tailEnd/>
+              </a14:hiddenLine>
+            </a:ext>
+          </a:extLst>
+        </p:spPr>
+        <p:txBody>
+          <a:bodyPr vert="horz" wrap="square" lIns="85717" tIns="42858" rIns="85717" bIns="42858" numCol="1" anchor="t" anchorCtr="0" compatLnSpc="1">
+            <a:prstTxWarp prst="textNoShape">
+              <a:avLst/>
+            </a:prstTxWarp>
+          </a:bodyPr>
+          <a:lstStyle>
+            <a:lvl1pPr marL="269875" indent="-269875" algn="l" defTabSz="860425" rtl="0" eaLnBrk="1" fontAlgn="base" hangingPunct="1">
+              <a:lnSpc>
+                <a:spcPct val="90000"/>
+              </a:lnSpc>
+              <a:spcBef>
+                <a:spcPct val="30000"/>
+              </a:spcBef>
+              <a:spcAft>
+                <a:spcPct val="0"/>
+              </a:spcAft>
+              <a:buClr>
+                <a:schemeClr val="tx1"/>
+              </a:buClr>
+              <a:buSzPct val="100000"/>
+              <a:buChar char="•"/>
+              <a:defRPr sz="2800" b="1">
+                <a:solidFill>
+                  <a:schemeClr val="tx1"/>
+                </a:solidFill>
+                <a:latin typeface="+mn-lt"/>
+                <a:ea typeface="+mn-ea"/>
+                <a:cs typeface="+mn-cs"/>
+              </a:defRPr>
+            </a:lvl1pPr>
+            <a:lvl2pPr marL="644525" indent="-214313" algn="l" defTabSz="860425" rtl="0" eaLnBrk="1" fontAlgn="base" hangingPunct="1">
+              <a:lnSpc>
+                <a:spcPct val="90000"/>
+              </a:lnSpc>
+              <a:spcBef>
+                <a:spcPct val="30000"/>
+              </a:spcBef>
+              <a:spcAft>
+                <a:spcPct val="0"/>
+              </a:spcAft>
+              <a:buClr>
+                <a:schemeClr val="tx1"/>
+              </a:buClr>
+              <a:buSzPct val="100000"/>
+              <a:buChar char="–"/>
+              <a:defRPr sz="2400" b="1">
+                <a:solidFill>
+                  <a:schemeClr val="tx1"/>
+                </a:solidFill>
+                <a:latin typeface="+mn-lt"/>
+                <a:ea typeface="+mn-ea"/>
+              </a:defRPr>
+            </a:lvl2pPr>
+            <a:lvl3pPr marL="1074738" indent="-214313" algn="l" defTabSz="860425" rtl="0" eaLnBrk="1" fontAlgn="base" hangingPunct="1">
+              <a:lnSpc>
+                <a:spcPct val="90000"/>
+              </a:lnSpc>
+              <a:spcBef>
+                <a:spcPct val="30000"/>
+              </a:spcBef>
+              <a:spcAft>
+                <a:spcPct val="0"/>
+              </a:spcAft>
+              <a:buClr>
+                <a:schemeClr val="tx1"/>
+              </a:buClr>
+              <a:buSzPct val="100000"/>
+              <a:buChar char="»"/>
+              <a:defRPr b="1">
+                <a:solidFill>
+                  <a:schemeClr val="tx1"/>
+                </a:solidFill>
+                <a:latin typeface="+mn-lt"/>
+                <a:ea typeface="+mn-ea"/>
+              </a:defRPr>
+            </a:lvl3pPr>
+            <a:lvl4pPr marL="1452563" indent="-161925" algn="l" defTabSz="860425" rtl="0" eaLnBrk="1" fontAlgn="base" hangingPunct="1">
+              <a:lnSpc>
+                <a:spcPct val="90000"/>
+              </a:lnSpc>
+              <a:spcBef>
+                <a:spcPct val="30000"/>
+              </a:spcBef>
+              <a:spcAft>
+                <a:spcPct val="0"/>
+              </a:spcAft>
+              <a:buClr>
+                <a:schemeClr val="tx1"/>
+              </a:buClr>
+              <a:buSzPct val="100000"/>
+              <a:buChar char="•"/>
+              <a:defRPr sz="1600" b="1">
+                <a:solidFill>
+                  <a:schemeClr val="tx1"/>
+                </a:solidFill>
+                <a:latin typeface="+mn-lt"/>
+                <a:ea typeface="+mn-ea"/>
+              </a:defRPr>
+            </a:lvl4pPr>
+            <a:lvl5pPr marL="1881188" indent="-161925" algn="l" defTabSz="860425" rtl="0" eaLnBrk="1" fontAlgn="base" hangingPunct="1">
+              <a:lnSpc>
+                <a:spcPct val="90000"/>
+              </a:lnSpc>
+              <a:spcBef>
+                <a:spcPct val="30000"/>
+              </a:spcBef>
+              <a:spcAft>
+                <a:spcPct val="0"/>
+              </a:spcAft>
+              <a:buClr>
+                <a:schemeClr val="tx1"/>
+              </a:buClr>
+              <a:buSzPct val="100000"/>
+              <a:buChar char="–"/>
+              <a:defRPr sz="1400" b="1">
+                <a:solidFill>
+                  <a:schemeClr val="tx1"/>
+                </a:solidFill>
+                <a:latin typeface="+mn-lt"/>
+                <a:ea typeface="+mn-ea"/>
+              </a:defRPr>
+            </a:lvl5pPr>
+            <a:lvl6pPr marL="2338388" indent="-161925" algn="l" defTabSz="860425" rtl="0" eaLnBrk="1" fontAlgn="base" hangingPunct="1">
+              <a:lnSpc>
+                <a:spcPct val="90000"/>
+              </a:lnSpc>
+              <a:spcBef>
+                <a:spcPct val="30000"/>
+              </a:spcBef>
+              <a:spcAft>
+                <a:spcPct val="0"/>
+              </a:spcAft>
+              <a:buClr>
+                <a:schemeClr val="tx1"/>
+              </a:buClr>
+              <a:buSzPct val="100000"/>
+              <a:buChar char="–"/>
+              <a:defRPr sz="1400" b="1">
+                <a:solidFill>
+                  <a:schemeClr val="tx1"/>
+                </a:solidFill>
+                <a:latin typeface="+mn-lt"/>
+                <a:ea typeface="+mn-ea"/>
+              </a:defRPr>
+            </a:lvl6pPr>
+            <a:lvl7pPr marL="2795588" indent="-161925" algn="l" defTabSz="860425" rtl="0" eaLnBrk="1" fontAlgn="base" hangingPunct="1">
+              <a:lnSpc>
+                <a:spcPct val="90000"/>
+              </a:lnSpc>
+              <a:spcBef>
+                <a:spcPct val="30000"/>
+              </a:spcBef>
+              <a:spcAft>
+                <a:spcPct val="0"/>
+              </a:spcAft>
+              <a:buClr>
+                <a:schemeClr val="tx1"/>
+              </a:buClr>
+              <a:buSzPct val="100000"/>
+              <a:buChar char="–"/>
+              <a:defRPr sz="1400" b="1">
+                <a:solidFill>
+                  <a:schemeClr val="tx1"/>
+                </a:solidFill>
+                <a:latin typeface="+mn-lt"/>
+                <a:ea typeface="+mn-ea"/>
+              </a:defRPr>
+            </a:lvl7pPr>
+            <a:lvl8pPr marL="3252788" indent="-161925" algn="l" defTabSz="860425" rtl="0" eaLnBrk="1" fontAlgn="base" hangingPunct="1">
+              <a:lnSpc>
+                <a:spcPct val="90000"/>
+              </a:lnSpc>
+              <a:spcBef>
+                <a:spcPct val="30000"/>
+              </a:spcBef>
+              <a:spcAft>
+                <a:spcPct val="0"/>
+              </a:spcAft>
+              <a:buClr>
+                <a:schemeClr val="tx1"/>
+              </a:buClr>
+              <a:buSzPct val="100000"/>
+              <a:buChar char="–"/>
+              <a:defRPr sz="1400" b="1">
+                <a:solidFill>
+                  <a:schemeClr val="tx1"/>
+                </a:solidFill>
+                <a:latin typeface="+mn-lt"/>
+                <a:ea typeface="+mn-ea"/>
+              </a:defRPr>
+            </a:lvl8pPr>
+            <a:lvl9pPr marL="3709988" indent="-161925" algn="l" defTabSz="860425" rtl="0" eaLnBrk="1" fontAlgn="base" hangingPunct="1">
+              <a:lnSpc>
+                <a:spcPct val="90000"/>
+              </a:lnSpc>
+              <a:spcBef>
+                <a:spcPct val="30000"/>
+              </a:spcBef>
+              <a:spcAft>
+                <a:spcPct val="0"/>
+              </a:spcAft>
+              <a:buClr>
+                <a:schemeClr val="tx1"/>
+              </a:buClr>
+              <a:buSzPct val="100000"/>
+              <a:buChar char="–"/>
+              <a:defRPr sz="1400" b="1">
+                <a:solidFill>
+                  <a:schemeClr val="tx1"/>
+                </a:solidFill>
+                <a:latin typeface="+mn-lt"/>
+                <a:ea typeface="+mn-ea"/>
+              </a:defRPr>
+            </a:lvl9pPr>
+          </a:lstStyle>
+          <a:p>
+            <a:pPr>
+              <a:buFont typeface="Arial" charset="0"/>
+              <a:buChar char="•"/>
+            </a:pPr>
+            <a:r>
+              <a:rPr lang="en-US" altLang="zh-CN" sz="4400" kern="0" dirty="0"/>
+              <a:t>Performance analysis</a:t>
+            </a:r>
+          </a:p>
+        </p:txBody>
+      </p:sp>
+      <p:sp>
+        <p:nvSpPr>
+          <p:cNvPr id="150" name="TextBox 19"/>
+          <p:cNvSpPr txBox="1"/>
+          <p:nvPr/>
+        </p:nvSpPr>
+        <p:spPr>
+          <a:xfrm>
+            <a:off x="16650409" y="12442925"/>
+            <a:ext cx="6723146" cy="1754326"/>
+          </a:xfrm>
+          <a:prstGeom prst="rect">
+            <a:avLst/>
+          </a:prstGeom>
+          <a:noFill/>
+        </p:spPr>
+        <p:txBody>
+          <a:bodyPr wrap="square" rtlCol="0">
+            <a:spAutoFit/>
+          </a:bodyPr>
+          <a:lstStyle/>
+          <a:p>
+            <a:r>
+              <a:rPr lang="en-US" altLang="zh-CN" sz="3600" dirty="0" smtClean="0"/>
+              <a:t>PCC </a:t>
+            </a:r>
+            <a:r>
+              <a:rPr lang="en-US" altLang="zh-CN" sz="3600" dirty="0"/>
+              <a:t>: </a:t>
+            </a:r>
+            <a:r>
+              <a:rPr lang="en-US" altLang="zh-CN" sz="3600" dirty="0" smtClean="0">
+                <a:solidFill>
+                  <a:srgbClr val="FF0000"/>
+                </a:solidFill>
+              </a:rPr>
+              <a:t>0.9251  </a:t>
+            </a:r>
+            <a:r>
+              <a:rPr lang="en-US" altLang="zh-CN" sz="3600" dirty="0"/>
+              <a:t>MSE : </a:t>
+            </a:r>
+            <a:r>
+              <a:rPr lang="en-US" altLang="zh-CN" sz="3600" dirty="0" smtClean="0">
+                <a:solidFill>
+                  <a:srgbClr val="FF0000"/>
+                </a:solidFill>
+              </a:rPr>
+              <a:t>0.0536</a:t>
+            </a:r>
+            <a:endParaRPr lang="zh-CN" altLang="en-US" sz="3600" dirty="0" smtClean="0">
+              <a:solidFill>
+                <a:srgbClr val="FF0000"/>
+              </a:solidFill>
+            </a:endParaRPr>
+          </a:p>
+          <a:p>
+            <a:r>
+              <a:rPr lang="en-US" altLang="zh-CN" sz="3600" dirty="0" smtClean="0"/>
+              <a:t>Performance is improved, even better in low motion scenario.</a:t>
+            </a:r>
+          </a:p>
+        </p:txBody>
+      </p:sp>
+      <p:grpSp>
+        <p:nvGrpSpPr>
+          <p:cNvPr id="151" name="组合 150"/>
+          <p:cNvGrpSpPr>
+            <a:grpSpLocks noChangeAspect="1"/>
+          </p:cNvGrpSpPr>
+          <p:nvPr/>
+        </p:nvGrpSpPr>
+        <p:grpSpPr>
+          <a:xfrm>
+            <a:off x="22005401" y="8050436"/>
+            <a:ext cx="5707689" cy="4464000"/>
+            <a:chOff x="467544" y="1844824"/>
+            <a:chExt cx="2610296" cy="2340000"/>
+          </a:xfrm>
+        </p:grpSpPr>
+        <p:pic>
+          <p:nvPicPr>
+            <p:cNvPr id="152" name="Picture 4"/>
+            <p:cNvPicPr>
+              <a:picLocks noChangeAspect="1" noChangeArrowheads="1"/>
+            </p:cNvPicPr>
+            <p:nvPr/>
+          </p:nvPicPr>
+          <p:blipFill>
+            <a:blip r:embed="rId25" cstate="print"/>
+            <a:srcRect/>
+            <a:stretch>
+              <a:fillRect/>
+            </a:stretch>
+          </p:blipFill>
+          <p:spPr bwMode="auto">
+            <a:xfrm>
+              <a:off x="467544" y="1844824"/>
+              <a:ext cx="2610296" cy="2340000"/>
+            </a:xfrm>
+            <a:prstGeom prst="rect">
+              <a:avLst/>
+            </a:prstGeom>
+            <a:noFill/>
+            <a:ln w="9525">
+              <a:noFill/>
+              <a:miter lim="800000"/>
+              <a:headEnd/>
+              <a:tailEnd/>
+            </a:ln>
+            <a:effectLst/>
+          </p:spPr>
+        </p:pic>
+        <p:cxnSp>
+          <p:nvCxnSpPr>
+            <p:cNvPr id="153" name="Straight Connector 5"/>
+            <p:cNvCxnSpPr/>
+            <p:nvPr/>
+          </p:nvCxnSpPr>
+          <p:spPr>
+            <a:xfrm flipV="1">
+              <a:off x="791808" y="2025056"/>
+              <a:ext cx="2016000" cy="1908000"/>
+            </a:xfrm>
+            <a:prstGeom prst="line">
+              <a:avLst/>
+            </a:prstGeom>
+          </p:spPr>
+          <p:style>
+            <a:lnRef idx="1">
+              <a:schemeClr val="accent1"/>
+            </a:lnRef>
+            <a:fillRef idx="0">
+              <a:schemeClr val="accent1"/>
+            </a:fillRef>
+            <a:effectRef idx="0">
+              <a:schemeClr val="accent1"/>
+            </a:effectRef>
+            <a:fontRef idx="minor">
+              <a:schemeClr val="tx1"/>
+            </a:fontRef>
+          </p:style>
+        </p:cxnSp>
+      </p:grpSp>
+      <p:sp>
+        <p:nvSpPr>
+          <p:cNvPr id="154" name="TextBox 20"/>
+          <p:cNvSpPr txBox="1"/>
+          <p:nvPr/>
+        </p:nvSpPr>
+        <p:spPr>
+          <a:xfrm>
+            <a:off x="22761844" y="12366849"/>
+            <a:ext cx="5796080" cy="2308324"/>
+          </a:xfrm>
+          <a:prstGeom prst="rect">
+            <a:avLst/>
+          </a:prstGeom>
+          <a:noFill/>
+        </p:spPr>
+        <p:txBody>
+          <a:bodyPr wrap="square" rtlCol="0">
+            <a:spAutoFit/>
+          </a:bodyPr>
+          <a:lstStyle/>
+          <a:p>
+            <a:r>
+              <a:rPr lang="en-US" altLang="zh-CN" sz="3600" kern="0" dirty="0">
+                <a:solidFill>
+                  <a:srgbClr val="000000"/>
+                </a:solidFill>
+                <a:ea typeface="+mn-ea"/>
+                <a:cs typeface="Calibri" panose="020F0502020204030204" pitchFamily="34" charset="0"/>
+              </a:rPr>
+              <a:t>Result of </a:t>
+            </a:r>
+            <a:r>
+              <a:rPr lang="en-US" altLang="zh-CN" sz="3600" kern="0" dirty="0" smtClean="0">
+                <a:solidFill>
+                  <a:srgbClr val="000000"/>
+                </a:solidFill>
+                <a:ea typeface="+mn-ea"/>
+                <a:cs typeface="Calibri" panose="020F0502020204030204" pitchFamily="34" charset="0"/>
+              </a:rPr>
+              <a:t>UCSD Model</a:t>
+            </a:r>
+          </a:p>
+          <a:p>
+            <a:r>
+              <a:rPr lang="en-US" altLang="zh-CN" sz="3600" kern="0" dirty="0" smtClean="0">
+                <a:solidFill>
+                  <a:srgbClr val="000000"/>
+                </a:solidFill>
+                <a:ea typeface="+mn-ea"/>
+                <a:cs typeface="Calibri" panose="020F0502020204030204" pitchFamily="34" charset="0"/>
+              </a:rPr>
+              <a:t>(Provide</a:t>
+            </a:r>
+            <a:r>
+              <a:rPr lang="en-US" altLang="zh-CN" sz="3600" kern="0" dirty="0" smtClean="0">
+                <a:solidFill>
+                  <a:srgbClr val="000000"/>
+                </a:solidFill>
+                <a:cs typeface="Calibri" panose="020F0502020204030204" pitchFamily="34" charset="0"/>
+              </a:rPr>
+              <a:t>d by UCSD</a:t>
+            </a:r>
+            <a:r>
+              <a:rPr lang="en-US" altLang="zh-CN" sz="3600" kern="0" dirty="0" smtClean="0">
+                <a:solidFill>
+                  <a:srgbClr val="000000"/>
+                </a:solidFill>
+                <a:ea typeface="+mn-ea"/>
+                <a:cs typeface="Calibri" panose="020F0502020204030204" pitchFamily="34" charset="0"/>
+              </a:rPr>
+              <a:t>)</a:t>
+            </a:r>
+            <a:endParaRPr lang="en-US" altLang="zh-CN" sz="3600" kern="0" dirty="0">
+              <a:solidFill>
+                <a:srgbClr val="000000"/>
+              </a:solidFill>
+              <a:ea typeface="+mn-ea"/>
+              <a:cs typeface="Calibri" panose="020F0502020204030204" pitchFamily="34" charset="0"/>
+            </a:endParaRPr>
+          </a:p>
+          <a:p>
+            <a:r>
+              <a:rPr lang="en-US" altLang="zh-CN" sz="3600" kern="0" dirty="0">
+                <a:solidFill>
+                  <a:srgbClr val="000000"/>
+                </a:solidFill>
+                <a:ea typeface="+mn-ea"/>
+                <a:cs typeface="Calibri" panose="020F0502020204030204" pitchFamily="34" charset="0"/>
+              </a:rPr>
+              <a:t>PCC </a:t>
+            </a:r>
+            <a:r>
+              <a:rPr lang="en-US" altLang="zh-CN" sz="3600" kern="0" dirty="0">
+                <a:ea typeface="+mn-ea"/>
+                <a:cs typeface="Calibri" panose="020F0502020204030204" pitchFamily="34" charset="0"/>
+              </a:rPr>
+              <a:t>: 0.91</a:t>
+            </a:r>
+          </a:p>
+          <a:p>
+            <a:r>
+              <a:rPr lang="en-US" altLang="zh-CN" sz="3600" kern="0" dirty="0">
+                <a:ea typeface="+mn-ea"/>
+                <a:cs typeface="Calibri" panose="020F0502020204030204" pitchFamily="34" charset="0"/>
+              </a:rPr>
+              <a:t>MSE : 0.082</a:t>
+            </a:r>
+            <a:endParaRPr lang="zh-CN" altLang="en-US" sz="3600" kern="0" dirty="0">
+              <a:ea typeface="+mn-ea"/>
+              <a:cs typeface="Calibri" panose="020F0502020204030204" pitchFamily="34" charset="0"/>
+            </a:endParaRPr>
+          </a:p>
+        </p:txBody>
+      </p:sp>
+      <p:sp>
+        <p:nvSpPr>
+          <p:cNvPr id="155" name="TextBox 19"/>
+          <p:cNvSpPr txBox="1"/>
+          <p:nvPr/>
+        </p:nvSpPr>
+        <p:spPr>
+          <a:xfrm>
+            <a:off x="28342121" y="12366849"/>
+            <a:ext cx="4536490" cy="2308324"/>
+          </a:xfrm>
+          <a:prstGeom prst="rect">
+            <a:avLst/>
+          </a:prstGeom>
+          <a:noFill/>
+        </p:spPr>
+        <p:txBody>
+          <a:bodyPr wrap="square" rtlCol="0">
+            <a:spAutoFit/>
+          </a:bodyPr>
+          <a:lstStyle/>
+          <a:p>
+            <a:r>
+              <a:rPr lang="en-US" altLang="zh-CN" sz="3600" kern="0" dirty="0" smtClean="0">
+                <a:solidFill>
+                  <a:srgbClr val="000000"/>
+                </a:solidFill>
+                <a:cs typeface="Calibri" panose="020F0502020204030204" pitchFamily="34" charset="0"/>
+              </a:rPr>
+              <a:t>Our </a:t>
+            </a:r>
+            <a:r>
+              <a:rPr lang="en-US" altLang="zh-CN" sz="3600" kern="0" dirty="0" smtClean="0">
+                <a:solidFill>
+                  <a:srgbClr val="000000"/>
+                </a:solidFill>
+                <a:ea typeface="+mn-ea"/>
+                <a:cs typeface="Calibri" panose="020F0502020204030204" pitchFamily="34" charset="0"/>
+              </a:rPr>
+              <a:t>Validation Result of UCSD Model </a:t>
+            </a:r>
+          </a:p>
+          <a:p>
+            <a:r>
+              <a:rPr lang="en-US" altLang="zh-CN" sz="3600" kern="0" dirty="0" smtClean="0">
+                <a:solidFill>
+                  <a:srgbClr val="000000"/>
+                </a:solidFill>
+                <a:ea typeface="+mn-ea"/>
+                <a:cs typeface="Calibri" panose="020F0502020204030204" pitchFamily="34" charset="0"/>
+              </a:rPr>
+              <a:t>PCC </a:t>
+            </a:r>
+            <a:r>
+              <a:rPr lang="en-US" altLang="zh-CN" sz="3600" kern="0" dirty="0">
+                <a:solidFill>
+                  <a:srgbClr val="000000"/>
+                </a:solidFill>
+                <a:ea typeface="+mn-ea"/>
+                <a:cs typeface="Calibri" panose="020F0502020204030204" pitchFamily="34" charset="0"/>
+              </a:rPr>
+              <a:t>: </a:t>
+            </a:r>
+            <a:r>
+              <a:rPr lang="en-US" altLang="zh-CN" sz="3600" kern="0" dirty="0" smtClean="0">
+                <a:solidFill>
+                  <a:srgbClr val="FF0000"/>
+                </a:solidFill>
+                <a:ea typeface="+mn-ea"/>
+                <a:cs typeface="Calibri" panose="020F0502020204030204" pitchFamily="34" charset="0"/>
+              </a:rPr>
+              <a:t>0.7811</a:t>
+            </a:r>
+            <a:endParaRPr lang="en-US" altLang="zh-CN" sz="3600" kern="0" dirty="0">
+              <a:solidFill>
+                <a:srgbClr val="FF0000"/>
+              </a:solidFill>
+              <a:ea typeface="+mn-ea"/>
+              <a:cs typeface="Calibri" panose="020F0502020204030204" pitchFamily="34" charset="0"/>
+            </a:endParaRPr>
+          </a:p>
+          <a:p>
+            <a:r>
+              <a:rPr lang="en-US" altLang="zh-CN" sz="3600" kern="0" dirty="0" smtClean="0">
+                <a:solidFill>
+                  <a:srgbClr val="000000"/>
+                </a:solidFill>
+                <a:ea typeface="+mn-ea"/>
+                <a:cs typeface="Calibri" panose="020F0502020204030204" pitchFamily="34" charset="0"/>
+              </a:rPr>
+              <a:t>MSE </a:t>
+            </a:r>
+            <a:r>
+              <a:rPr lang="en-US" altLang="zh-CN" sz="3600" kern="0" dirty="0">
+                <a:solidFill>
+                  <a:srgbClr val="000000"/>
+                </a:solidFill>
+                <a:ea typeface="+mn-ea"/>
+                <a:cs typeface="Calibri" panose="020F0502020204030204" pitchFamily="34" charset="0"/>
+              </a:rPr>
+              <a:t>: </a:t>
+            </a:r>
+            <a:r>
+              <a:rPr lang="en-US" altLang="zh-CN" sz="3600" kern="0" dirty="0" smtClean="0">
+                <a:solidFill>
+                  <a:srgbClr val="FF0000"/>
+                </a:solidFill>
+                <a:ea typeface="+mn-ea"/>
+                <a:cs typeface="Calibri" panose="020F0502020204030204" pitchFamily="34" charset="0"/>
+              </a:rPr>
+              <a:t>0.1821</a:t>
+            </a:r>
+            <a:endParaRPr lang="zh-CN" altLang="en-US" sz="3600" kern="0" dirty="0">
+              <a:solidFill>
+                <a:srgbClr val="FF0000"/>
+              </a:solidFill>
+              <a:ea typeface="+mn-ea"/>
+              <a:cs typeface="Calibri" panose="020F0502020204030204" pitchFamily="34" charset="0"/>
+            </a:endParaRPr>
+          </a:p>
+        </p:txBody>
+      </p:sp>
+      <p:sp>
+        <p:nvSpPr>
+          <p:cNvPr id="156" name="文本框 155"/>
+          <p:cNvSpPr txBox="1"/>
+          <p:nvPr/>
+        </p:nvSpPr>
+        <p:spPr>
+          <a:xfrm>
+            <a:off x="16820827" y="7627747"/>
+            <a:ext cx="5472000" cy="646331"/>
+          </a:xfrm>
+          <a:prstGeom prst="rect">
+            <a:avLst/>
+          </a:prstGeom>
+          <a:solidFill>
+            <a:srgbClr val="FFA89F"/>
+          </a:solidFill>
+        </p:spPr>
+        <p:txBody>
+          <a:bodyPr wrap="square" rtlCol="0">
+            <a:spAutoFit/>
+          </a:bodyPr>
+          <a:lstStyle/>
+          <a:p>
+            <a:r>
+              <a:rPr lang="en-US" altLang="zh-CN" sz="3600" dirty="0" smtClean="0"/>
+              <a:t>Performance of BUPT Model</a:t>
+            </a:r>
+            <a:endParaRPr lang="zh-CN" altLang="en-US" sz="3600" dirty="0"/>
+          </a:p>
+        </p:txBody>
+      </p:sp>
+      <p:sp>
+        <p:nvSpPr>
+          <p:cNvPr id="157" name="文本框 156"/>
+          <p:cNvSpPr txBox="1"/>
+          <p:nvPr/>
+        </p:nvSpPr>
+        <p:spPr>
+          <a:xfrm>
+            <a:off x="23878443" y="7546381"/>
+            <a:ext cx="7488000" cy="646331"/>
+          </a:xfrm>
+          <a:prstGeom prst="rect">
+            <a:avLst/>
+          </a:prstGeom>
+          <a:solidFill>
+            <a:srgbClr val="FFFF00"/>
+          </a:solidFill>
+        </p:spPr>
+        <p:txBody>
+          <a:bodyPr wrap="square" rtlCol="0">
+            <a:spAutoFit/>
+          </a:bodyPr>
+          <a:lstStyle/>
+          <a:p>
+            <a:r>
+              <a:rPr lang="en-US" altLang="zh-CN" sz="3600" dirty="0" smtClean="0"/>
+              <a:t>Performance Validation of UCSD Model</a:t>
+            </a:r>
+            <a:endParaRPr lang="zh-CN" altLang="en-US" sz="3600" dirty="0"/>
+          </a:p>
+        </p:txBody>
+      </p:sp>
+      <p:pic>
+        <p:nvPicPr>
+          <p:cNvPr id="158" name="Picture 181"/>
+          <p:cNvPicPr>
+            <a:picLocks noChangeAspect="1" noChangeArrowheads="1"/>
+          </p:cNvPicPr>
+          <p:nvPr/>
+        </p:nvPicPr>
+        <p:blipFill>
+          <a:blip r:embed="rId26">
+            <a:extLst>
+              <a:ext uri="{28A0092B-C50C-407E-A947-70E740481C1C}">
+                <a14:useLocalDpi xmlns:a14="http://schemas.microsoft.com/office/drawing/2010/main" val="0"/>
+              </a:ext>
+            </a:extLst>
+          </a:blip>
+          <a:srcRect/>
+          <a:stretch>
+            <a:fillRect/>
+          </a:stretch>
+        </p:blipFill>
+        <p:spPr bwMode="auto">
+          <a:xfrm>
+            <a:off x="16449251" y="8042136"/>
+            <a:ext cx="5978724" cy="4486745"/>
+          </a:xfrm>
+          <a:prstGeom prst="rect">
+            <a:avLst/>
+          </a:prstGeom>
+          <a:noFill/>
+          <a:ln>
+            <a:noFill/>
+          </a:ln>
+          <a:extLst>
+            <a:ext uri="{909E8E84-426E-40DD-AFC4-6F175D3DCCD1}">
+              <a14:hiddenFill xmlns:a14="http://schemas.microsoft.com/office/drawing/2010/main">
+                <a:solidFill>
+                  <a:srgbClr val="FFFFFF"/>
+                </a:solidFill>
+              </a14:hiddenFill>
+            </a:ext>
+            <a:ext uri="{91240B29-F687-4F45-9708-019B960494DF}">
+              <a14:hiddenLine xmlns:a14="http://schemas.microsoft.com/office/drawing/2010/main" w="9525">
+                <a:solidFill>
+                  <a:srgbClr val="000000"/>
+                </a:solidFill>
+                <a:miter lim="800000"/>
+                <a:headEnd/>
+                <a:tailEnd/>
+              </a14:hiddenLine>
+            </a:ext>
+          </a:extLst>
+        </p:spPr>
+      </p:pic>
+      <p:sp>
+        <p:nvSpPr>
+          <p:cNvPr id="159" name="文本框 158"/>
+          <p:cNvSpPr txBox="1"/>
+          <p:nvPr/>
+        </p:nvSpPr>
+        <p:spPr>
+          <a:xfrm>
+            <a:off x="100437" y="36454215"/>
+            <a:ext cx="7503366" cy="646331"/>
+          </a:xfrm>
+          <a:prstGeom prst="rect">
+            <a:avLst/>
+          </a:prstGeom>
+          <a:noFill/>
+        </p:spPr>
+        <p:txBody>
+          <a:bodyPr wrap="square" rtlCol="0">
+            <a:spAutoFit/>
+          </a:bodyPr>
+          <a:lstStyle/>
+          <a:p>
+            <a:r>
+              <a:rPr lang="en-US" altLang="zh-CN" sz="3600" dirty="0" smtClean="0">
+                <a:solidFill>
+                  <a:schemeClr val="bg2"/>
+                </a:solidFill>
+              </a:rPr>
+              <a:t>*</a:t>
+            </a:r>
+            <a:r>
+              <a:rPr lang="en-US" altLang="zh-CN" sz="3600" dirty="0"/>
+              <a:t>Strong </a:t>
+            </a:r>
+            <a:r>
+              <a:rPr lang="en-US" altLang="zh-CN" sz="3600" dirty="0" smtClean="0"/>
+              <a:t>correlation when value &lt;0.05</a:t>
+            </a:r>
+            <a:endParaRPr lang="zh-CN" altLang="en-US" sz="3600" dirty="0"/>
+          </a:p>
+        </p:txBody>
+      </p:sp>
+      <p:sp>
+        <p:nvSpPr>
+          <p:cNvPr id="160" name="Szövegdoboz 2"/>
+          <p:cNvSpPr txBox="1">
+            <a:spLocks noChangeArrowheads="1"/>
+          </p:cNvSpPr>
+          <p:nvPr/>
+        </p:nvSpPr>
+        <p:spPr bwMode="auto">
+          <a:xfrm>
+            <a:off x="17109946" y="35954014"/>
+            <a:ext cx="6335617" cy="539583"/>
+          </a:xfrm>
+          <a:prstGeom prst="rect">
+            <a:avLst/>
+          </a:prstGeom>
+          <a:noFill/>
+          <a:ln>
+            <a:noFill/>
+          </a:ln>
+          <a:extLst>
+            <a:ext uri="{909E8E84-426E-40DD-AFC4-6F175D3DCCD1}">
+              <a14:hiddenFill xmlns:a14="http://schemas.microsoft.com/office/drawing/2010/main">
+                <a:solidFill>
+                  <a:srgbClr val="FFFFFF"/>
+                </a:solidFill>
+              </a14:hiddenFill>
+            </a:ext>
+            <a:ext uri="{91240B29-F687-4F45-9708-019B960494DF}">
+              <a14:hiddenLine xmlns:a14="http://schemas.microsoft.com/office/drawing/2010/main" w="9525">
+                <a:solidFill>
+                  <a:srgbClr val="000000"/>
+                </a:solidFill>
+                <a:miter lim="800000"/>
+                <a:headEnd/>
+                <a:tailEnd/>
+              </a14:hiddenLine>
+            </a:ext>
+          </a:extLst>
+        </p:spPr>
+        <p:txBody>
+          <a:bodyPr lIns="139345" tIns="69673" rIns="139345" bIns="69673"/>
+          <a:lstStyle>
+            <a:lvl1pPr marL="522288" indent="-522288">
+              <a:spcBef>
+                <a:spcPct val="20000"/>
+              </a:spcBef>
+              <a:buFont typeface="Arial" panose="020B0604020202020204" pitchFamily="34" charset="0"/>
+              <a:buChar char="•"/>
+              <a:defRPr sz="22200">
+                <a:solidFill>
+                  <a:schemeClr val="tx1"/>
+                </a:solidFill>
+                <a:latin typeface="Calibri" panose="020F0502020204030204" pitchFamily="34" charset="0"/>
+              </a:defRPr>
+            </a:lvl1pPr>
+            <a:lvl2pPr marL="742950" indent="-285750">
+              <a:spcBef>
+                <a:spcPct val="20000"/>
+              </a:spcBef>
+              <a:buFont typeface="Arial" panose="020B0604020202020204" pitchFamily="34" charset="0"/>
+              <a:buChar char="–"/>
+              <a:defRPr sz="19500">
+                <a:solidFill>
+                  <a:schemeClr val="tx1"/>
+                </a:solidFill>
+                <a:latin typeface="Calibri" panose="020F0502020204030204" pitchFamily="34" charset="0"/>
+              </a:defRPr>
+            </a:lvl2pPr>
+            <a:lvl3pPr marL="1143000" indent="-228600">
+              <a:spcBef>
+                <a:spcPct val="20000"/>
+              </a:spcBef>
+              <a:buFont typeface="Arial" panose="020B0604020202020204" pitchFamily="34" charset="0"/>
+              <a:buChar char="•"/>
+              <a:defRPr sz="16800">
+                <a:solidFill>
+                  <a:schemeClr val="tx1"/>
+                </a:solidFill>
+                <a:latin typeface="Calibri" panose="020F0502020204030204" pitchFamily="34" charset="0"/>
+              </a:defRPr>
+            </a:lvl3pPr>
+            <a:lvl4pPr marL="1600200" indent="-228600">
+              <a:spcBef>
+                <a:spcPct val="20000"/>
+              </a:spcBef>
+              <a:buFont typeface="Arial" panose="020B0604020202020204" pitchFamily="34" charset="0"/>
+              <a:buChar char="–"/>
+              <a:defRPr sz="13900">
+                <a:solidFill>
+                  <a:schemeClr val="tx1"/>
+                </a:solidFill>
+                <a:latin typeface="Calibri" panose="020F0502020204030204" pitchFamily="34" charset="0"/>
+              </a:defRPr>
+            </a:lvl4pPr>
+            <a:lvl5pPr marL="2057400" indent="-228600">
+              <a:spcBef>
+                <a:spcPct val="20000"/>
+              </a:spcBef>
+              <a:buFont typeface="Arial" panose="020B0604020202020204" pitchFamily="34" charset="0"/>
+              <a:buChar char="»"/>
+              <a:defRPr sz="13900">
+                <a:solidFill>
+                  <a:schemeClr val="tx1"/>
+                </a:solidFill>
+                <a:latin typeface="Calibri" panose="020F0502020204030204" pitchFamily="34" charset="0"/>
+              </a:defRPr>
+            </a:lvl5pPr>
+            <a:lvl6pPr marL="2514600" indent="-228600" defTabSz="6361113" eaLnBrk="0" fontAlgn="base" hangingPunct="0">
+              <a:spcBef>
+                <a:spcPct val="20000"/>
+              </a:spcBef>
+              <a:spcAft>
+                <a:spcPct val="0"/>
+              </a:spcAft>
+              <a:buFont typeface="Arial" panose="020B0604020202020204" pitchFamily="34" charset="0"/>
+              <a:buChar char="»"/>
+              <a:defRPr sz="13900">
+                <a:solidFill>
+                  <a:schemeClr val="tx1"/>
+                </a:solidFill>
+                <a:latin typeface="Calibri" panose="020F0502020204030204" pitchFamily="34" charset="0"/>
+              </a:defRPr>
+            </a:lvl6pPr>
+            <a:lvl7pPr marL="2971800" indent="-228600" defTabSz="6361113" eaLnBrk="0" fontAlgn="base" hangingPunct="0">
+              <a:spcBef>
+                <a:spcPct val="20000"/>
+              </a:spcBef>
+              <a:spcAft>
+                <a:spcPct val="0"/>
+              </a:spcAft>
+              <a:buFont typeface="Arial" panose="020B0604020202020204" pitchFamily="34" charset="0"/>
+              <a:buChar char="»"/>
+              <a:defRPr sz="13900">
+                <a:solidFill>
+                  <a:schemeClr val="tx1"/>
+                </a:solidFill>
+                <a:latin typeface="Calibri" panose="020F0502020204030204" pitchFamily="34" charset="0"/>
+              </a:defRPr>
+            </a:lvl7pPr>
+            <a:lvl8pPr marL="3429000" indent="-228600" defTabSz="6361113" eaLnBrk="0" fontAlgn="base" hangingPunct="0">
+              <a:spcBef>
+                <a:spcPct val="20000"/>
+              </a:spcBef>
+              <a:spcAft>
+                <a:spcPct val="0"/>
+              </a:spcAft>
+              <a:buFont typeface="Arial" panose="020B0604020202020204" pitchFamily="34" charset="0"/>
+              <a:buChar char="»"/>
+              <a:defRPr sz="13900">
+                <a:solidFill>
+                  <a:schemeClr val="tx1"/>
+                </a:solidFill>
+                <a:latin typeface="Calibri" panose="020F0502020204030204" pitchFamily="34" charset="0"/>
+              </a:defRPr>
+            </a:lvl8pPr>
+            <a:lvl9pPr marL="3886200" indent="-228600" defTabSz="6361113" eaLnBrk="0" fontAlgn="base" hangingPunct="0">
+              <a:spcBef>
+                <a:spcPct val="20000"/>
+              </a:spcBef>
+              <a:spcAft>
+                <a:spcPct val="0"/>
+              </a:spcAft>
+              <a:buFont typeface="Arial" panose="020B0604020202020204" pitchFamily="34" charset="0"/>
+              <a:buChar char="»"/>
+              <a:defRPr sz="13900">
+                <a:solidFill>
+                  <a:schemeClr val="tx1"/>
+                </a:solidFill>
+                <a:latin typeface="Calibri" panose="020F0502020204030204" pitchFamily="34" charset="0"/>
+              </a:defRPr>
+            </a:lvl9pPr>
+          </a:lstStyle>
+          <a:p>
+            <a:pPr algn="just" eaLnBrk="1" hangingPunct="1">
+              <a:lnSpc>
+                <a:spcPts val="4000"/>
+              </a:lnSpc>
+              <a:spcBef>
+                <a:spcPct val="0"/>
+              </a:spcBef>
+              <a:spcAft>
+                <a:spcPts val="1825"/>
+              </a:spcAft>
+            </a:pPr>
+            <a:r>
+              <a:rPr lang="en-US" altLang="zh-CN" sz="4800" b="1" dirty="0" smtClean="0"/>
+              <a:t>Performance analysis</a:t>
+            </a:r>
+            <a:endParaRPr lang="en-US" altLang="zh-CN" sz="4800" b="1" dirty="0"/>
           </a:p>
         </p:txBody>
       </p:sp>
